--- a/2 前端/ECMAScript/ESMAScript版本的差别.pptx
+++ b/2 前端/ECMAScript/ESMAScript版本的差别.pptx
@@ -5,10 +5,11 @@
     <p:sldMasterId id="2147483648" r:id="rId1"/>
   </p:sldMasterIdLst>
   <p:notesMasterIdLst>
-    <p:notesMasterId r:id="rId3"/>
+    <p:notesMasterId r:id="rId4"/>
   </p:notesMasterIdLst>
   <p:sldIdLst>
     <p:sldId id="711" r:id="rId2"/>
+    <p:sldId id="712" r:id="rId3"/>
   </p:sldIdLst>
   <p:sldSz cx="12192000" cy="6858000"/>
   <p:notesSz cx="6858000" cy="9144000"/>
@@ -1159,6 +1160,83 @@
           <a:chExt cx="0" cy="0"/>
         </a:xfrm>
       </p:grpSpPr>
+      <p:pic>
+        <p:nvPicPr>
+          <p:cNvPr id="1028" name="Picture 4" descr="preview">
+            <a:extLst>
+              <a:ext uri="{FF2B5EF4-FFF2-40B4-BE49-F238E27FC236}">
+                <a16:creationId xmlns:a16="http://schemas.microsoft.com/office/drawing/2014/main" id="{1D25E15F-FBAE-4D4E-9F17-5500B851E880}"/>
+              </a:ext>
+            </a:extLst>
+          </p:cNvPr>
+          <p:cNvPicPr>
+            <a:picLocks noChangeAspect="1" noChangeArrowheads="1"/>
+          </p:cNvPicPr>
+          <p:nvPr/>
+        </p:nvPicPr>
+        <p:blipFill>
+          <a:blip r:embed="rId2">
+            <a:extLst>
+              <a:ext uri="{28A0092B-C50C-407E-A947-70E740481C1C}">
+                <a14:useLocalDpi xmlns:a14="http://schemas.microsoft.com/office/drawing/2010/main" val="0"/>
+              </a:ext>
+            </a:extLst>
+          </a:blip>
+          <a:srcRect/>
+          <a:stretch>
+            <a:fillRect/>
+          </a:stretch>
+        </p:blipFill>
+        <p:spPr bwMode="auto">
+          <a:xfrm>
+            <a:off x="952500" y="1090001"/>
+            <a:ext cx="10287000" cy="4124325"/>
+          </a:xfrm>
+          <a:prstGeom prst="rect">
+            <a:avLst/>
+          </a:prstGeom>
+          <a:noFill/>
+          <a:extLst>
+            <a:ext uri="{909E8E84-426E-40DD-AFC4-6F175D3DCCD1}">
+              <a14:hiddenFill xmlns:a14="http://schemas.microsoft.com/office/drawing/2010/main">
+                <a:solidFill>
+                  <a:srgbClr val="FFFFFF"/>
+                </a:solidFill>
+              </a14:hiddenFill>
+            </a:ext>
+          </a:extLst>
+        </p:spPr>
+      </p:pic>
+    </p:spTree>
+    <p:extLst>
+      <p:ext uri="{BB962C8B-B14F-4D97-AF65-F5344CB8AC3E}">
+        <p14:creationId xmlns:p14="http://schemas.microsoft.com/office/powerpoint/2010/main" val="2674585974"/>
+      </p:ext>
+    </p:extLst>
+  </p:cSld>
+  <p:clrMapOvr>
+    <a:masterClrMapping/>
+  </p:clrMapOvr>
+</p:sld>
+</file>
+
+<file path=ppt/slides/slide2.xml><?xml version="1.0" encoding="utf-8"?>
+<p:sld xmlns:a="http://schemas.openxmlformats.org/drawingml/2006/main" xmlns:r="http://schemas.openxmlformats.org/officeDocument/2006/relationships" xmlns:p="http://schemas.openxmlformats.org/presentationml/2006/main">
+  <p:cSld>
+    <p:spTree>
+      <p:nvGrpSpPr>
+        <p:cNvPr id="1" name=""/>
+        <p:cNvGrpSpPr/>
+        <p:nvPr/>
+      </p:nvGrpSpPr>
+      <p:grpSpPr>
+        <a:xfrm>
+          <a:off x="0" y="0"/>
+          <a:ext cx="0" cy="0"/>
+          <a:chOff x="0" y="0"/>
+          <a:chExt cx="0" cy="0"/>
+        </a:xfrm>
+      </p:grpSpPr>
       <p:sp>
         <p:nvSpPr>
           <p:cNvPr id="47" name="文本框 46">
@@ -1173,8 +1251,8 @@
         </p:nvSpPr>
         <p:spPr>
           <a:xfrm>
-            <a:off x="674238" y="630177"/>
-            <a:ext cx="1210588" cy="830997"/>
+            <a:off x="731830" y="1766066"/>
+            <a:ext cx="1348446" cy="369332"/>
           </a:xfrm>
           <a:prstGeom prst="rect">
             <a:avLst/>
@@ -1189,30 +1267,29 @@
               <a:defRPr lang="zh-CN"/>
             </a:defPPr>
             <a:lvl1pPr>
-              <a:defRPr sz="4000" b="1">
-                <a:solidFill>
-                  <a:schemeClr val="bg2">
-                    <a:lumMod val="90000"/>
-                  </a:schemeClr>
-                </a:solidFill>
-                <a:latin typeface="Open Sans"/>
+              <a:lnSpc>
+                <a:spcPct val="150000"/>
+              </a:lnSpc>
+              <a:defRPr b="1">
+                <a:solidFill>
+                  <a:srgbClr val="E43500"/>
+                </a:solidFill>
+                <a:latin typeface="Microsoft YaHei" panose="020B0503020204020204" pitchFamily="34" charset="-122"/>
+                <a:ea typeface="Microsoft YaHei" panose="020B0503020204020204" pitchFamily="34" charset="-122"/>
               </a:defRPr>
             </a:lvl1pPr>
           </a:lstStyle>
           <a:p>
-            <a:r>
-              <a:rPr lang="en-US" altLang="zh-CN" sz="4800" dirty="0">
-                <a:solidFill>
-                  <a:srgbClr val="00B0F0"/>
-                </a:solidFill>
-              </a:rPr>
-              <a:t>ES6</a:t>
-            </a:r>
-            <a:endParaRPr lang="zh-CN" altLang="en-US" sz="4800" dirty="0">
-              <a:solidFill>
-                <a:srgbClr val="00B0F0"/>
-              </a:solidFill>
-            </a:endParaRPr>
+            <a:pPr>
+              <a:lnSpc>
+                <a:spcPct val="100000"/>
+              </a:lnSpc>
+            </a:pPr>
+            <a:r>
+              <a:rPr lang="en-US" altLang="zh-CN" dirty="0"/>
+              <a:t>ES6(2015)</a:t>
+            </a:r>
+            <a:endParaRPr lang="zh-CN" altLang="en-US" dirty="0"/>
           </a:p>
         </p:txBody>
       </p:sp>
@@ -1230,8 +1307,8 @@
         </p:nvSpPr>
         <p:spPr>
           <a:xfrm>
-            <a:off x="674238" y="2565729"/>
-            <a:ext cx="1281120" cy="710194"/>
+            <a:off x="5196173" y="2083065"/>
+            <a:ext cx="1976823" cy="490519"/>
           </a:xfrm>
           <a:prstGeom prst="rect">
             <a:avLst/>
@@ -1249,345 +1326,32 @@
               <a:lnSpc>
                 <a:spcPct val="150000"/>
               </a:lnSpc>
-              <a:defRPr b="0">
-                <a:solidFill>
-                  <a:schemeClr val="tx1">
-                    <a:lumMod val="75000"/>
-                    <a:lumOff val="25000"/>
-                  </a:schemeClr>
-                </a:solidFill>
-                <a:latin typeface="PingFang SC Thin" panose="020B0200000000000000" pitchFamily="34" charset="-122"/>
-                <a:ea typeface="PingFang SC Thin" panose="020B0200000000000000" pitchFamily="34" charset="-122"/>
+              <a:defRPr sz="1400" b="0" i="0">
+                <a:solidFill>
+                  <a:srgbClr val="000000"/>
+                </a:solidFill>
+                <a:effectLst/>
+                <a:latin typeface="Courier New" panose="02070309020205020404" pitchFamily="49" charset="0"/>
+                <a:ea typeface="PingFang SC Thin" panose="020B0200000000000000" pitchFamily="34" charset="-122"/>
+                <a:cs typeface="Courier New" panose="02070309020205020404" pitchFamily="49" charset="0"/>
               </a:defRPr>
             </a:lvl1pPr>
           </a:lstStyle>
           <a:p>
             <a:r>
-              <a:rPr lang="zh-CN" altLang="en-US" sz="1400" dirty="0"/>
-              <a:t>字符串处理。</a:t>
-            </a:r>
-            <a:endParaRPr lang="en-US" altLang="zh-CN" sz="1400" dirty="0"/>
-          </a:p>
-          <a:p>
-            <a:r>
-              <a:rPr lang="zh-CN" altLang="en-US" sz="1400" dirty="0"/>
-              <a:t>简洁、优雅。</a:t>
-            </a:r>
-            <a:endParaRPr lang="en-US" altLang="zh-CN" sz="1400" dirty="0"/>
-          </a:p>
-        </p:txBody>
-      </p:sp>
-      <p:sp>
-        <p:nvSpPr>
-          <p:cNvPr id="4" name="文本框 3">
-            <a:extLst>
-              <a:ext uri="{FF2B5EF4-FFF2-40B4-BE49-F238E27FC236}">
-                <a16:creationId xmlns:a16="http://schemas.microsoft.com/office/drawing/2014/main" id="{C2DD6716-A665-9143-A32B-2016A8E88CA9}"/>
-              </a:ext>
-            </a:extLst>
-          </p:cNvPr>
-          <p:cNvSpPr txBox="1"/>
-          <p:nvPr/>
-        </p:nvSpPr>
-        <p:spPr>
-          <a:xfrm>
-            <a:off x="2368223" y="2565729"/>
-            <a:ext cx="1475084" cy="1356525"/>
-          </a:xfrm>
-          <a:prstGeom prst="rect">
-            <a:avLst/>
-          </a:prstGeom>
-        </p:spPr>
-        <p:txBody>
-          <a:bodyPr wrap="none">
-            <a:spAutoFit/>
-          </a:bodyPr>
-          <a:lstStyle>
-            <a:defPPr>
-              <a:defRPr lang="zh-CN"/>
-            </a:defPPr>
-            <a:lvl1pPr>
-              <a:lnSpc>
-                <a:spcPct val="150000"/>
-              </a:lnSpc>
-              <a:defRPr sz="1400" b="0">
-                <a:solidFill>
-                  <a:schemeClr val="tx1">
-                    <a:lumMod val="75000"/>
-                    <a:lumOff val="25000"/>
-                  </a:schemeClr>
-                </a:solidFill>
-                <a:latin typeface="PingFang SC Thin" panose="020B0200000000000000" pitchFamily="34" charset="-122"/>
-                <a:ea typeface="PingFang SC Thin" panose="020B0200000000000000" pitchFamily="34" charset="-122"/>
-              </a:defRPr>
-            </a:lvl1pPr>
-          </a:lstStyle>
-          <a:p>
-            <a:r>
-              <a:rPr lang="zh-CN" altLang="en-US" dirty="0"/>
-              <a:t>术语和操作符</a:t>
-            </a:r>
-            <a:endParaRPr lang="en-US" altLang="zh-CN" dirty="0"/>
-          </a:p>
-          <a:p>
-            <a:r>
-              <a:rPr lang="zh-CN" altLang="en-US" dirty="0"/>
-              <a:t>修饰符</a:t>
-            </a:r>
-            <a:endParaRPr lang="en-US" altLang="zh-CN" dirty="0"/>
-          </a:p>
-          <a:p>
-            <a:r>
-              <a:rPr lang="zh-CN" altLang="en-US" dirty="0"/>
-              <a:t>捕获</a:t>
-            </a:r>
-            <a:endParaRPr lang="en-US" altLang="zh-CN" dirty="0"/>
-          </a:p>
-          <a:p>
-            <a:r>
-              <a:rPr lang="en-US" altLang="zh-CN" dirty="0" err="1"/>
-              <a:t>String.replace</a:t>
-            </a:r>
-            <a:r>
-              <a:rPr lang="en-US" altLang="zh-CN" dirty="0"/>
+              <a:rPr lang="zh-CN" altLang="en-US" sz="900" dirty="0"/>
+              <a:t>求幂运算符</a:t>
+            </a:r>
+          </a:p>
+          <a:p>
+            <a:r>
+              <a:rPr lang="en-US" altLang="zh-CN" sz="900" dirty="0" err="1"/>
+              <a:t>Array.prototype.includes</a:t>
+            </a:r>
+            <a:r>
+              <a:rPr lang="en-US" altLang="zh-CN" sz="900" dirty="0"/>
               <a:t>()</a:t>
             </a:r>
-          </a:p>
-        </p:txBody>
-      </p:sp>
-      <p:sp>
-        <p:nvSpPr>
-          <p:cNvPr id="5" name="文本框 4">
-            <a:extLst>
-              <a:ext uri="{FF2B5EF4-FFF2-40B4-BE49-F238E27FC236}">
-                <a16:creationId xmlns:a16="http://schemas.microsoft.com/office/drawing/2014/main" id="{A3CB1841-5E81-F548-A575-7EC52C1C2806}"/>
-              </a:ext>
-            </a:extLst>
-          </p:cNvPr>
-          <p:cNvSpPr txBox="1"/>
-          <p:nvPr/>
-        </p:nvSpPr>
-        <p:spPr>
-          <a:xfrm>
-            <a:off x="4319526" y="2565729"/>
-            <a:ext cx="732893" cy="1033360"/>
-          </a:xfrm>
-          <a:prstGeom prst="rect">
-            <a:avLst/>
-          </a:prstGeom>
-        </p:spPr>
-        <p:txBody>
-          <a:bodyPr wrap="none">
-            <a:spAutoFit/>
-          </a:bodyPr>
-          <a:lstStyle>
-            <a:defPPr>
-              <a:defRPr lang="zh-CN"/>
-            </a:defPPr>
-            <a:lvl1pPr>
-              <a:lnSpc>
-                <a:spcPct val="150000"/>
-              </a:lnSpc>
-              <a:defRPr sz="1400" b="0">
-                <a:solidFill>
-                  <a:schemeClr val="tx1">
-                    <a:lumMod val="75000"/>
-                    <a:lumOff val="25000"/>
-                  </a:schemeClr>
-                </a:solidFill>
-                <a:latin typeface="PingFang SC Thin" panose="020B0200000000000000" pitchFamily="34" charset="-122"/>
-                <a:ea typeface="PingFang SC Thin" panose="020B0200000000000000" pitchFamily="34" charset="-122"/>
-              </a:defRPr>
-            </a:lvl1pPr>
-          </a:lstStyle>
-          <a:p>
-            <a:r>
-              <a:rPr lang="zh-CN" altLang="en-US" dirty="0"/>
-              <a:t>示例</a:t>
-            </a:r>
-            <a:endParaRPr lang="en-US" altLang="zh-CN" dirty="0"/>
-          </a:p>
-          <a:p>
-            <a:r>
-              <a:rPr lang="zh-CN" altLang="en-US" dirty="0"/>
-              <a:t>面试题</a:t>
-            </a:r>
-            <a:endParaRPr lang="en-US" altLang="zh-CN" dirty="0"/>
-          </a:p>
-          <a:p>
-            <a:r>
-              <a:rPr lang="zh-CN" altLang="en-US" dirty="0"/>
-              <a:t>运用</a:t>
-            </a:r>
-            <a:endParaRPr lang="en-US" altLang="zh-CN" dirty="0"/>
-          </a:p>
-        </p:txBody>
-      </p:sp>
-      <p:sp>
-        <p:nvSpPr>
-          <p:cNvPr id="6" name="文本框 5">
-            <a:extLst>
-              <a:ext uri="{FF2B5EF4-FFF2-40B4-BE49-F238E27FC236}">
-                <a16:creationId xmlns:a16="http://schemas.microsoft.com/office/drawing/2014/main" id="{FE708CFF-F2A9-C245-830D-41DF084CADA7}"/>
-              </a:ext>
-            </a:extLst>
-          </p:cNvPr>
-          <p:cNvSpPr txBox="1"/>
-          <p:nvPr/>
-        </p:nvSpPr>
-        <p:spPr>
-          <a:xfrm>
-            <a:off x="674238" y="2246909"/>
-            <a:ext cx="1261884" cy="377411"/>
-          </a:xfrm>
-          <a:prstGeom prst="rect">
-            <a:avLst/>
-          </a:prstGeom>
-        </p:spPr>
-        <p:txBody>
-          <a:bodyPr wrap="none">
-            <a:spAutoFit/>
-          </a:bodyPr>
-          <a:lstStyle>
-            <a:defPPr>
-              <a:defRPr lang="zh-CN"/>
-            </a:defPPr>
-            <a:lvl1pPr>
-              <a:lnSpc>
-                <a:spcPct val="150000"/>
-              </a:lnSpc>
-              <a:defRPr b="0">
-                <a:solidFill>
-                  <a:schemeClr val="tx1">
-                    <a:lumMod val="75000"/>
-                    <a:lumOff val="25000"/>
-                  </a:schemeClr>
-                </a:solidFill>
-                <a:latin typeface="PingFang SC Thin" panose="020B0200000000000000" pitchFamily="34" charset="-122"/>
-                <a:ea typeface="PingFang SC Thin" panose="020B0200000000000000" pitchFamily="34" charset="-122"/>
-              </a:defRPr>
-            </a:lvl1pPr>
-          </a:lstStyle>
-          <a:p>
-            <a:r>
-              <a:rPr lang="zh-CN" altLang="en-US" sz="1400" b="1" dirty="0">
-                <a:latin typeface="Microsoft YaHei" panose="020B0503020204020204" pitchFamily="34" charset="-122"/>
-                <a:ea typeface="Microsoft YaHei" panose="020B0503020204020204" pitchFamily="34" charset="-122"/>
-              </a:rPr>
-              <a:t>为什么需要？</a:t>
-            </a:r>
-            <a:endParaRPr lang="en-US" altLang="zh-CN" sz="1400" b="1" dirty="0">
-              <a:latin typeface="Microsoft YaHei" panose="020B0503020204020204" pitchFamily="34" charset="-122"/>
-              <a:ea typeface="Microsoft YaHei" panose="020B0503020204020204" pitchFamily="34" charset="-122"/>
-            </a:endParaRPr>
-          </a:p>
-        </p:txBody>
-      </p:sp>
-      <p:sp>
-        <p:nvSpPr>
-          <p:cNvPr id="7" name="文本框 6">
-            <a:extLst>
-              <a:ext uri="{FF2B5EF4-FFF2-40B4-BE49-F238E27FC236}">
-                <a16:creationId xmlns:a16="http://schemas.microsoft.com/office/drawing/2014/main" id="{04CC5995-7842-9D4A-BBD0-5B8DD9AF41D9}"/>
-              </a:ext>
-            </a:extLst>
-          </p:cNvPr>
-          <p:cNvSpPr txBox="1"/>
-          <p:nvPr/>
-        </p:nvSpPr>
-        <p:spPr>
-          <a:xfrm>
-            <a:off x="2368223" y="2246909"/>
-            <a:ext cx="902811" cy="377411"/>
-          </a:xfrm>
-          <a:prstGeom prst="rect">
-            <a:avLst/>
-          </a:prstGeom>
-        </p:spPr>
-        <p:txBody>
-          <a:bodyPr wrap="none">
-            <a:spAutoFit/>
-          </a:bodyPr>
-          <a:lstStyle>
-            <a:defPPr>
-              <a:defRPr lang="zh-CN"/>
-            </a:defPPr>
-            <a:lvl1pPr>
-              <a:lnSpc>
-                <a:spcPct val="150000"/>
-              </a:lnSpc>
-              <a:defRPr sz="1400" b="1">
-                <a:solidFill>
-                  <a:schemeClr val="tx1">
-                    <a:lumMod val="75000"/>
-                    <a:lumOff val="25000"/>
-                  </a:schemeClr>
-                </a:solidFill>
-                <a:latin typeface="Microsoft YaHei" panose="020B0503020204020204" pitchFamily="34" charset="-122"/>
-                <a:ea typeface="Microsoft YaHei" panose="020B0503020204020204" pitchFamily="34" charset="-122"/>
-              </a:defRPr>
-            </a:lvl1pPr>
-          </a:lstStyle>
-          <a:p>
-            <a:r>
-              <a:rPr lang="zh-CN" altLang="en-US" dirty="0"/>
-              <a:t>如何做？</a:t>
-            </a:r>
-            <a:endParaRPr lang="en-US" altLang="zh-CN" dirty="0"/>
-          </a:p>
-        </p:txBody>
-      </p:sp>
-      <p:sp>
-        <p:nvSpPr>
-          <p:cNvPr id="8" name="文本框 7">
-            <a:extLst>
-              <a:ext uri="{FF2B5EF4-FFF2-40B4-BE49-F238E27FC236}">
-                <a16:creationId xmlns:a16="http://schemas.microsoft.com/office/drawing/2014/main" id="{7A463B78-1E8A-6941-8895-CC608CD78E1A}"/>
-              </a:ext>
-            </a:extLst>
-          </p:cNvPr>
-          <p:cNvSpPr txBox="1"/>
-          <p:nvPr/>
-        </p:nvSpPr>
-        <p:spPr>
-          <a:xfrm>
-            <a:off x="4319526" y="2246909"/>
-            <a:ext cx="1082348" cy="377411"/>
-          </a:xfrm>
-          <a:prstGeom prst="rect">
-            <a:avLst/>
-          </a:prstGeom>
-        </p:spPr>
-        <p:txBody>
-          <a:bodyPr wrap="none">
-            <a:spAutoFit/>
-          </a:bodyPr>
-          <a:lstStyle>
-            <a:defPPr>
-              <a:defRPr lang="zh-CN"/>
-            </a:defPPr>
-            <a:lvl1pPr>
-              <a:lnSpc>
-                <a:spcPct val="150000"/>
-              </a:lnSpc>
-              <a:defRPr sz="1400" b="1">
-                <a:solidFill>
-                  <a:schemeClr val="tx1">
-                    <a:lumMod val="75000"/>
-                    <a:lumOff val="25000"/>
-                  </a:schemeClr>
-                </a:solidFill>
-                <a:latin typeface="Microsoft YaHei" panose="020B0503020204020204" pitchFamily="34" charset="-122"/>
-                <a:ea typeface="Microsoft YaHei" panose="020B0503020204020204" pitchFamily="34" charset="-122"/>
-              </a:defRPr>
-            </a:lvl1pPr>
-          </a:lstStyle>
-          <a:p>
-            <a:r>
-              <a:rPr lang="zh-CN" altLang="en-US" dirty="0"/>
-              <a:t>效果怎样？</a:t>
-            </a:r>
-            <a:endParaRPr lang="en-US" altLang="zh-CN" dirty="0"/>
           </a:p>
         </p:txBody>
       </p:sp>
@@ -1605,8 +1369,8 @@
         </p:nvSpPr>
         <p:spPr>
           <a:xfrm>
-            <a:off x="674238" y="1736250"/>
-            <a:ext cx="598241" cy="458908"/>
+            <a:off x="5196173" y="1766066"/>
+            <a:ext cx="1348446" cy="369332"/>
           </a:xfrm>
           <a:prstGeom prst="rect">
             <a:avLst/>
@@ -1634,9 +1398,14 @@
             </a:lvl1pPr>
           </a:lstStyle>
           <a:p>
+            <a:pPr>
+              <a:lnSpc>
+                <a:spcPct val="100000"/>
+              </a:lnSpc>
+            </a:pPr>
             <a:r>
               <a:rPr lang="en-US" altLang="zh-CN" dirty="0"/>
-              <a:t>ES7</a:t>
+              <a:t>ES7(2016)</a:t>
             </a:r>
             <a:endParaRPr lang="zh-CN" altLang="en-US" dirty="0"/>
           </a:p>
@@ -1644,20 +1413,351 @@
       </p:sp>
       <p:sp>
         <p:nvSpPr>
-          <p:cNvPr id="2" name="矩形 1">
+          <p:cNvPr id="12" name="文本框 11">
             <a:extLst>
               <a:ext uri="{FF2B5EF4-FFF2-40B4-BE49-F238E27FC236}">
-                <a16:creationId xmlns:a16="http://schemas.microsoft.com/office/drawing/2014/main" id="{00A1395E-7861-BA48-B523-49B7488F4656}"/>
+                <a16:creationId xmlns:a16="http://schemas.microsoft.com/office/drawing/2014/main" id="{B1FE2C5A-4A81-4854-8D34-E420D9F7F68D}"/>
               </a:ext>
             </a:extLst>
           </p:cNvPr>
-          <p:cNvSpPr/>
+          <p:cNvSpPr txBox="1"/>
           <p:nvPr/>
         </p:nvSpPr>
         <p:spPr>
           <a:xfrm>
-            <a:off x="6096000" y="1134910"/>
-            <a:ext cx="5273845" cy="4588179"/>
+            <a:off x="8428068" y="4201488"/>
+            <a:ext cx="1491114" cy="369332"/>
+          </a:xfrm>
+          <a:prstGeom prst="rect">
+            <a:avLst/>
+          </a:prstGeom>
+        </p:spPr>
+        <p:txBody>
+          <a:bodyPr wrap="none">
+            <a:spAutoFit/>
+          </a:bodyPr>
+          <a:lstStyle>
+            <a:defPPr>
+              <a:defRPr lang="zh-CN"/>
+            </a:defPPr>
+            <a:lvl1pPr>
+              <a:lnSpc>
+                <a:spcPct val="150000"/>
+              </a:lnSpc>
+              <a:defRPr b="1">
+                <a:solidFill>
+                  <a:srgbClr val="E43500"/>
+                </a:solidFill>
+                <a:latin typeface="Microsoft YaHei" panose="020B0503020204020204" pitchFamily="34" charset="-122"/>
+                <a:ea typeface="Microsoft YaHei" panose="020B0503020204020204" pitchFamily="34" charset="-122"/>
+              </a:defRPr>
+            </a:lvl1pPr>
+          </a:lstStyle>
+          <a:p>
+            <a:pPr>
+              <a:lnSpc>
+                <a:spcPct val="100000"/>
+              </a:lnSpc>
+            </a:pPr>
+            <a:r>
+              <a:rPr lang="zh-CN" altLang="en-US" dirty="0"/>
+              <a:t>ES11</a:t>
+            </a:r>
+            <a:r>
+              <a:rPr lang="en-US" altLang="zh-CN" dirty="0"/>
+              <a:t>(</a:t>
+            </a:r>
+            <a:r>
+              <a:rPr lang="zh-CN" altLang="en-US" dirty="0"/>
+              <a:t>2020</a:t>
+            </a:r>
+            <a:r>
+              <a:rPr lang="en-US" altLang="zh-CN" dirty="0"/>
+              <a:t>)</a:t>
+            </a:r>
+            <a:endParaRPr lang="zh-CN" altLang="en-US" dirty="0"/>
+          </a:p>
+        </p:txBody>
+      </p:sp>
+      <p:sp>
+        <p:nvSpPr>
+          <p:cNvPr id="13" name="文本框 12">
+            <a:extLst>
+              <a:ext uri="{FF2B5EF4-FFF2-40B4-BE49-F238E27FC236}">
+                <a16:creationId xmlns:a16="http://schemas.microsoft.com/office/drawing/2014/main" id="{CA5C27D2-4E82-4B8A-B7D2-9E322C4A670F}"/>
+              </a:ext>
+            </a:extLst>
+          </p:cNvPr>
+          <p:cNvSpPr txBox="1"/>
+          <p:nvPr/>
+        </p:nvSpPr>
+        <p:spPr>
+          <a:xfrm>
+            <a:off x="5196173" y="4201488"/>
+            <a:ext cx="1491114" cy="369332"/>
+          </a:xfrm>
+          <a:prstGeom prst="rect">
+            <a:avLst/>
+          </a:prstGeom>
+        </p:spPr>
+        <p:txBody>
+          <a:bodyPr wrap="none">
+            <a:spAutoFit/>
+          </a:bodyPr>
+          <a:lstStyle>
+            <a:defPPr>
+              <a:defRPr lang="zh-CN"/>
+            </a:defPPr>
+            <a:lvl1pPr>
+              <a:lnSpc>
+                <a:spcPct val="150000"/>
+              </a:lnSpc>
+              <a:defRPr b="1">
+                <a:solidFill>
+                  <a:srgbClr val="E43500"/>
+                </a:solidFill>
+                <a:latin typeface="Microsoft YaHei" panose="020B0503020204020204" pitchFamily="34" charset="-122"/>
+                <a:ea typeface="Microsoft YaHei" panose="020B0503020204020204" pitchFamily="34" charset="-122"/>
+              </a:defRPr>
+            </a:lvl1pPr>
+          </a:lstStyle>
+          <a:p>
+            <a:pPr>
+              <a:lnSpc>
+                <a:spcPct val="100000"/>
+              </a:lnSpc>
+            </a:pPr>
+            <a:r>
+              <a:rPr lang="en-US" altLang="zh-CN" dirty="0"/>
+              <a:t>ES10(2019)</a:t>
+            </a:r>
+            <a:endParaRPr lang="zh-CN" altLang="en-US" dirty="0"/>
+          </a:p>
+        </p:txBody>
+      </p:sp>
+      <p:sp>
+        <p:nvSpPr>
+          <p:cNvPr id="14" name="文本框 13">
+            <a:extLst>
+              <a:ext uri="{FF2B5EF4-FFF2-40B4-BE49-F238E27FC236}">
+                <a16:creationId xmlns:a16="http://schemas.microsoft.com/office/drawing/2014/main" id="{9F07B152-1A79-4E6F-979D-0B490BB9ECA8}"/>
+              </a:ext>
+            </a:extLst>
+          </p:cNvPr>
+          <p:cNvSpPr txBox="1"/>
+          <p:nvPr/>
+        </p:nvSpPr>
+        <p:spPr>
+          <a:xfrm>
+            <a:off x="8428068" y="1766066"/>
+            <a:ext cx="1348446" cy="369332"/>
+          </a:xfrm>
+          <a:prstGeom prst="rect">
+            <a:avLst/>
+          </a:prstGeom>
+        </p:spPr>
+        <p:txBody>
+          <a:bodyPr wrap="none">
+            <a:spAutoFit/>
+          </a:bodyPr>
+          <a:lstStyle>
+            <a:defPPr>
+              <a:defRPr lang="zh-CN"/>
+            </a:defPPr>
+            <a:lvl1pPr>
+              <a:lnSpc>
+                <a:spcPct val="150000"/>
+              </a:lnSpc>
+              <a:defRPr b="1">
+                <a:solidFill>
+                  <a:srgbClr val="E43500"/>
+                </a:solidFill>
+                <a:latin typeface="Microsoft YaHei" panose="020B0503020204020204" pitchFamily="34" charset="-122"/>
+                <a:ea typeface="Microsoft YaHei" panose="020B0503020204020204" pitchFamily="34" charset="-122"/>
+              </a:defRPr>
+            </a:lvl1pPr>
+          </a:lstStyle>
+          <a:p>
+            <a:pPr>
+              <a:lnSpc>
+                <a:spcPct val="100000"/>
+              </a:lnSpc>
+            </a:pPr>
+            <a:r>
+              <a:rPr lang="en-US" altLang="zh-CN" dirty="0"/>
+              <a:t>ES8(2017)</a:t>
+            </a:r>
+            <a:endParaRPr lang="zh-CN" altLang="en-US" dirty="0"/>
+          </a:p>
+        </p:txBody>
+      </p:sp>
+      <p:sp>
+        <p:nvSpPr>
+          <p:cNvPr id="15" name="文本框 14">
+            <a:extLst>
+              <a:ext uri="{FF2B5EF4-FFF2-40B4-BE49-F238E27FC236}">
+                <a16:creationId xmlns:a16="http://schemas.microsoft.com/office/drawing/2014/main" id="{1D2C93E2-5D76-4259-805D-4C6869917A4F}"/>
+              </a:ext>
+            </a:extLst>
+          </p:cNvPr>
+          <p:cNvSpPr txBox="1"/>
+          <p:nvPr/>
+        </p:nvSpPr>
+        <p:spPr>
+          <a:xfrm>
+            <a:off x="731830" y="4201488"/>
+            <a:ext cx="1348446" cy="369332"/>
+          </a:xfrm>
+          <a:prstGeom prst="rect">
+            <a:avLst/>
+          </a:prstGeom>
+        </p:spPr>
+        <p:txBody>
+          <a:bodyPr wrap="none">
+            <a:spAutoFit/>
+          </a:bodyPr>
+          <a:lstStyle>
+            <a:defPPr>
+              <a:defRPr lang="zh-CN"/>
+            </a:defPPr>
+            <a:lvl1pPr>
+              <a:lnSpc>
+                <a:spcPct val="150000"/>
+              </a:lnSpc>
+              <a:defRPr b="1">
+                <a:solidFill>
+                  <a:srgbClr val="E43500"/>
+                </a:solidFill>
+                <a:latin typeface="Microsoft YaHei" panose="020B0503020204020204" pitchFamily="34" charset="-122"/>
+                <a:ea typeface="Microsoft YaHei" panose="020B0503020204020204" pitchFamily="34" charset="-122"/>
+              </a:defRPr>
+            </a:lvl1pPr>
+          </a:lstStyle>
+          <a:p>
+            <a:pPr>
+              <a:lnSpc>
+                <a:spcPct val="100000"/>
+              </a:lnSpc>
+            </a:pPr>
+            <a:r>
+              <a:rPr lang="en-US" altLang="zh-CN" dirty="0"/>
+              <a:t>ES9(2018)</a:t>
+            </a:r>
+            <a:endParaRPr lang="zh-CN" altLang="en-US" dirty="0"/>
+          </a:p>
+        </p:txBody>
+      </p:sp>
+      <p:sp>
+        <p:nvSpPr>
+          <p:cNvPr id="16" name="文本框 15">
+            <a:extLst>
+              <a:ext uri="{FF2B5EF4-FFF2-40B4-BE49-F238E27FC236}">
+                <a16:creationId xmlns:a16="http://schemas.microsoft.com/office/drawing/2014/main" id="{6D2BD431-B761-43E2-8CB2-20F5EBF92B1C}"/>
+              </a:ext>
+            </a:extLst>
+          </p:cNvPr>
+          <p:cNvSpPr txBox="1"/>
+          <p:nvPr/>
+        </p:nvSpPr>
+        <p:spPr>
+          <a:xfrm>
+            <a:off x="8428068" y="2083065"/>
+            <a:ext cx="2799755" cy="1113575"/>
+          </a:xfrm>
+          <a:prstGeom prst="rect">
+            <a:avLst/>
+          </a:prstGeom>
+        </p:spPr>
+        <p:txBody>
+          <a:bodyPr wrap="square">
+            <a:spAutoFit/>
+          </a:bodyPr>
+          <a:lstStyle>
+            <a:defPPr>
+              <a:defRPr lang="zh-CN"/>
+            </a:defPPr>
+            <a:lvl1pPr>
+              <a:lnSpc>
+                <a:spcPct val="150000"/>
+              </a:lnSpc>
+              <a:defRPr sz="1400" b="0" i="0">
+                <a:solidFill>
+                  <a:srgbClr val="000000"/>
+                </a:solidFill>
+                <a:effectLst/>
+                <a:latin typeface="Courier New" panose="02070309020205020404" pitchFamily="49" charset="0"/>
+                <a:ea typeface="PingFang SC Thin" panose="020B0200000000000000" pitchFamily="34" charset="-122"/>
+                <a:cs typeface="Courier New" panose="02070309020205020404" pitchFamily="49" charset="0"/>
+              </a:defRPr>
+            </a:lvl1pPr>
+          </a:lstStyle>
+          <a:p>
+            <a:r>
+              <a:rPr lang="en-US" altLang="zh-CN" sz="900" dirty="0"/>
+              <a:t>async/await</a:t>
+            </a:r>
+          </a:p>
+          <a:p>
+            <a:r>
+              <a:rPr lang="en-US" altLang="zh-CN" sz="900" dirty="0" err="1"/>
+              <a:t>Object.entries</a:t>
+            </a:r>
+            <a:r>
+              <a:rPr lang="en-US" altLang="zh-CN" sz="900" dirty="0"/>
+              <a:t>()</a:t>
+            </a:r>
+          </a:p>
+          <a:p>
+            <a:r>
+              <a:rPr lang="en-US" altLang="zh-CN" sz="900"/>
+              <a:t>Object</a:t>
+            </a:r>
+            <a:r>
+              <a:rPr lang="en-US" altLang="zh-CN" sz="900" dirty="0" err="1"/>
+              <a:t>.values</a:t>
+            </a:r>
+            <a:r>
+              <a:rPr lang="en-US" altLang="zh-CN" sz="900" dirty="0"/>
+              <a:t>()</a:t>
+            </a:r>
+          </a:p>
+          <a:p>
+            <a:r>
+              <a:rPr lang="en-US" altLang="zh-CN" sz="900" dirty="0" err="1"/>
+              <a:t>Object.getOwnPropertyDesCriptors</a:t>
+            </a:r>
+            <a:r>
+              <a:rPr lang="en-US" altLang="zh-CN" sz="900" dirty="0"/>
+              <a:t>()</a:t>
+            </a:r>
+          </a:p>
+          <a:p>
+            <a:r>
+              <a:rPr lang="zh-CN" altLang="en-US" sz="900" dirty="0"/>
+              <a:t>字符串填充</a:t>
+            </a:r>
+            <a:endParaRPr lang="en-US" altLang="zh-CN" sz="900" dirty="0"/>
+          </a:p>
+        </p:txBody>
+      </p:sp>
+      <p:sp>
+        <p:nvSpPr>
+          <p:cNvPr id="11" name="Rectangle 2">
+            <a:extLst>
+              <a:ext uri="{FF2B5EF4-FFF2-40B4-BE49-F238E27FC236}">
+                <a16:creationId xmlns:a16="http://schemas.microsoft.com/office/drawing/2014/main" id="{5447C1E4-0BCC-4F34-B5F6-8489BC46093F}"/>
+              </a:ext>
+            </a:extLst>
+          </p:cNvPr>
+          <p:cNvSpPr>
+            <a:spLocks noChangeArrowheads="1"/>
+          </p:cNvSpPr>
+          <p:nvPr/>
+        </p:nvSpPr>
+        <p:spPr bwMode="auto">
+          <a:xfrm>
+            <a:off x="731829" y="774826"/>
+            <a:ext cx="3960239" cy="490327"/>
           </a:xfrm>
           <a:prstGeom prst="rect">
             <a:avLst/>
@@ -1675,58 +1775,429 @@
               </a:lnSpc>
             </a:pPr>
             <a:r>
-              <a:rPr lang="zh-CN" altLang="en-US" sz="1400" dirty="0">
-                <a:latin typeface="PingFang SC Thin" panose="020B0200000000000000" pitchFamily="34" charset="-122"/>
-                <a:ea typeface="PingFang SC Thin" panose="020B0200000000000000" pitchFamily="34" charset="-122"/>
-              </a:rPr>
-              <a:t>https://huangxuan.me/2015/09/22/js-version/</a:t>
-            </a:r>
-            <a:endParaRPr lang="en-US" altLang="zh-CN" sz="1400" dirty="0">
-              <a:latin typeface="PingFang SC Thin" panose="020B0200000000000000" pitchFamily="34" charset="-122"/>
+              <a:rPr lang="zh-CN" altLang="zh-CN" sz="900" dirty="0">
+                <a:solidFill>
+                  <a:srgbClr val="000000"/>
+                </a:solidFill>
+                <a:latin typeface="Courier New" panose="02070309020205020404" pitchFamily="49" charset="0"/>
+                <a:ea typeface="PingFang SC Thin" panose="020B0200000000000000" pitchFamily="34" charset="-122"/>
+                <a:cs typeface="Courier New" panose="02070309020205020404" pitchFamily="49" charset="0"/>
+              </a:rPr>
+              <a:t>新增了对正则表达式、try-catch异常处理的支持，修改了字符处理、错误定义和数值输出等内容。标志着ECMAScript成为了一门真正的编程语言。 </a:t>
+            </a:r>
+          </a:p>
+        </p:txBody>
+      </p:sp>
+      <p:sp>
+        <p:nvSpPr>
+          <p:cNvPr id="19" name="文本框 18">
+            <a:extLst>
+              <a:ext uri="{FF2B5EF4-FFF2-40B4-BE49-F238E27FC236}">
+                <a16:creationId xmlns:a16="http://schemas.microsoft.com/office/drawing/2014/main" id="{01AA9FF8-4CCA-42B2-9139-DB06E78C8CCF}"/>
+              </a:ext>
+            </a:extLst>
+          </p:cNvPr>
+          <p:cNvSpPr txBox="1"/>
+          <p:nvPr/>
+        </p:nvSpPr>
+        <p:spPr>
+          <a:xfrm>
+            <a:off x="731830" y="463694"/>
+            <a:ext cx="598241" cy="369332"/>
+          </a:xfrm>
+          <a:prstGeom prst="rect">
+            <a:avLst/>
+          </a:prstGeom>
+        </p:spPr>
+        <p:txBody>
+          <a:bodyPr wrap="none">
+            <a:spAutoFit/>
+          </a:bodyPr>
+          <a:lstStyle>
+            <a:defPPr>
+              <a:defRPr lang="zh-CN"/>
+            </a:defPPr>
+            <a:lvl1pPr>
+              <a:lnSpc>
+                <a:spcPct val="150000"/>
+              </a:lnSpc>
+              <a:defRPr b="1">
+                <a:solidFill>
+                  <a:srgbClr val="E43500"/>
+                </a:solidFill>
+                <a:latin typeface="Microsoft YaHei" panose="020B0503020204020204" pitchFamily="34" charset="-122"/>
+                <a:ea typeface="Microsoft YaHei" panose="020B0503020204020204" pitchFamily="34" charset="-122"/>
+              </a:defRPr>
+            </a:lvl1pPr>
+          </a:lstStyle>
+          <a:p>
+            <a:pPr>
+              <a:lnSpc>
+                <a:spcPct val="100000"/>
+              </a:lnSpc>
+            </a:pPr>
+            <a:r>
+              <a:rPr lang="en-US" altLang="zh-CN" dirty="0"/>
+              <a:t>ES3</a:t>
+            </a:r>
+            <a:endParaRPr lang="zh-CN" altLang="en-US" dirty="0"/>
+          </a:p>
+        </p:txBody>
+      </p:sp>
+      <p:sp>
+        <p:nvSpPr>
+          <p:cNvPr id="20" name="Rectangle 2">
+            <a:extLst>
+              <a:ext uri="{FF2B5EF4-FFF2-40B4-BE49-F238E27FC236}">
+                <a16:creationId xmlns:a16="http://schemas.microsoft.com/office/drawing/2014/main" id="{C0371BC9-517E-4A90-BEDB-4D3C97058BD8}"/>
+              </a:ext>
+            </a:extLst>
+          </p:cNvPr>
+          <p:cNvSpPr>
+            <a:spLocks noChangeArrowheads="1"/>
+          </p:cNvSpPr>
+          <p:nvPr/>
+        </p:nvSpPr>
+        <p:spPr bwMode="auto">
+          <a:xfrm>
+            <a:off x="5196173" y="774826"/>
+            <a:ext cx="1724010" cy="282578"/>
+          </a:xfrm>
+          <a:prstGeom prst="rect">
+            <a:avLst/>
+          </a:prstGeom>
+        </p:spPr>
+        <p:txBody>
+          <a:bodyPr wrap="square">
+            <a:spAutoFit/>
+          </a:bodyPr>
+          <a:lstStyle/>
+          <a:p>
+            <a:pPr>
+              <a:lnSpc>
+                <a:spcPct val="150000"/>
+              </a:lnSpc>
+            </a:pPr>
+            <a:r>
+              <a:rPr lang="zh-CN" altLang="en-US" sz="900" b="0" i="0" dirty="0">
+                <a:solidFill>
+                  <a:srgbClr val="333333"/>
+                </a:solidFill>
+                <a:effectLst/>
+                <a:latin typeface="pingfang SC"/>
+              </a:rPr>
+              <a:t>于</a:t>
+            </a:r>
+            <a:r>
+              <a:rPr lang="en-US" altLang="zh-CN" sz="900" b="0" i="0" dirty="0">
+                <a:solidFill>
+                  <a:srgbClr val="333333"/>
+                </a:solidFill>
+                <a:effectLst/>
+                <a:latin typeface="pingfang SC"/>
+              </a:rPr>
+              <a:t>2008</a:t>
+            </a:r>
+            <a:r>
+              <a:rPr lang="zh-CN" altLang="en-US" sz="900" b="0" i="0" dirty="0">
+                <a:solidFill>
+                  <a:srgbClr val="333333"/>
+                </a:solidFill>
+                <a:effectLst/>
+                <a:latin typeface="pingfang SC"/>
+              </a:rPr>
+              <a:t>年</a:t>
+            </a:r>
+            <a:r>
+              <a:rPr lang="en-US" altLang="zh-CN" sz="900" b="0" i="0" dirty="0">
+                <a:solidFill>
+                  <a:srgbClr val="333333"/>
+                </a:solidFill>
+                <a:effectLst/>
+                <a:latin typeface="pingfang SC"/>
+              </a:rPr>
+              <a:t>7</a:t>
+            </a:r>
+            <a:r>
+              <a:rPr lang="zh-CN" altLang="en-US" sz="900" b="0" i="0" dirty="0">
+                <a:solidFill>
+                  <a:srgbClr val="333333"/>
+                </a:solidFill>
+                <a:effectLst/>
+                <a:latin typeface="pingfang SC"/>
+              </a:rPr>
+              <a:t>月发布前被废弃。</a:t>
+            </a:r>
+            <a:endParaRPr lang="zh-CN" altLang="zh-CN" sz="900" dirty="0">
+              <a:solidFill>
+                <a:srgbClr val="000000"/>
+              </a:solidFill>
+              <a:latin typeface="Courier New" panose="02070309020205020404" pitchFamily="49" charset="0"/>
               <a:ea typeface="PingFang SC Thin" panose="020B0200000000000000" pitchFamily="34" charset="-122"/>
+              <a:cs typeface="Courier New" panose="02070309020205020404" pitchFamily="49" charset="0"/>
             </a:endParaRPr>
           </a:p>
-          <a:p>
-            <a:pPr>
-              <a:lnSpc>
-                <a:spcPct val="150000"/>
-              </a:lnSpc>
-            </a:pPr>
-            <a:r>
-              <a:rPr lang="en-US" altLang="zh-CN" sz="1400" dirty="0">
-                <a:latin typeface="PingFang SC Thin" panose="020B0200000000000000" pitchFamily="34" charset="-122"/>
-                <a:ea typeface="PingFang SC Thin" panose="020B0200000000000000" pitchFamily="34" charset="-122"/>
-              </a:rPr>
-              <a:t>https://</a:t>
-            </a:r>
-            <a:r>
-              <a:rPr lang="en-US" altLang="zh-CN" sz="1400" dirty="0" err="1">
-                <a:latin typeface="PingFang SC Thin" panose="020B0200000000000000" pitchFamily="34" charset="-122"/>
-                <a:ea typeface="PingFang SC Thin" panose="020B0200000000000000" pitchFamily="34" charset="-122"/>
-              </a:rPr>
-              <a:t>segmentfault.com</a:t>
-            </a:r>
-            <a:r>
-              <a:rPr lang="en-US" altLang="zh-CN" sz="1400" dirty="0">
-                <a:latin typeface="PingFang SC Thin" panose="020B0200000000000000" pitchFamily="34" charset="-122"/>
-                <a:ea typeface="PingFang SC Thin" panose="020B0200000000000000" pitchFamily="34" charset="-122"/>
-              </a:rPr>
-              <a:t>/a/1190000039352300</a:t>
-            </a:r>
-            <a:endParaRPr lang="zh-CN" altLang="en-US" sz="1400" dirty="0">
-              <a:latin typeface="PingFang SC Thin" panose="020B0200000000000000" pitchFamily="34" charset="-122"/>
+        </p:txBody>
+      </p:sp>
+      <p:sp>
+        <p:nvSpPr>
+          <p:cNvPr id="21" name="文本框 20">
+            <a:extLst>
+              <a:ext uri="{FF2B5EF4-FFF2-40B4-BE49-F238E27FC236}">
+                <a16:creationId xmlns:a16="http://schemas.microsoft.com/office/drawing/2014/main" id="{E05E2745-BAC5-4D64-A791-27763046AD8E}"/>
+              </a:ext>
+            </a:extLst>
+          </p:cNvPr>
+          <p:cNvSpPr txBox="1"/>
+          <p:nvPr/>
+        </p:nvSpPr>
+        <p:spPr>
+          <a:xfrm>
+            <a:off x="5196173" y="463694"/>
+            <a:ext cx="598241" cy="369332"/>
+          </a:xfrm>
+          <a:prstGeom prst="rect">
+            <a:avLst/>
+          </a:prstGeom>
+        </p:spPr>
+        <p:txBody>
+          <a:bodyPr wrap="none">
+            <a:spAutoFit/>
+          </a:bodyPr>
+          <a:lstStyle>
+            <a:defPPr>
+              <a:defRPr lang="zh-CN"/>
+            </a:defPPr>
+            <a:lvl1pPr>
+              <a:lnSpc>
+                <a:spcPct val="150000"/>
+              </a:lnSpc>
+              <a:defRPr b="1">
+                <a:solidFill>
+                  <a:srgbClr val="E43500"/>
+                </a:solidFill>
+                <a:latin typeface="Microsoft YaHei" panose="020B0503020204020204" pitchFamily="34" charset="-122"/>
+                <a:ea typeface="Microsoft YaHei" panose="020B0503020204020204" pitchFamily="34" charset="-122"/>
+              </a:defRPr>
+            </a:lvl1pPr>
+          </a:lstStyle>
+          <a:p>
+            <a:pPr>
+              <a:lnSpc>
+                <a:spcPct val="100000"/>
+              </a:lnSpc>
+            </a:pPr>
+            <a:r>
+              <a:rPr lang="en-US" altLang="zh-CN" dirty="0"/>
+              <a:t>ES4</a:t>
+            </a:r>
+            <a:endParaRPr lang="zh-CN" altLang="en-US" dirty="0"/>
+          </a:p>
+        </p:txBody>
+      </p:sp>
+      <p:sp>
+        <p:nvSpPr>
+          <p:cNvPr id="22" name="Rectangle 2">
+            <a:extLst>
+              <a:ext uri="{FF2B5EF4-FFF2-40B4-BE49-F238E27FC236}">
+                <a16:creationId xmlns:a16="http://schemas.microsoft.com/office/drawing/2014/main" id="{D39071FF-9FC5-455F-B6F9-1AF7F914AE60}"/>
+              </a:ext>
+            </a:extLst>
+          </p:cNvPr>
+          <p:cNvSpPr>
+            <a:spLocks noChangeArrowheads="1"/>
+          </p:cNvSpPr>
+          <p:nvPr/>
+        </p:nvSpPr>
+        <p:spPr bwMode="auto">
+          <a:xfrm>
+            <a:off x="8428068" y="774826"/>
+            <a:ext cx="3209866" cy="490327"/>
+          </a:xfrm>
+          <a:prstGeom prst="rect">
+            <a:avLst/>
+          </a:prstGeom>
+        </p:spPr>
+        <p:txBody>
+          <a:bodyPr wrap="square">
+            <a:spAutoFit/>
+          </a:bodyPr>
+          <a:lstStyle/>
+          <a:p>
+            <a:pPr>
+              <a:lnSpc>
+                <a:spcPct val="150000"/>
+              </a:lnSpc>
+            </a:pPr>
+            <a:r>
+              <a:rPr lang="zh-CN" altLang="en-US" sz="900" b="0" i="0" dirty="0">
+                <a:solidFill>
+                  <a:srgbClr val="333333"/>
+                </a:solidFill>
+                <a:effectLst/>
+                <a:latin typeface="pingfang SC"/>
+              </a:rPr>
+              <a:t>力求澄清第</a:t>
+            </a:r>
+            <a:r>
+              <a:rPr lang="en-US" altLang="zh-CN" sz="900" b="0" i="0" dirty="0">
+                <a:solidFill>
+                  <a:srgbClr val="333333"/>
+                </a:solidFill>
+                <a:effectLst/>
+                <a:latin typeface="pingfang SC"/>
+              </a:rPr>
+              <a:t>3</a:t>
+            </a:r>
+            <a:r>
+              <a:rPr lang="zh-CN" altLang="en-US" sz="900" b="0" i="0" dirty="0">
+                <a:solidFill>
+                  <a:srgbClr val="333333"/>
+                </a:solidFill>
+                <a:effectLst/>
+                <a:latin typeface="pingfang SC"/>
+              </a:rPr>
+              <a:t>版中的歧义，并添加了新的功能：原生</a:t>
+            </a:r>
+            <a:r>
+              <a:rPr lang="en-US" altLang="zh-CN" sz="900" b="0" i="0" dirty="0">
+                <a:solidFill>
+                  <a:srgbClr val="333333"/>
+                </a:solidFill>
+                <a:effectLst/>
+                <a:latin typeface="pingfang SC"/>
+              </a:rPr>
+              <a:t>JSON</a:t>
+            </a:r>
+            <a:r>
+              <a:rPr lang="zh-CN" altLang="en-US" sz="900" b="0" i="0" dirty="0">
+                <a:solidFill>
+                  <a:srgbClr val="333333"/>
+                </a:solidFill>
+                <a:effectLst/>
+                <a:latin typeface="pingfang SC"/>
+              </a:rPr>
+              <a:t>对象、继承的方法、高级属性的定义以及引入严格模式。</a:t>
+            </a:r>
+            <a:endParaRPr lang="zh-CN" altLang="zh-CN" sz="900" dirty="0">
+              <a:solidFill>
+                <a:srgbClr val="000000"/>
+              </a:solidFill>
+              <a:latin typeface="Courier New" panose="02070309020205020404" pitchFamily="49" charset="0"/>
               <a:ea typeface="PingFang SC Thin" panose="020B0200000000000000" pitchFamily="34" charset="-122"/>
+              <a:cs typeface="Courier New" panose="02070309020205020404" pitchFamily="49" charset="0"/>
             </a:endParaRPr>
           </a:p>
-          <a:p>
-            <a:pPr>
-              <a:lnSpc>
-                <a:spcPct val="150000"/>
-              </a:lnSpc>
-            </a:pPr>
-            <a:endParaRPr lang="en-US" altLang="zh-CN" sz="1400" dirty="0">
-              <a:latin typeface="PingFang SC Thin" panose="020B0200000000000000" pitchFamily="34" charset="-122"/>
+        </p:txBody>
+      </p:sp>
+      <p:sp>
+        <p:nvSpPr>
+          <p:cNvPr id="23" name="文本框 22">
+            <a:extLst>
+              <a:ext uri="{FF2B5EF4-FFF2-40B4-BE49-F238E27FC236}">
+                <a16:creationId xmlns:a16="http://schemas.microsoft.com/office/drawing/2014/main" id="{78FBA78D-1400-403A-81FA-15310E23503A}"/>
+              </a:ext>
+            </a:extLst>
+          </p:cNvPr>
+          <p:cNvSpPr txBox="1"/>
+          <p:nvPr/>
+        </p:nvSpPr>
+        <p:spPr>
+          <a:xfrm>
+            <a:off x="8428068" y="463694"/>
+            <a:ext cx="598241" cy="369332"/>
+          </a:xfrm>
+          <a:prstGeom prst="rect">
+            <a:avLst/>
+          </a:prstGeom>
+        </p:spPr>
+        <p:txBody>
+          <a:bodyPr wrap="none">
+            <a:spAutoFit/>
+          </a:bodyPr>
+          <a:lstStyle>
+            <a:defPPr>
+              <a:defRPr lang="zh-CN"/>
+            </a:defPPr>
+            <a:lvl1pPr>
+              <a:lnSpc>
+                <a:spcPct val="150000"/>
+              </a:lnSpc>
+              <a:defRPr b="1">
+                <a:solidFill>
+                  <a:srgbClr val="E43500"/>
+                </a:solidFill>
+                <a:latin typeface="Microsoft YaHei" panose="020B0503020204020204" pitchFamily="34" charset="-122"/>
+                <a:ea typeface="Microsoft YaHei" panose="020B0503020204020204" pitchFamily="34" charset="-122"/>
+              </a:defRPr>
+            </a:lvl1pPr>
+          </a:lstStyle>
+          <a:p>
+            <a:pPr>
+              <a:lnSpc>
+                <a:spcPct val="100000"/>
+              </a:lnSpc>
+            </a:pPr>
+            <a:r>
+              <a:rPr lang="en-US" altLang="zh-CN" dirty="0"/>
+              <a:t>ES4</a:t>
+            </a:r>
+            <a:endParaRPr lang="zh-CN" altLang="en-US" dirty="0"/>
+          </a:p>
+        </p:txBody>
+      </p:sp>
+      <p:sp>
+        <p:nvSpPr>
+          <p:cNvPr id="24" name="Rectangle 2">
+            <a:extLst>
+              <a:ext uri="{FF2B5EF4-FFF2-40B4-BE49-F238E27FC236}">
+                <a16:creationId xmlns:a16="http://schemas.microsoft.com/office/drawing/2014/main" id="{E5B6FD5A-C98E-41DF-8DB1-DCADE28B8CE1}"/>
+              </a:ext>
+            </a:extLst>
+          </p:cNvPr>
+          <p:cNvSpPr>
+            <a:spLocks noChangeArrowheads="1"/>
+          </p:cNvSpPr>
+          <p:nvPr/>
+        </p:nvSpPr>
+        <p:spPr bwMode="auto">
+          <a:xfrm>
+            <a:off x="731830" y="2083065"/>
+            <a:ext cx="1410981" cy="1529073"/>
+          </a:xfrm>
+          <a:prstGeom prst="rect">
+            <a:avLst/>
+          </a:prstGeom>
+        </p:spPr>
+        <p:txBody>
+          <a:bodyPr wrap="square">
+            <a:spAutoFit/>
+          </a:bodyPr>
+          <a:lstStyle/>
+          <a:p>
+            <a:pPr>
+              <a:lnSpc>
+                <a:spcPct val="150000"/>
+              </a:lnSpc>
+            </a:pPr>
+            <a:r>
+              <a:rPr lang="zh-CN" altLang="en-US" sz="900" dirty="0">
+                <a:solidFill>
+                  <a:srgbClr val="000000"/>
+                </a:solidFill>
+                <a:latin typeface="Courier New" panose="02070309020205020404" pitchFamily="49" charset="0"/>
+                <a:ea typeface="PingFang SC Thin" panose="020B0200000000000000" pitchFamily="34" charset="-122"/>
+                <a:cs typeface="Courier New" panose="02070309020205020404" pitchFamily="49" charset="0"/>
+              </a:rPr>
+              <a:t>箭头操作符</a:t>
+            </a:r>
+            <a:endParaRPr lang="en-US" altLang="zh-CN" sz="900" dirty="0">
+              <a:solidFill>
+                <a:srgbClr val="000000"/>
+              </a:solidFill>
+              <a:latin typeface="Courier New" panose="02070309020205020404" pitchFamily="49" charset="0"/>
               <a:ea typeface="PingFang SC Thin" panose="020B0200000000000000" pitchFamily="34" charset="-122"/>
+              <a:cs typeface="Courier New" panose="02070309020205020404" pitchFamily="49" charset="0"/>
             </a:endParaRPr>
           </a:p>
           <a:p>
@@ -1736,85 +2207,341 @@
               </a:lnSpc>
             </a:pPr>
             <a:r>
-              <a:rPr lang="en-US" altLang="zh-CN" sz="1400" dirty="0">
-                <a:latin typeface="PingFang SC Thin" panose="020B0200000000000000" pitchFamily="34" charset="-122"/>
-                <a:ea typeface="PingFang SC Thin" panose="020B0200000000000000" pitchFamily="34" charset="-122"/>
-              </a:rPr>
-              <a:t>ES7</a:t>
-            </a:r>
-            <a:r>
-              <a:rPr lang="zh-CN" altLang="en-US" sz="1400" dirty="0">
-                <a:latin typeface="PingFang SC Thin" panose="020B0200000000000000" pitchFamily="34" charset="-122"/>
-                <a:ea typeface="PingFang SC Thin" panose="020B0200000000000000" pitchFamily="34" charset="-122"/>
+              <a:rPr lang="zh-CN" altLang="en-US" sz="900" dirty="0">
+                <a:solidFill>
+                  <a:srgbClr val="000000"/>
+                </a:solidFill>
+                <a:latin typeface="Courier New" panose="02070309020205020404" pitchFamily="49" charset="0"/>
+                <a:ea typeface="PingFang SC Thin" panose="020B0200000000000000" pitchFamily="34" charset="-122"/>
+                <a:cs typeface="Courier New" panose="02070309020205020404" pitchFamily="49" charset="0"/>
+              </a:rPr>
+              <a:t>变量定义</a:t>
+            </a:r>
+            <a:r>
+              <a:rPr lang="en-US" altLang="zh-CN" sz="900" dirty="0">
+                <a:solidFill>
+                  <a:srgbClr val="000000"/>
+                </a:solidFill>
+                <a:latin typeface="Courier New" panose="02070309020205020404" pitchFamily="49" charset="0"/>
+                <a:ea typeface="PingFang SC Thin" panose="020B0200000000000000" pitchFamily="34" charset="-122"/>
+                <a:cs typeface="Courier New" panose="02070309020205020404" pitchFamily="49" charset="0"/>
+              </a:rPr>
+              <a:t>let</a:t>
+            </a:r>
+            <a:r>
+              <a:rPr lang="zh-CN" altLang="en-US" sz="900" dirty="0">
+                <a:solidFill>
+                  <a:srgbClr val="000000"/>
+                </a:solidFill>
+                <a:latin typeface="Courier New" panose="02070309020205020404" pitchFamily="49" charset="0"/>
+                <a:ea typeface="PingFang SC Thin" panose="020B0200000000000000" pitchFamily="34" charset="-122"/>
+                <a:cs typeface="Courier New" panose="02070309020205020404" pitchFamily="49" charset="0"/>
+              </a:rPr>
+              <a:t>和</a:t>
+            </a:r>
+            <a:r>
+              <a:rPr lang="en-US" altLang="zh-CN" sz="900" dirty="0">
+                <a:solidFill>
+                  <a:srgbClr val="000000"/>
+                </a:solidFill>
+                <a:latin typeface="Courier New" panose="02070309020205020404" pitchFamily="49" charset="0"/>
+                <a:ea typeface="PingFang SC Thin" panose="020B0200000000000000" pitchFamily="34" charset="-122"/>
+                <a:cs typeface="Courier New" panose="02070309020205020404" pitchFamily="49" charset="0"/>
+              </a:rPr>
+              <a:t>const</a:t>
+            </a:r>
+          </a:p>
+          <a:p>
+            <a:pPr>
+              <a:lnSpc>
+                <a:spcPct val="150000"/>
+              </a:lnSpc>
+            </a:pPr>
+            <a:r>
+              <a:rPr lang="en-US" altLang="zh-CN" sz="900" dirty="0">
+                <a:solidFill>
+                  <a:srgbClr val="000000"/>
+                </a:solidFill>
+                <a:latin typeface="Courier New" panose="02070309020205020404" pitchFamily="49" charset="0"/>
+                <a:ea typeface="PingFang SC Thin" panose="020B0200000000000000" pitchFamily="34" charset="-122"/>
+                <a:cs typeface="Courier New" panose="02070309020205020404" pitchFamily="49" charset="0"/>
+              </a:rPr>
+              <a:t>Generator</a:t>
+            </a:r>
+          </a:p>
+          <a:p>
+            <a:pPr>
+              <a:lnSpc>
+                <a:spcPct val="150000"/>
+              </a:lnSpc>
+            </a:pPr>
+            <a:r>
+              <a:rPr lang="en-US" altLang="zh-CN" sz="900" dirty="0">
+                <a:solidFill>
+                  <a:srgbClr val="000000"/>
+                </a:solidFill>
+                <a:latin typeface="Courier New" panose="02070309020205020404" pitchFamily="49" charset="0"/>
+                <a:ea typeface="PingFang SC Thin" panose="020B0200000000000000" pitchFamily="34" charset="-122"/>
+                <a:cs typeface="Courier New" panose="02070309020205020404" pitchFamily="49" charset="0"/>
+              </a:rPr>
+              <a:t>Promise</a:t>
+            </a:r>
+          </a:p>
+          <a:p>
+            <a:pPr>
+              <a:lnSpc>
+                <a:spcPct val="150000"/>
+              </a:lnSpc>
+            </a:pPr>
+            <a:r>
+              <a:rPr lang="en-US" altLang="zh-CN" sz="900" dirty="0">
+                <a:solidFill>
+                  <a:srgbClr val="000000"/>
+                </a:solidFill>
+                <a:latin typeface="Courier New" panose="02070309020205020404" pitchFamily="49" charset="0"/>
+                <a:ea typeface="PingFang SC Thin" panose="020B0200000000000000" pitchFamily="34" charset="-122"/>
+                <a:cs typeface="Courier New" panose="02070309020205020404" pitchFamily="49" charset="0"/>
+              </a:rPr>
+              <a:t>Set</a:t>
+            </a:r>
+          </a:p>
+          <a:p>
+            <a:pPr>
+              <a:lnSpc>
+                <a:spcPct val="150000"/>
+              </a:lnSpc>
+            </a:pPr>
+            <a:r>
+              <a:rPr lang="zh-CN" altLang="en-US" sz="900" dirty="0">
+                <a:solidFill>
+                  <a:srgbClr val="000000"/>
+                </a:solidFill>
+                <a:latin typeface="Courier New" panose="02070309020205020404" pitchFamily="49" charset="0"/>
+                <a:ea typeface="PingFang SC Thin" panose="020B0200000000000000" pitchFamily="34" charset="-122"/>
+                <a:cs typeface="Courier New" panose="02070309020205020404" pitchFamily="49" charset="0"/>
+              </a:rPr>
+              <a:t>对象超类</a:t>
+            </a:r>
+            <a:r>
+              <a:rPr lang="en-US" altLang="zh-CN" sz="900" dirty="0">
+                <a:solidFill>
+                  <a:srgbClr val="000000"/>
+                </a:solidFill>
+                <a:latin typeface="Courier New" panose="02070309020205020404" pitchFamily="49" charset="0"/>
+                <a:ea typeface="PingFang SC Thin" panose="020B0200000000000000" pitchFamily="34" charset="-122"/>
+                <a:cs typeface="Courier New" panose="02070309020205020404" pitchFamily="49" charset="0"/>
+              </a:rPr>
+              <a:t>super</a:t>
+            </a:r>
+          </a:p>
+          <a:p>
+            <a:pPr>
+              <a:lnSpc>
+                <a:spcPct val="150000"/>
+              </a:lnSpc>
+            </a:pPr>
+            <a:r>
+              <a:rPr lang="zh-CN" altLang="en-US" sz="900" dirty="0">
+                <a:solidFill>
+                  <a:srgbClr val="000000"/>
+                </a:solidFill>
+                <a:latin typeface="Courier New" panose="02070309020205020404" pitchFamily="49" charset="0"/>
+                <a:ea typeface="PingFang SC Thin" panose="020B0200000000000000" pitchFamily="34" charset="-122"/>
+                <a:cs typeface="Courier New" panose="02070309020205020404" pitchFamily="49" charset="0"/>
+              </a:rPr>
+              <a:t>类</a:t>
+            </a:r>
+            <a:r>
+              <a:rPr lang="en-US" altLang="zh-CN" sz="900" dirty="0">
+                <a:solidFill>
+                  <a:srgbClr val="000000"/>
+                </a:solidFill>
+                <a:latin typeface="Courier New" panose="02070309020205020404" pitchFamily="49" charset="0"/>
+                <a:ea typeface="PingFang SC Thin" panose="020B0200000000000000" pitchFamily="34" charset="-122"/>
+                <a:cs typeface="Courier New" panose="02070309020205020404" pitchFamily="49" charset="0"/>
+              </a:rPr>
+              <a:t>class</a:t>
+            </a:r>
+            <a:endParaRPr lang="zh-CN" altLang="zh-CN" sz="900" dirty="0">
+              <a:solidFill>
+                <a:srgbClr val="000000"/>
+              </a:solidFill>
+              <a:latin typeface="Courier New" panose="02070309020205020404" pitchFamily="49" charset="0"/>
+              <a:ea typeface="PingFang SC Thin" panose="020B0200000000000000" pitchFamily="34" charset="-122"/>
+              <a:cs typeface="Courier New" panose="02070309020205020404" pitchFamily="49" charset="0"/>
+            </a:endParaRPr>
+          </a:p>
+        </p:txBody>
+      </p:sp>
+      <p:sp>
+        <p:nvSpPr>
+          <p:cNvPr id="25" name="Rectangle 2">
+            <a:extLst>
+              <a:ext uri="{FF2B5EF4-FFF2-40B4-BE49-F238E27FC236}">
+                <a16:creationId xmlns:a16="http://schemas.microsoft.com/office/drawing/2014/main" id="{5B482BF0-2768-4494-B89A-DE0DF6EC29FD}"/>
+              </a:ext>
+            </a:extLst>
+          </p:cNvPr>
+          <p:cNvSpPr>
+            <a:spLocks noChangeArrowheads="1"/>
+          </p:cNvSpPr>
+          <p:nvPr/>
+        </p:nvSpPr>
+        <p:spPr bwMode="auto">
+          <a:xfrm>
+            <a:off x="2279170" y="2083065"/>
+            <a:ext cx="2611612" cy="1736822"/>
+          </a:xfrm>
+          <a:prstGeom prst="rect">
+            <a:avLst/>
+          </a:prstGeom>
+        </p:spPr>
+        <p:txBody>
+          <a:bodyPr wrap="square">
+            <a:spAutoFit/>
+          </a:bodyPr>
+          <a:lstStyle/>
+          <a:p>
+            <a:pPr>
+              <a:lnSpc>
+                <a:spcPct val="150000"/>
+              </a:lnSpc>
+            </a:pPr>
+            <a:r>
+              <a:rPr lang="zh-CN" altLang="en-US" sz="900" dirty="0">
+                <a:solidFill>
+                  <a:srgbClr val="000000"/>
+                </a:solidFill>
+                <a:latin typeface="Courier New" panose="02070309020205020404" pitchFamily="49" charset="0"/>
+                <a:ea typeface="PingFang SC Thin" panose="020B0200000000000000" pitchFamily="34" charset="-122"/>
+                <a:cs typeface="Courier New" panose="02070309020205020404" pitchFamily="49" charset="0"/>
+              </a:rPr>
+              <a:t>字符串新增方法</a:t>
+            </a:r>
+            <a:r>
+              <a:rPr lang="en-US" altLang="zh-CN" sz="900" dirty="0">
+                <a:solidFill>
+                  <a:srgbClr val="000000"/>
+                </a:solidFill>
+                <a:latin typeface="Courier New" panose="02070309020205020404" pitchFamily="49" charset="0"/>
+                <a:ea typeface="PingFang SC Thin" panose="020B0200000000000000" pitchFamily="34" charset="-122"/>
+                <a:cs typeface="Courier New" panose="02070309020205020404" pitchFamily="49" charset="0"/>
+              </a:rPr>
+              <a:t>includes()</a:t>
+            </a:r>
+            <a:r>
+              <a:rPr lang="zh-CN" altLang="en-US" sz="900" dirty="0">
+                <a:solidFill>
+                  <a:srgbClr val="000000"/>
+                </a:solidFill>
+                <a:latin typeface="Courier New" panose="02070309020205020404" pitchFamily="49" charset="0"/>
+                <a:ea typeface="PingFang SC Thin" panose="020B0200000000000000" pitchFamily="34" charset="-122"/>
+                <a:cs typeface="Courier New" panose="02070309020205020404" pitchFamily="49" charset="0"/>
               </a:rPr>
               <a:t>、</a:t>
             </a:r>
             <a:r>
-              <a:rPr lang="en-US" altLang="zh-CN" sz="1400" dirty="0">
-                <a:latin typeface="PingFang SC Thin" panose="020B0200000000000000" pitchFamily="34" charset="-122"/>
-                <a:ea typeface="PingFang SC Thin" panose="020B0200000000000000" pitchFamily="34" charset="-122"/>
-              </a:rPr>
-              <a:t>ES8</a:t>
-            </a:r>
-            <a:r>
-              <a:rPr lang="zh-CN" altLang="en-US" sz="1400" dirty="0">
-                <a:latin typeface="PingFang SC Thin" panose="020B0200000000000000" pitchFamily="34" charset="-122"/>
-                <a:ea typeface="PingFang SC Thin" panose="020B0200000000000000" pitchFamily="34" charset="-122"/>
+              <a:rPr lang="en-US" altLang="zh-CN" sz="900" dirty="0">
+                <a:solidFill>
+                  <a:srgbClr val="000000"/>
+                </a:solidFill>
+                <a:latin typeface="Courier New" panose="02070309020205020404" pitchFamily="49" charset="0"/>
+                <a:ea typeface="PingFang SC Thin" panose="020B0200000000000000" pitchFamily="34" charset="-122"/>
+                <a:cs typeface="Courier New" panose="02070309020205020404" pitchFamily="49" charset="0"/>
+              </a:rPr>
+              <a:t>repeat()</a:t>
+            </a:r>
+            <a:r>
+              <a:rPr lang="zh-CN" altLang="en-US" sz="900" dirty="0">
+                <a:solidFill>
+                  <a:srgbClr val="000000"/>
+                </a:solidFill>
+                <a:latin typeface="Courier New" panose="02070309020205020404" pitchFamily="49" charset="0"/>
+                <a:ea typeface="PingFang SC Thin" panose="020B0200000000000000" pitchFamily="34" charset="-122"/>
+                <a:cs typeface="Courier New" panose="02070309020205020404" pitchFamily="49" charset="0"/>
               </a:rPr>
               <a:t>、</a:t>
             </a:r>
             <a:r>
-              <a:rPr lang="en-US" altLang="zh-CN" sz="1400" dirty="0">
-                <a:latin typeface="PingFang SC Thin" panose="020B0200000000000000" pitchFamily="34" charset="-122"/>
-                <a:ea typeface="PingFang SC Thin" panose="020B0200000000000000" pitchFamily="34" charset="-122"/>
-              </a:rPr>
-              <a:t>ES9</a:t>
-            </a:r>
-            <a:r>
-              <a:rPr lang="zh-CN" altLang="en-US" sz="1400" dirty="0">
-                <a:latin typeface="PingFang SC Thin" panose="020B0200000000000000" pitchFamily="34" charset="-122"/>
-                <a:ea typeface="PingFang SC Thin" panose="020B0200000000000000" pitchFamily="34" charset="-122"/>
+              <a:rPr lang="en-US" altLang="zh-CN" sz="900" dirty="0" err="1">
+                <a:solidFill>
+                  <a:srgbClr val="000000"/>
+                </a:solidFill>
+                <a:latin typeface="Courier New" panose="02070309020205020404" pitchFamily="49" charset="0"/>
+                <a:ea typeface="PingFang SC Thin" panose="020B0200000000000000" pitchFamily="34" charset="-122"/>
+                <a:cs typeface="Courier New" panose="02070309020205020404" pitchFamily="49" charset="0"/>
+              </a:rPr>
+              <a:t>startWith</a:t>
+            </a:r>
+            <a:r>
+              <a:rPr lang="en-US" altLang="zh-CN" sz="900" dirty="0">
+                <a:solidFill>
+                  <a:srgbClr val="000000"/>
+                </a:solidFill>
+                <a:latin typeface="Courier New" panose="02070309020205020404" pitchFamily="49" charset="0"/>
+                <a:ea typeface="PingFang SC Thin" panose="020B0200000000000000" pitchFamily="34" charset="-122"/>
+                <a:cs typeface="Courier New" panose="02070309020205020404" pitchFamily="49" charset="0"/>
+              </a:rPr>
+              <a:t>()</a:t>
+            </a:r>
+            <a:r>
+              <a:rPr lang="zh-CN" altLang="en-US" sz="900" dirty="0">
+                <a:solidFill>
+                  <a:srgbClr val="000000"/>
+                </a:solidFill>
+                <a:latin typeface="Courier New" panose="02070309020205020404" pitchFamily="49" charset="0"/>
+                <a:ea typeface="PingFang SC Thin" panose="020B0200000000000000" pitchFamily="34" charset="-122"/>
+                <a:cs typeface="Courier New" panose="02070309020205020404" pitchFamily="49" charset="0"/>
               </a:rPr>
               <a:t>、</a:t>
             </a:r>
             <a:r>
-              <a:rPr lang="en-US" altLang="zh-CN" sz="1400" dirty="0">
-                <a:latin typeface="PingFang SC Thin" panose="020B0200000000000000" pitchFamily="34" charset="-122"/>
-                <a:ea typeface="PingFang SC Thin" panose="020B0200000000000000" pitchFamily="34" charset="-122"/>
-              </a:rPr>
-              <a:t>ES10 </a:t>
-            </a:r>
-            <a:r>
-              <a:rPr lang="zh-CN" altLang="en-US" sz="1400" dirty="0">
-                <a:latin typeface="PingFang SC Thin" panose="020B0200000000000000" pitchFamily="34" charset="-122"/>
-                <a:ea typeface="PingFang SC Thin" panose="020B0200000000000000" pitchFamily="34" charset="-122"/>
-              </a:rPr>
-              <a:t>新特性大盘点</a:t>
-            </a:r>
-          </a:p>
-          <a:p>
-            <a:pPr>
-              <a:lnSpc>
-                <a:spcPct val="150000"/>
-              </a:lnSpc>
-            </a:pPr>
-            <a:r>
-              <a:rPr lang="zh-CN" altLang="en-US" sz="1400" dirty="0">
-                <a:latin typeface="PingFang SC Thin" panose="020B0200000000000000" pitchFamily="34" charset="-122"/>
-                <a:ea typeface="PingFang SC Thin" panose="020B0200000000000000" pitchFamily="34" charset="-122"/>
-              </a:rPr>
-              <a:t> https://zhuanlan.zhihu.com/p/99342755</a:t>
-            </a:r>
-          </a:p>
-          <a:p>
-            <a:pPr>
-              <a:lnSpc>
-                <a:spcPct val="150000"/>
-              </a:lnSpc>
-            </a:pPr>
-            <a:endParaRPr lang="en-US" altLang="zh-CN" sz="1400" dirty="0">
-              <a:latin typeface="PingFang SC Thin" panose="020B0200000000000000" pitchFamily="34" charset="-122"/>
+              <a:rPr lang="en-US" altLang="zh-CN" sz="900" dirty="0" err="1">
+                <a:solidFill>
+                  <a:srgbClr val="000000"/>
+                </a:solidFill>
+                <a:latin typeface="Courier New" panose="02070309020205020404" pitchFamily="49" charset="0"/>
+                <a:ea typeface="PingFang SC Thin" panose="020B0200000000000000" pitchFamily="34" charset="-122"/>
+                <a:cs typeface="Courier New" panose="02070309020205020404" pitchFamily="49" charset="0"/>
+              </a:rPr>
+              <a:t>endsWith</a:t>
+            </a:r>
+            <a:r>
+              <a:rPr lang="en-US" altLang="zh-CN" sz="900" dirty="0">
+                <a:solidFill>
+                  <a:srgbClr val="000000"/>
+                </a:solidFill>
+                <a:latin typeface="Courier New" panose="02070309020205020404" pitchFamily="49" charset="0"/>
+                <a:ea typeface="PingFang SC Thin" panose="020B0200000000000000" pitchFamily="34" charset="-122"/>
+                <a:cs typeface="Courier New" panose="02070309020205020404" pitchFamily="49" charset="0"/>
+              </a:rPr>
+              <a:t>()</a:t>
+            </a:r>
+          </a:p>
+          <a:p>
+            <a:pPr>
+              <a:lnSpc>
+                <a:spcPct val="150000"/>
+              </a:lnSpc>
+            </a:pPr>
+            <a:r>
+              <a:rPr lang="zh-CN" altLang="en-US" sz="900" dirty="0">
+                <a:solidFill>
+                  <a:srgbClr val="000000"/>
+                </a:solidFill>
+                <a:latin typeface="Courier New" panose="02070309020205020404" pitchFamily="49" charset="0"/>
+                <a:ea typeface="PingFang SC Thin" panose="020B0200000000000000" pitchFamily="34" charset="-122"/>
+                <a:cs typeface="Courier New" panose="02070309020205020404" pitchFamily="49" charset="0"/>
+              </a:rPr>
+              <a:t>字符串模板</a:t>
+            </a:r>
+            <a:endParaRPr lang="en-US" altLang="zh-CN" sz="900" dirty="0">
+              <a:solidFill>
+                <a:srgbClr val="000000"/>
+              </a:solidFill>
+              <a:latin typeface="Courier New" panose="02070309020205020404" pitchFamily="49" charset="0"/>
               <a:ea typeface="PingFang SC Thin" panose="020B0200000000000000" pitchFamily="34" charset="-122"/>
+              <a:cs typeface="Courier New" panose="02070309020205020404" pitchFamily="49" charset="0"/>
             </a:endParaRPr>
           </a:p>
           <a:p>
@@ -1824,22 +2551,52 @@
               </a:lnSpc>
             </a:pPr>
             <a:r>
-              <a:rPr lang="en-US" altLang="zh-CN" sz="1400" dirty="0">
-                <a:latin typeface="PingFang SC Thin" panose="020B0200000000000000" pitchFamily="34" charset="-122"/>
-                <a:ea typeface="PingFang SC Thin" panose="020B0200000000000000" pitchFamily="34" charset="-122"/>
-              </a:rPr>
-              <a:t>JS ES</a:t>
-            </a:r>
-            <a:r>
-              <a:rPr lang="zh-CN" altLang="en-US" sz="1400" dirty="0">
-                <a:latin typeface="PingFang SC Thin" panose="020B0200000000000000" pitchFamily="34" charset="-122"/>
-                <a:ea typeface="PingFang SC Thin" panose="020B0200000000000000" pitchFamily="34" charset="-122"/>
-              </a:rPr>
-              <a:t>各版本特性</a:t>
-            </a:r>
-            <a:endParaRPr lang="en-US" altLang="zh-CN" sz="1400" dirty="0">
-              <a:latin typeface="PingFang SC Thin" panose="020B0200000000000000" pitchFamily="34" charset="-122"/>
+              <a:rPr lang="en-US" altLang="zh-CN" sz="900" dirty="0" err="1">
+                <a:solidFill>
+                  <a:srgbClr val="000000"/>
+                </a:solidFill>
+                <a:latin typeface="Courier New" panose="02070309020205020404" pitchFamily="49" charset="0"/>
+                <a:ea typeface="PingFang SC Thin" panose="020B0200000000000000" pitchFamily="34" charset="-122"/>
+                <a:cs typeface="Courier New" panose="02070309020205020404" pitchFamily="49" charset="0"/>
+              </a:rPr>
+              <a:t>Object.assign</a:t>
+            </a:r>
+            <a:r>
+              <a:rPr lang="en-US" altLang="zh-CN" sz="900" dirty="0">
+                <a:solidFill>
+                  <a:srgbClr val="000000"/>
+                </a:solidFill>
+                <a:latin typeface="Courier New" panose="02070309020205020404" pitchFamily="49" charset="0"/>
+                <a:ea typeface="PingFang SC Thin" panose="020B0200000000000000" pitchFamily="34" charset="-122"/>
+                <a:cs typeface="Courier New" panose="02070309020205020404" pitchFamily="49" charset="0"/>
+              </a:rPr>
+              <a:t>()</a:t>
+            </a:r>
+          </a:p>
+          <a:p>
+            <a:pPr>
+              <a:lnSpc>
+                <a:spcPct val="150000"/>
+              </a:lnSpc>
+            </a:pPr>
+            <a:r>
+              <a:rPr lang="zh-CN" altLang="en-US" sz="900" dirty="0">
+                <a:solidFill>
+                  <a:srgbClr val="000000"/>
+                </a:solidFill>
+                <a:latin typeface="Courier New" panose="02070309020205020404" pitchFamily="49" charset="0"/>
+                <a:ea typeface="PingFang SC Thin" panose="020B0200000000000000" pitchFamily="34" charset="-122"/>
+                <a:cs typeface="Courier New" panose="02070309020205020404" pitchFamily="49" charset="0"/>
+              </a:rPr>
+              <a:t>键值对重名简写</a:t>
+            </a:r>
+            <a:endParaRPr lang="en-US" altLang="zh-CN" sz="900" dirty="0">
+              <a:solidFill>
+                <a:srgbClr val="000000"/>
+              </a:solidFill>
+              <a:latin typeface="Courier New" panose="02070309020205020404" pitchFamily="49" charset="0"/>
               <a:ea typeface="PingFang SC Thin" panose="020B0200000000000000" pitchFamily="34" charset="-122"/>
+              <a:cs typeface="Courier New" panose="02070309020205020404" pitchFamily="49" charset="0"/>
             </a:endParaRPr>
           </a:p>
           <a:p>
@@ -1849,22 +2606,23 @@
               </a:lnSpc>
             </a:pPr>
             <a:r>
-              <a:rPr lang="en-US" altLang="zh-CN" sz="1400" dirty="0">
-                <a:latin typeface="PingFang SC Thin" panose="020B0200000000000000" pitchFamily="34" charset="-122"/>
-                <a:ea typeface="PingFang SC Thin" panose="020B0200000000000000" pitchFamily="34" charset="-122"/>
-              </a:rPr>
-              <a:t>https://cloud.tencent.com/developer/article/1625624</a:t>
-            </a:r>
-          </a:p>
-          <a:p>
-            <a:pPr>
-              <a:lnSpc>
-                <a:spcPct val="150000"/>
-              </a:lnSpc>
-            </a:pPr>
-            <a:endParaRPr lang="en-US" altLang="zh-CN" sz="1400" dirty="0">
-              <a:latin typeface="PingFang SC Thin" panose="020B0200000000000000" pitchFamily="34" charset="-122"/>
+              <a:rPr lang="zh-CN" altLang="en-US" sz="900" dirty="0">
+                <a:solidFill>
+                  <a:srgbClr val="000000"/>
+                </a:solidFill>
+                <a:latin typeface="Courier New" panose="02070309020205020404" pitchFamily="49" charset="0"/>
+                <a:ea typeface="PingFang SC Thin" panose="020B0200000000000000" pitchFamily="34" charset="-122"/>
+                <a:cs typeface="Courier New" panose="02070309020205020404" pitchFamily="49" charset="0"/>
+              </a:rPr>
+              <a:t>对象字面量简写</a:t>
+            </a:r>
+            <a:endParaRPr lang="en-US" altLang="zh-CN" sz="900" dirty="0">
+              <a:solidFill>
+                <a:srgbClr val="000000"/>
+              </a:solidFill>
+              <a:latin typeface="Courier New" panose="02070309020205020404" pitchFamily="49" charset="0"/>
               <a:ea typeface="PingFang SC Thin" panose="020B0200000000000000" pitchFamily="34" charset="-122"/>
+              <a:cs typeface="Courier New" panose="02070309020205020404" pitchFamily="49" charset="0"/>
             </a:endParaRPr>
           </a:p>
           <a:p>
@@ -1874,128 +2632,1160 @@
               </a:lnSpc>
             </a:pPr>
             <a:r>
-              <a:rPr lang="zh-CN" altLang="en-US" sz="1400" dirty="0">
-                <a:latin typeface="PingFang SC Thin" panose="020B0200000000000000" pitchFamily="34" charset="-122"/>
-                <a:ea typeface="PingFang SC Thin" panose="020B0200000000000000" pitchFamily="34" charset="-122"/>
-              </a:rPr>
-              <a:t>种草 </a:t>
-            </a:r>
-            <a:r>
-              <a:rPr lang="en-US" altLang="zh-CN" sz="1400" dirty="0">
-                <a:latin typeface="PingFang SC Thin" panose="020B0200000000000000" pitchFamily="34" charset="-122"/>
-                <a:ea typeface="PingFang SC Thin" panose="020B0200000000000000" pitchFamily="34" charset="-122"/>
-              </a:rPr>
-              <a:t>ES2020 </a:t>
-            </a:r>
-            <a:r>
-              <a:rPr lang="zh-CN" altLang="en-US" sz="1400" dirty="0">
-                <a:latin typeface="PingFang SC Thin" panose="020B0200000000000000" pitchFamily="34" charset="-122"/>
-                <a:ea typeface="PingFang SC Thin" panose="020B0200000000000000" pitchFamily="34" charset="-122"/>
-              </a:rPr>
-              <a:t>新特性</a:t>
-            </a:r>
-          </a:p>
-          <a:p>
-            <a:pPr>
-              <a:lnSpc>
-                <a:spcPct val="150000"/>
-              </a:lnSpc>
-            </a:pPr>
-            <a:r>
-              <a:rPr lang="en-US" altLang="zh-CN" sz="1400" dirty="0">
-                <a:latin typeface="PingFang SC Thin" panose="020B0200000000000000" pitchFamily="34" charset="-122"/>
-                <a:ea typeface="PingFang SC Thin" panose="020B0200000000000000" pitchFamily="34" charset="-122"/>
-              </a:rPr>
-              <a:t>https://zhuanlan.zhihu.com/p/100251213</a:t>
-            </a:r>
-          </a:p>
-          <a:p>
-            <a:pPr>
-              <a:lnSpc>
-                <a:spcPct val="150000"/>
-              </a:lnSpc>
-            </a:pPr>
-            <a:endParaRPr lang="en-US" altLang="zh-CN" sz="1400" dirty="0">
-              <a:latin typeface="PingFang SC Thin" panose="020B0200000000000000" pitchFamily="34" charset="-122"/>
+              <a:rPr lang="zh-CN" altLang="en-US" sz="900" dirty="0">
+                <a:solidFill>
+                  <a:srgbClr val="000000"/>
+                </a:solidFill>
+                <a:latin typeface="Courier New" panose="02070309020205020404" pitchFamily="49" charset="0"/>
+                <a:ea typeface="PingFang SC Thin" panose="020B0200000000000000" pitchFamily="34" charset="-122"/>
+                <a:cs typeface="Courier New" panose="02070309020205020404" pitchFamily="49" charset="0"/>
+              </a:rPr>
+              <a:t>数组</a:t>
+            </a:r>
+            <a:r>
+              <a:rPr lang="en-US" altLang="zh-CN" sz="900" dirty="0">
+                <a:solidFill>
+                  <a:srgbClr val="000000"/>
+                </a:solidFill>
+                <a:latin typeface="Courier New" panose="02070309020205020404" pitchFamily="49" charset="0"/>
+                <a:ea typeface="PingFang SC Thin" panose="020B0200000000000000" pitchFamily="34" charset="-122"/>
+                <a:cs typeface="Courier New" panose="02070309020205020404" pitchFamily="49" charset="0"/>
+              </a:rPr>
+              <a:t>Spread/Rest</a:t>
+            </a:r>
+            <a:r>
+              <a:rPr lang="zh-CN" altLang="en-US" sz="900" dirty="0">
+                <a:solidFill>
+                  <a:srgbClr val="000000"/>
+                </a:solidFill>
+                <a:latin typeface="Courier New" panose="02070309020205020404" pitchFamily="49" charset="0"/>
+                <a:ea typeface="PingFang SC Thin" panose="020B0200000000000000" pitchFamily="34" charset="-122"/>
+                <a:cs typeface="Courier New" panose="02070309020205020404" pitchFamily="49" charset="0"/>
+              </a:rPr>
+              <a:t>操作符</a:t>
+            </a:r>
+            <a:r>
+              <a:rPr lang="en-US" altLang="zh-CN" sz="900" dirty="0">
+                <a:solidFill>
+                  <a:srgbClr val="000000"/>
+                </a:solidFill>
+                <a:latin typeface="Courier New" panose="02070309020205020404" pitchFamily="49" charset="0"/>
+                <a:ea typeface="PingFang SC Thin" panose="020B0200000000000000" pitchFamily="34" charset="-122"/>
+                <a:cs typeface="Courier New" panose="02070309020205020404" pitchFamily="49" charset="0"/>
+              </a:rPr>
+              <a:t>...</a:t>
+            </a:r>
+          </a:p>
+          <a:p>
+            <a:pPr>
+              <a:lnSpc>
+                <a:spcPct val="150000"/>
+              </a:lnSpc>
+            </a:pPr>
+            <a:r>
+              <a:rPr lang="en-US" altLang="zh-CN" sz="900" dirty="0">
+                <a:solidFill>
+                  <a:srgbClr val="000000"/>
+                </a:solidFill>
+                <a:latin typeface="Courier New" panose="02070309020205020404" pitchFamily="49" charset="0"/>
+                <a:ea typeface="PingFang SC Thin" panose="020B0200000000000000" pitchFamily="34" charset="-122"/>
+                <a:cs typeface="Courier New" panose="02070309020205020404" pitchFamily="49" charset="0"/>
+              </a:rPr>
+              <a:t>for...of</a:t>
+            </a:r>
+            <a:r>
+              <a:rPr lang="zh-CN" altLang="en-US" sz="900" dirty="0">
+                <a:solidFill>
+                  <a:srgbClr val="000000"/>
+                </a:solidFill>
+                <a:latin typeface="Courier New" panose="02070309020205020404" pitchFamily="49" charset="0"/>
+                <a:ea typeface="PingFang SC Thin" panose="020B0200000000000000" pitchFamily="34" charset="-122"/>
+                <a:cs typeface="Courier New" panose="02070309020205020404" pitchFamily="49" charset="0"/>
+              </a:rPr>
+              <a:t>（值）和</a:t>
+            </a:r>
+            <a:r>
+              <a:rPr lang="en-US" altLang="zh-CN" sz="900" dirty="0">
+                <a:solidFill>
+                  <a:srgbClr val="000000"/>
+                </a:solidFill>
+                <a:latin typeface="Courier New" panose="02070309020205020404" pitchFamily="49" charset="0"/>
+                <a:ea typeface="PingFang SC Thin" panose="020B0200000000000000" pitchFamily="34" charset="-122"/>
+                <a:cs typeface="Courier New" panose="02070309020205020404" pitchFamily="49" charset="0"/>
+              </a:rPr>
+              <a:t>for...in</a:t>
+            </a:r>
+            <a:r>
+              <a:rPr lang="zh-CN" altLang="en-US" sz="900" dirty="0">
+                <a:solidFill>
+                  <a:srgbClr val="000000"/>
+                </a:solidFill>
+                <a:latin typeface="Courier New" panose="02070309020205020404" pitchFamily="49" charset="0"/>
+                <a:ea typeface="PingFang SC Thin" panose="020B0200000000000000" pitchFamily="34" charset="-122"/>
+                <a:cs typeface="Courier New" panose="02070309020205020404" pitchFamily="49" charset="0"/>
+              </a:rPr>
+              <a:t>（键名）</a:t>
+            </a:r>
+            <a:endParaRPr lang="en-US" altLang="zh-CN" sz="900" dirty="0">
+              <a:solidFill>
+                <a:srgbClr val="000000"/>
+              </a:solidFill>
+              <a:latin typeface="Courier New" panose="02070309020205020404" pitchFamily="49" charset="0"/>
               <a:ea typeface="PingFang SC Thin" panose="020B0200000000000000" pitchFamily="34" charset="-122"/>
+              <a:cs typeface="Courier New" panose="02070309020205020404" pitchFamily="49" charset="0"/>
             </a:endParaRPr>
           </a:p>
-          <a:p>
-            <a:pPr>
-              <a:lnSpc>
-                <a:spcPct val="150000"/>
-              </a:lnSpc>
-            </a:pPr>
-            <a:r>
-              <a:rPr lang="zh-CN" altLang="en-US" sz="1400" dirty="0">
-                <a:latin typeface="PingFang SC Thin" panose="020B0200000000000000" pitchFamily="34" charset="-122"/>
-                <a:ea typeface="PingFang SC Thin" panose="020B0200000000000000" pitchFamily="34" charset="-122"/>
-              </a:rPr>
-              <a:t>解读</a:t>
-            </a:r>
-            <a:r>
-              <a:rPr lang="en-US" altLang="zh-CN" sz="1400" dirty="0">
-                <a:latin typeface="PingFang SC Thin" panose="020B0200000000000000" pitchFamily="34" charset="-122"/>
-                <a:ea typeface="PingFang SC Thin" panose="020B0200000000000000" pitchFamily="34" charset="-122"/>
-              </a:rPr>
-              <a:t>ES2020</a:t>
-            </a:r>
-            <a:r>
-              <a:rPr lang="zh-CN" altLang="en-US" sz="1400" dirty="0">
-                <a:latin typeface="PingFang SC Thin" panose="020B0200000000000000" pitchFamily="34" charset="-122"/>
-                <a:ea typeface="PingFang SC Thin" panose="020B0200000000000000" pitchFamily="34" charset="-122"/>
-              </a:rPr>
-              <a:t>（</a:t>
-            </a:r>
-            <a:r>
-              <a:rPr lang="en-US" altLang="zh-CN" sz="1400" dirty="0">
-                <a:latin typeface="PingFang SC Thin" panose="020B0200000000000000" pitchFamily="34" charset="-122"/>
-                <a:ea typeface="PingFang SC Thin" panose="020B0200000000000000" pitchFamily="34" charset="-122"/>
-              </a:rPr>
-              <a:t>ES11</a:t>
-            </a:r>
-            <a:r>
-              <a:rPr lang="zh-CN" altLang="en-US" sz="1400" dirty="0">
-                <a:latin typeface="PingFang SC Thin" panose="020B0200000000000000" pitchFamily="34" charset="-122"/>
-                <a:ea typeface="PingFang SC Thin" panose="020B0200000000000000" pitchFamily="34" charset="-122"/>
-              </a:rPr>
-              <a:t>）新特性</a:t>
-            </a:r>
-          </a:p>
-          <a:p>
-            <a:pPr>
-              <a:lnSpc>
-                <a:spcPct val="150000"/>
-              </a:lnSpc>
-            </a:pPr>
-            <a:r>
-              <a:rPr lang="en-US" altLang="zh-CN" sz="1400" dirty="0">
-                <a:latin typeface="PingFang SC Thin" panose="020B0200000000000000" pitchFamily="34" charset="-122"/>
-                <a:ea typeface="PingFang SC Thin" panose="020B0200000000000000" pitchFamily="34" charset="-122"/>
-              </a:rPr>
-              <a:t>https://</a:t>
-            </a:r>
-            <a:r>
-              <a:rPr lang="en-US" altLang="zh-CN" sz="1400" dirty="0" err="1">
-                <a:latin typeface="PingFang SC Thin" panose="020B0200000000000000" pitchFamily="34" charset="-122"/>
-                <a:ea typeface="PingFang SC Thin" panose="020B0200000000000000" pitchFamily="34" charset="-122"/>
-              </a:rPr>
-              <a:t>www.jianshu.com</a:t>
-            </a:r>
-            <a:r>
-              <a:rPr lang="en-US" altLang="zh-CN" sz="1400" dirty="0">
-                <a:latin typeface="PingFang SC Thin" panose="020B0200000000000000" pitchFamily="34" charset="-122"/>
-                <a:ea typeface="PingFang SC Thin" panose="020B0200000000000000" pitchFamily="34" charset="-122"/>
-              </a:rPr>
-              <a:t>/p/3e59df36342a</a:t>
-            </a:r>
+        </p:txBody>
+      </p:sp>
+      <p:sp>
+        <p:nvSpPr>
+          <p:cNvPr id="18" name="Rectangle 2">
+            <a:extLst>
+              <a:ext uri="{FF2B5EF4-FFF2-40B4-BE49-F238E27FC236}">
+                <a16:creationId xmlns:a16="http://schemas.microsoft.com/office/drawing/2014/main" id="{E2A123CE-75CA-499E-AD3D-41908518C02C}"/>
+              </a:ext>
+            </a:extLst>
+          </p:cNvPr>
+          <p:cNvSpPr>
+            <a:spLocks noChangeArrowheads="1"/>
+          </p:cNvSpPr>
+          <p:nvPr/>
+        </p:nvSpPr>
+        <p:spPr bwMode="auto">
+          <a:xfrm>
+            <a:off x="731829" y="4522099"/>
+            <a:ext cx="2212707" cy="1737014"/>
+          </a:xfrm>
+          <a:prstGeom prst="rect">
+            <a:avLst/>
+          </a:prstGeom>
+        </p:spPr>
+        <p:txBody>
+          <a:bodyPr wrap="square">
+            <a:spAutoFit/>
+          </a:bodyPr>
+          <a:lstStyle/>
+          <a:p>
+            <a:pPr>
+              <a:lnSpc>
+                <a:spcPct val="150000"/>
+              </a:lnSpc>
+            </a:pPr>
+            <a:r>
+              <a:rPr lang="en-US" altLang="zh-CN" sz="900" dirty="0">
+                <a:solidFill>
+                  <a:srgbClr val="000000"/>
+                </a:solidFill>
+                <a:latin typeface="Courier New" panose="02070309020205020404" pitchFamily="49" charset="0"/>
+                <a:ea typeface="PingFang SC Thin" panose="020B0200000000000000" pitchFamily="34" charset="-122"/>
+                <a:cs typeface="Courier New" panose="02070309020205020404" pitchFamily="49" charset="0"/>
+              </a:rPr>
+              <a:t>for await of</a:t>
+            </a:r>
+          </a:p>
+          <a:p>
+            <a:pPr>
+              <a:lnSpc>
+                <a:spcPct val="150000"/>
+              </a:lnSpc>
+            </a:pPr>
+            <a:r>
+              <a:rPr lang="en-US" altLang="zh-CN" sz="900" dirty="0">
+                <a:solidFill>
+                  <a:srgbClr val="000000"/>
+                </a:solidFill>
+                <a:latin typeface="Courier New" panose="02070309020205020404" pitchFamily="49" charset="0"/>
+                <a:ea typeface="PingFang SC Thin" panose="020B0200000000000000" pitchFamily="34" charset="-122"/>
+                <a:cs typeface="Courier New" panose="02070309020205020404" pitchFamily="49" charset="0"/>
+              </a:rPr>
+              <a:t>Object </a:t>
+            </a:r>
+            <a:r>
+              <a:rPr lang="en-US" altLang="zh-CN" sz="900" dirty="0" err="1">
+                <a:solidFill>
+                  <a:srgbClr val="000000"/>
+                </a:solidFill>
+                <a:latin typeface="Courier New" panose="02070309020205020404" pitchFamily="49" charset="0"/>
+                <a:ea typeface="PingFang SC Thin" panose="020B0200000000000000" pitchFamily="34" charset="-122"/>
+                <a:cs typeface="Courier New" panose="02070309020205020404" pitchFamily="49" charset="0"/>
+              </a:rPr>
+              <a:t>Rest&amp;Spread</a:t>
+            </a:r>
+            <a:endParaRPr lang="en-US" altLang="zh-CN" sz="900" dirty="0">
+              <a:solidFill>
+                <a:srgbClr val="000000"/>
+              </a:solidFill>
+              <a:latin typeface="Courier New" panose="02070309020205020404" pitchFamily="49" charset="0"/>
+              <a:ea typeface="PingFang SC Thin" panose="020B0200000000000000" pitchFamily="34" charset="-122"/>
+              <a:cs typeface="Courier New" panose="02070309020205020404" pitchFamily="49" charset="0"/>
+            </a:endParaRPr>
+          </a:p>
+          <a:p>
+            <a:pPr>
+              <a:lnSpc>
+                <a:spcPct val="150000"/>
+              </a:lnSpc>
+            </a:pPr>
+            <a:r>
+              <a:rPr lang="en-US" altLang="zh-CN" sz="900" dirty="0" err="1">
+                <a:solidFill>
+                  <a:srgbClr val="000000"/>
+                </a:solidFill>
+                <a:latin typeface="Courier New" panose="02070309020205020404" pitchFamily="49" charset="0"/>
+                <a:ea typeface="PingFang SC Thin" panose="020B0200000000000000" pitchFamily="34" charset="-122"/>
+                <a:cs typeface="Courier New" panose="02070309020205020404" pitchFamily="49" charset="0"/>
+              </a:rPr>
+              <a:t>Promise.prototype.finally</a:t>
+            </a:r>
+            <a:r>
+              <a:rPr lang="en-US" altLang="zh-CN" sz="900" dirty="0">
+                <a:solidFill>
+                  <a:srgbClr val="000000"/>
+                </a:solidFill>
+                <a:latin typeface="Courier New" panose="02070309020205020404" pitchFamily="49" charset="0"/>
+                <a:ea typeface="PingFang SC Thin" panose="020B0200000000000000" pitchFamily="34" charset="-122"/>
+                <a:cs typeface="Courier New" panose="02070309020205020404" pitchFamily="49" charset="0"/>
+              </a:rPr>
+              <a:t>()</a:t>
+            </a:r>
+          </a:p>
+          <a:p>
+            <a:pPr>
+              <a:lnSpc>
+                <a:spcPct val="150000"/>
+              </a:lnSpc>
+            </a:pPr>
+            <a:r>
+              <a:rPr lang="zh-CN" altLang="en-US" sz="900" dirty="0">
+                <a:solidFill>
+                  <a:srgbClr val="000000"/>
+                </a:solidFill>
+                <a:latin typeface="Courier New" panose="02070309020205020404" pitchFamily="49" charset="0"/>
+                <a:ea typeface="PingFang SC Thin" panose="020B0200000000000000" pitchFamily="34" charset="-122"/>
+                <a:cs typeface="Courier New" panose="02070309020205020404" pitchFamily="49" charset="0"/>
+              </a:rPr>
+              <a:t>新的正则表达式特性</a:t>
+            </a:r>
+            <a:endParaRPr lang="en-US" altLang="zh-CN" sz="900" dirty="0">
+              <a:solidFill>
+                <a:srgbClr val="000000"/>
+              </a:solidFill>
+              <a:latin typeface="Courier New" panose="02070309020205020404" pitchFamily="49" charset="0"/>
+              <a:ea typeface="PingFang SC Thin" panose="020B0200000000000000" pitchFamily="34" charset="-122"/>
+              <a:cs typeface="Courier New" panose="02070309020205020404" pitchFamily="49" charset="0"/>
+            </a:endParaRPr>
+          </a:p>
+          <a:p>
+            <a:pPr>
+              <a:lnSpc>
+                <a:spcPct val="150000"/>
+              </a:lnSpc>
+            </a:pPr>
+            <a:r>
+              <a:rPr lang="en-US" altLang="zh-CN" sz="900" dirty="0">
+                <a:solidFill>
+                  <a:srgbClr val="000000"/>
+                </a:solidFill>
+                <a:latin typeface="Courier New" panose="02070309020205020404" pitchFamily="49" charset="0"/>
+                <a:ea typeface="PingFang SC Thin" panose="020B0200000000000000" pitchFamily="34" charset="-122"/>
+                <a:cs typeface="Courier New" panose="02070309020205020404" pitchFamily="49" charset="0"/>
+              </a:rPr>
+              <a:t>    s(</a:t>
+            </a:r>
+            <a:r>
+              <a:rPr lang="en-US" altLang="zh-CN" sz="900" dirty="0" err="1">
+                <a:solidFill>
+                  <a:srgbClr val="000000"/>
+                </a:solidFill>
+                <a:latin typeface="Courier New" panose="02070309020205020404" pitchFamily="49" charset="0"/>
+                <a:ea typeface="PingFang SC Thin" panose="020B0200000000000000" pitchFamily="34" charset="-122"/>
+                <a:cs typeface="Courier New" panose="02070309020205020404" pitchFamily="49" charset="0"/>
+              </a:rPr>
+              <a:t>dotAll</a:t>
+            </a:r>
+            <a:r>
+              <a:rPr lang="en-US" altLang="zh-CN" sz="900" dirty="0">
+                <a:solidFill>
+                  <a:srgbClr val="000000"/>
+                </a:solidFill>
+                <a:latin typeface="Courier New" panose="02070309020205020404" pitchFamily="49" charset="0"/>
+                <a:ea typeface="PingFang SC Thin" panose="020B0200000000000000" pitchFamily="34" charset="-122"/>
+                <a:cs typeface="Courier New" panose="02070309020205020404" pitchFamily="49" charset="0"/>
+              </a:rPr>
+              <a:t>)</a:t>
+            </a:r>
+            <a:r>
+              <a:rPr lang="zh-CN" altLang="en-US" sz="900" dirty="0">
+                <a:solidFill>
+                  <a:srgbClr val="000000"/>
+                </a:solidFill>
+                <a:latin typeface="Courier New" panose="02070309020205020404" pitchFamily="49" charset="0"/>
+                <a:ea typeface="PingFang SC Thin" panose="020B0200000000000000" pitchFamily="34" charset="-122"/>
+                <a:cs typeface="Courier New" panose="02070309020205020404" pitchFamily="49" charset="0"/>
+              </a:rPr>
+              <a:t>标志</a:t>
+            </a:r>
+            <a:endParaRPr lang="en-US" altLang="zh-CN" sz="900" dirty="0">
+              <a:solidFill>
+                <a:srgbClr val="000000"/>
+              </a:solidFill>
+              <a:latin typeface="Courier New" panose="02070309020205020404" pitchFamily="49" charset="0"/>
+              <a:ea typeface="PingFang SC Thin" panose="020B0200000000000000" pitchFamily="34" charset="-122"/>
+              <a:cs typeface="Courier New" panose="02070309020205020404" pitchFamily="49" charset="0"/>
+            </a:endParaRPr>
+          </a:p>
+          <a:p>
+            <a:pPr>
+              <a:lnSpc>
+                <a:spcPct val="150000"/>
+              </a:lnSpc>
+            </a:pPr>
+            <a:r>
+              <a:rPr lang="en-US" altLang="zh-CN" sz="900" dirty="0">
+                <a:solidFill>
+                  <a:srgbClr val="000000"/>
+                </a:solidFill>
+                <a:latin typeface="Courier New" panose="02070309020205020404" pitchFamily="49" charset="0"/>
+                <a:ea typeface="PingFang SC Thin" panose="020B0200000000000000" pitchFamily="34" charset="-122"/>
+                <a:cs typeface="Courier New" panose="02070309020205020404" pitchFamily="49" charset="0"/>
+              </a:rPr>
+              <a:t>    </a:t>
+            </a:r>
+            <a:r>
+              <a:rPr lang="zh-CN" altLang="en-US" sz="900" dirty="0">
+                <a:solidFill>
+                  <a:srgbClr val="000000"/>
+                </a:solidFill>
+                <a:latin typeface="Courier New" panose="02070309020205020404" pitchFamily="49" charset="0"/>
+                <a:ea typeface="PingFang SC Thin" panose="020B0200000000000000" pitchFamily="34" charset="-122"/>
+                <a:cs typeface="Courier New" panose="02070309020205020404" pitchFamily="49" charset="0"/>
+              </a:rPr>
+              <a:t>命名捕获组</a:t>
+            </a:r>
+            <a:endParaRPr lang="en-US" altLang="zh-CN" sz="900" dirty="0">
+              <a:solidFill>
+                <a:srgbClr val="000000"/>
+              </a:solidFill>
+              <a:latin typeface="Courier New" panose="02070309020205020404" pitchFamily="49" charset="0"/>
+              <a:ea typeface="PingFang SC Thin" panose="020B0200000000000000" pitchFamily="34" charset="-122"/>
+              <a:cs typeface="Courier New" panose="02070309020205020404" pitchFamily="49" charset="0"/>
+            </a:endParaRPr>
+          </a:p>
+          <a:p>
+            <a:pPr>
+              <a:lnSpc>
+                <a:spcPct val="150000"/>
+              </a:lnSpc>
+            </a:pPr>
+            <a:r>
+              <a:rPr lang="en-US" altLang="zh-CN" sz="900" dirty="0">
+                <a:solidFill>
+                  <a:srgbClr val="000000"/>
+                </a:solidFill>
+                <a:latin typeface="Courier New" panose="02070309020205020404" pitchFamily="49" charset="0"/>
+                <a:ea typeface="PingFang SC Thin" panose="020B0200000000000000" pitchFamily="34" charset="-122"/>
+                <a:cs typeface="Courier New" panose="02070309020205020404" pitchFamily="49" charset="0"/>
+              </a:rPr>
+              <a:t>    Lookbehind</a:t>
+            </a:r>
+            <a:r>
+              <a:rPr lang="zh-CN" altLang="en-US" sz="900" dirty="0">
+                <a:solidFill>
+                  <a:srgbClr val="000000"/>
+                </a:solidFill>
+                <a:latin typeface="Courier New" panose="02070309020205020404" pitchFamily="49" charset="0"/>
+                <a:ea typeface="PingFang SC Thin" panose="020B0200000000000000" pitchFamily="34" charset="-122"/>
+                <a:cs typeface="Courier New" panose="02070309020205020404" pitchFamily="49" charset="0"/>
+              </a:rPr>
+              <a:t>后行断言</a:t>
+            </a:r>
+            <a:endParaRPr lang="en-US" altLang="zh-CN" sz="900" dirty="0">
+              <a:solidFill>
+                <a:srgbClr val="000000"/>
+              </a:solidFill>
+              <a:latin typeface="Courier New" panose="02070309020205020404" pitchFamily="49" charset="0"/>
+              <a:ea typeface="PingFang SC Thin" panose="020B0200000000000000" pitchFamily="34" charset="-122"/>
+              <a:cs typeface="Courier New" panose="02070309020205020404" pitchFamily="49" charset="0"/>
+            </a:endParaRPr>
+          </a:p>
+          <a:p>
+            <a:pPr>
+              <a:lnSpc>
+                <a:spcPct val="150000"/>
+              </a:lnSpc>
+            </a:pPr>
+            <a:r>
+              <a:rPr lang="en-US" altLang="zh-CN" sz="900" dirty="0">
+                <a:solidFill>
+                  <a:srgbClr val="000000"/>
+                </a:solidFill>
+                <a:latin typeface="Courier New" panose="02070309020205020404" pitchFamily="49" charset="0"/>
+                <a:ea typeface="PingFang SC Thin" panose="020B0200000000000000" pitchFamily="34" charset="-122"/>
+                <a:cs typeface="Courier New" panose="02070309020205020404" pitchFamily="49" charset="0"/>
+              </a:rPr>
+              <a:t>    Unicode</a:t>
+            </a:r>
+            <a:r>
+              <a:rPr lang="zh-CN" altLang="en-US" sz="900" dirty="0">
+                <a:solidFill>
+                  <a:srgbClr val="000000"/>
+                </a:solidFill>
+                <a:latin typeface="Courier New" panose="02070309020205020404" pitchFamily="49" charset="0"/>
+                <a:ea typeface="PingFang SC Thin" panose="020B0200000000000000" pitchFamily="34" charset="-122"/>
+                <a:cs typeface="Courier New" panose="02070309020205020404" pitchFamily="49" charset="0"/>
+              </a:rPr>
+              <a:t>属性转义</a:t>
+            </a:r>
+            <a:endParaRPr lang="zh-CN" altLang="zh-CN" sz="900" dirty="0">
+              <a:solidFill>
+                <a:srgbClr val="000000"/>
+              </a:solidFill>
+              <a:latin typeface="Courier New" panose="02070309020205020404" pitchFamily="49" charset="0"/>
+              <a:ea typeface="PingFang SC Thin" panose="020B0200000000000000" pitchFamily="34" charset="-122"/>
+              <a:cs typeface="Courier New" panose="02070309020205020404" pitchFamily="49" charset="0"/>
+            </a:endParaRPr>
+          </a:p>
+        </p:txBody>
+      </p:sp>
+      <p:sp>
+        <p:nvSpPr>
+          <p:cNvPr id="26" name="Rectangle 2">
+            <a:extLst>
+              <a:ext uri="{FF2B5EF4-FFF2-40B4-BE49-F238E27FC236}">
+                <a16:creationId xmlns:a16="http://schemas.microsoft.com/office/drawing/2014/main" id="{C1A0ED13-1D35-4F51-B31C-36508AD8ADF3}"/>
+              </a:ext>
+            </a:extLst>
+          </p:cNvPr>
+          <p:cNvSpPr>
+            <a:spLocks noChangeArrowheads="1"/>
+          </p:cNvSpPr>
+          <p:nvPr/>
+        </p:nvSpPr>
+        <p:spPr bwMode="auto">
+          <a:xfrm>
+            <a:off x="5196173" y="4522099"/>
+            <a:ext cx="2747675" cy="1944763"/>
+          </a:xfrm>
+          <a:prstGeom prst="rect">
+            <a:avLst/>
+          </a:prstGeom>
+        </p:spPr>
+        <p:txBody>
+          <a:bodyPr wrap="square">
+            <a:spAutoFit/>
+          </a:bodyPr>
+          <a:lstStyle/>
+          <a:p>
+            <a:pPr>
+              <a:lnSpc>
+                <a:spcPct val="150000"/>
+              </a:lnSpc>
+            </a:pPr>
+            <a:r>
+              <a:rPr lang="en-US" altLang="zh-CN" sz="900" dirty="0" err="1">
+                <a:solidFill>
+                  <a:srgbClr val="000000"/>
+                </a:solidFill>
+                <a:latin typeface="Courier New" panose="02070309020205020404" pitchFamily="49" charset="0"/>
+                <a:ea typeface="PingFang SC Thin" panose="020B0200000000000000" pitchFamily="34" charset="-122"/>
+                <a:cs typeface="Courier New" panose="02070309020205020404" pitchFamily="49" charset="0"/>
+              </a:rPr>
+              <a:t>Array.prototype.flat</a:t>
+            </a:r>
+            <a:r>
+              <a:rPr lang="en-US" altLang="zh-CN" sz="900" dirty="0">
+                <a:solidFill>
+                  <a:srgbClr val="000000"/>
+                </a:solidFill>
+                <a:latin typeface="Courier New" panose="02070309020205020404" pitchFamily="49" charset="0"/>
+                <a:ea typeface="PingFang SC Thin" panose="020B0200000000000000" pitchFamily="34" charset="-122"/>
+                <a:cs typeface="Courier New" panose="02070309020205020404" pitchFamily="49" charset="0"/>
+              </a:rPr>
+              <a:t>()</a:t>
+            </a:r>
+          </a:p>
+          <a:p>
+            <a:pPr>
+              <a:lnSpc>
+                <a:spcPct val="150000"/>
+              </a:lnSpc>
+            </a:pPr>
+            <a:r>
+              <a:rPr lang="en-US" altLang="zh-CN" sz="900" dirty="0" err="1">
+                <a:solidFill>
+                  <a:srgbClr val="000000"/>
+                </a:solidFill>
+                <a:latin typeface="Courier New" panose="02070309020205020404" pitchFamily="49" charset="0"/>
+                <a:ea typeface="PingFang SC Thin" panose="020B0200000000000000" pitchFamily="34" charset="-122"/>
+                <a:cs typeface="Courier New" panose="02070309020205020404" pitchFamily="49" charset="0"/>
+              </a:rPr>
+              <a:t>Array.prototype.flatMap</a:t>
+            </a:r>
+            <a:r>
+              <a:rPr lang="en-US" altLang="zh-CN" sz="900" dirty="0">
+                <a:solidFill>
+                  <a:srgbClr val="000000"/>
+                </a:solidFill>
+                <a:latin typeface="Courier New" panose="02070309020205020404" pitchFamily="49" charset="0"/>
+                <a:ea typeface="PingFang SC Thin" panose="020B0200000000000000" pitchFamily="34" charset="-122"/>
+                <a:cs typeface="Courier New" panose="02070309020205020404" pitchFamily="49" charset="0"/>
+              </a:rPr>
+              <a:t>()</a:t>
+            </a:r>
+          </a:p>
+          <a:p>
+            <a:pPr>
+              <a:lnSpc>
+                <a:spcPct val="150000"/>
+              </a:lnSpc>
+            </a:pPr>
+            <a:r>
+              <a:rPr lang="en-US" altLang="zh-CN" sz="900" dirty="0" err="1">
+                <a:solidFill>
+                  <a:srgbClr val="000000"/>
+                </a:solidFill>
+                <a:latin typeface="Courier New" panose="02070309020205020404" pitchFamily="49" charset="0"/>
+                <a:ea typeface="PingFang SC Thin" panose="020B0200000000000000" pitchFamily="34" charset="-122"/>
+                <a:cs typeface="Courier New" panose="02070309020205020404" pitchFamily="49" charset="0"/>
+              </a:rPr>
+              <a:t>Object.fromEntries</a:t>
+            </a:r>
+            <a:r>
+              <a:rPr lang="en-US" altLang="zh-CN" sz="900" dirty="0">
+                <a:solidFill>
+                  <a:srgbClr val="000000"/>
+                </a:solidFill>
+                <a:latin typeface="Courier New" panose="02070309020205020404" pitchFamily="49" charset="0"/>
+                <a:ea typeface="PingFang SC Thin" panose="020B0200000000000000" pitchFamily="34" charset="-122"/>
+                <a:cs typeface="Courier New" panose="02070309020205020404" pitchFamily="49" charset="0"/>
+              </a:rPr>
+              <a:t>()</a:t>
+            </a:r>
+          </a:p>
+          <a:p>
+            <a:pPr>
+              <a:lnSpc>
+                <a:spcPct val="150000"/>
+              </a:lnSpc>
+            </a:pPr>
+            <a:r>
+              <a:rPr lang="en-US" altLang="zh-CN" sz="900" dirty="0" err="1">
+                <a:solidFill>
+                  <a:srgbClr val="000000"/>
+                </a:solidFill>
+                <a:latin typeface="Courier New" panose="02070309020205020404" pitchFamily="49" charset="0"/>
+                <a:ea typeface="PingFang SC Thin" panose="020B0200000000000000" pitchFamily="34" charset="-122"/>
+                <a:cs typeface="Courier New" panose="02070309020205020404" pitchFamily="49" charset="0"/>
+              </a:rPr>
+              <a:t>String.trimStart</a:t>
+            </a:r>
+            <a:r>
+              <a:rPr lang="en-US" altLang="zh-CN" sz="900" dirty="0">
+                <a:solidFill>
+                  <a:srgbClr val="000000"/>
+                </a:solidFill>
+                <a:latin typeface="Courier New" panose="02070309020205020404" pitchFamily="49" charset="0"/>
+                <a:ea typeface="PingFang SC Thin" panose="020B0200000000000000" pitchFamily="34" charset="-122"/>
+                <a:cs typeface="Courier New" panose="02070309020205020404" pitchFamily="49" charset="0"/>
+              </a:rPr>
+              <a:t> &amp; </a:t>
+            </a:r>
+            <a:r>
+              <a:rPr lang="en-US" altLang="zh-CN" sz="900" dirty="0" err="1">
+                <a:solidFill>
+                  <a:srgbClr val="000000"/>
+                </a:solidFill>
+                <a:latin typeface="Courier New" panose="02070309020205020404" pitchFamily="49" charset="0"/>
+                <a:ea typeface="PingFang SC Thin" panose="020B0200000000000000" pitchFamily="34" charset="-122"/>
+                <a:cs typeface="Courier New" panose="02070309020205020404" pitchFamily="49" charset="0"/>
+              </a:rPr>
+              <a:t>String.trimEnd</a:t>
+            </a:r>
+            <a:endParaRPr lang="en-US" altLang="zh-CN" sz="900" dirty="0">
+              <a:solidFill>
+                <a:srgbClr val="000000"/>
+              </a:solidFill>
+              <a:latin typeface="Courier New" panose="02070309020205020404" pitchFamily="49" charset="0"/>
+              <a:ea typeface="PingFang SC Thin" panose="020B0200000000000000" pitchFamily="34" charset="-122"/>
+              <a:cs typeface="Courier New" panose="02070309020205020404" pitchFamily="49" charset="0"/>
+            </a:endParaRPr>
+          </a:p>
+          <a:p>
+            <a:pPr>
+              <a:lnSpc>
+                <a:spcPct val="150000"/>
+              </a:lnSpc>
+            </a:pPr>
+            <a:r>
+              <a:rPr lang="en-US" altLang="zh-CN" sz="900" dirty="0" err="1">
+                <a:solidFill>
+                  <a:srgbClr val="000000"/>
+                </a:solidFill>
+                <a:latin typeface="Courier New" panose="02070309020205020404" pitchFamily="49" charset="0"/>
+                <a:ea typeface="PingFang SC Thin" panose="020B0200000000000000" pitchFamily="34" charset="-122"/>
+                <a:cs typeface="Courier New" panose="02070309020205020404" pitchFamily="49" charset="0"/>
+              </a:rPr>
+              <a:t>String.prototype.matchAll</a:t>
+            </a:r>
+            <a:endParaRPr lang="en-US" altLang="zh-CN" sz="900" dirty="0">
+              <a:solidFill>
+                <a:srgbClr val="000000"/>
+              </a:solidFill>
+              <a:latin typeface="Courier New" panose="02070309020205020404" pitchFamily="49" charset="0"/>
+              <a:ea typeface="PingFang SC Thin" panose="020B0200000000000000" pitchFamily="34" charset="-122"/>
+              <a:cs typeface="Courier New" panose="02070309020205020404" pitchFamily="49" charset="0"/>
+            </a:endParaRPr>
+          </a:p>
+          <a:p>
+            <a:pPr>
+              <a:lnSpc>
+                <a:spcPct val="150000"/>
+              </a:lnSpc>
+            </a:pPr>
+            <a:r>
+              <a:rPr lang="en-US" altLang="zh-CN" sz="900" dirty="0">
+                <a:solidFill>
+                  <a:srgbClr val="000000"/>
+                </a:solidFill>
+                <a:latin typeface="Courier New" panose="02070309020205020404" pitchFamily="49" charset="0"/>
+                <a:ea typeface="PingFang SC Thin" panose="020B0200000000000000" pitchFamily="34" charset="-122"/>
+                <a:cs typeface="Courier New" panose="02070309020205020404" pitchFamily="49" charset="0"/>
+              </a:rPr>
+              <a:t>Try...catch</a:t>
+            </a:r>
+          </a:p>
+          <a:p>
+            <a:pPr>
+              <a:lnSpc>
+                <a:spcPct val="150000"/>
+              </a:lnSpc>
+            </a:pPr>
+            <a:r>
+              <a:rPr lang="en-US" altLang="zh-CN" sz="900" dirty="0" err="1">
+                <a:solidFill>
+                  <a:srgbClr val="000000"/>
+                </a:solidFill>
+                <a:latin typeface="Courier New" panose="02070309020205020404" pitchFamily="49" charset="0"/>
+                <a:ea typeface="PingFang SC Thin" panose="020B0200000000000000" pitchFamily="34" charset="-122"/>
+                <a:cs typeface="Courier New" panose="02070309020205020404" pitchFamily="49" charset="0"/>
+              </a:rPr>
+              <a:t>BigInt</a:t>
+            </a:r>
+            <a:r>
+              <a:rPr lang="zh-CN" altLang="en-US" sz="900" dirty="0">
+                <a:solidFill>
+                  <a:srgbClr val="000000"/>
+                </a:solidFill>
+                <a:latin typeface="Courier New" panose="02070309020205020404" pitchFamily="49" charset="0"/>
+                <a:ea typeface="PingFang SC Thin" panose="020B0200000000000000" pitchFamily="34" charset="-122"/>
+                <a:cs typeface="Courier New" panose="02070309020205020404" pitchFamily="49" charset="0"/>
+              </a:rPr>
+              <a:t>数据类型</a:t>
+            </a:r>
+            <a:endParaRPr lang="en-US" altLang="zh-CN" sz="900" dirty="0">
+              <a:solidFill>
+                <a:srgbClr val="000000"/>
+              </a:solidFill>
+              <a:latin typeface="Courier New" panose="02070309020205020404" pitchFamily="49" charset="0"/>
+              <a:ea typeface="PingFang SC Thin" panose="020B0200000000000000" pitchFamily="34" charset="-122"/>
+              <a:cs typeface="Courier New" panose="02070309020205020404" pitchFamily="49" charset="0"/>
+            </a:endParaRPr>
+          </a:p>
+          <a:p>
+            <a:pPr>
+              <a:lnSpc>
+                <a:spcPct val="150000"/>
+              </a:lnSpc>
+            </a:pPr>
+            <a:r>
+              <a:rPr lang="en-US" altLang="zh-CN" sz="900" dirty="0" err="1">
+                <a:solidFill>
+                  <a:srgbClr val="000000"/>
+                </a:solidFill>
+                <a:latin typeface="Courier New" panose="02070309020205020404" pitchFamily="49" charset="0"/>
+                <a:ea typeface="PingFang SC Thin" panose="020B0200000000000000" pitchFamily="34" charset="-122"/>
+                <a:cs typeface="Courier New" panose="02070309020205020404" pitchFamily="49" charset="0"/>
+              </a:rPr>
+              <a:t>Symbol.prototype.description</a:t>
+            </a:r>
+            <a:endParaRPr lang="en-US" altLang="zh-CN" sz="900" dirty="0">
+              <a:solidFill>
+                <a:srgbClr val="000000"/>
+              </a:solidFill>
+              <a:latin typeface="Courier New" panose="02070309020205020404" pitchFamily="49" charset="0"/>
+              <a:ea typeface="PingFang SC Thin" panose="020B0200000000000000" pitchFamily="34" charset="-122"/>
+              <a:cs typeface="Courier New" panose="02070309020205020404" pitchFamily="49" charset="0"/>
+            </a:endParaRPr>
+          </a:p>
+          <a:p>
+            <a:pPr>
+              <a:lnSpc>
+                <a:spcPct val="150000"/>
+              </a:lnSpc>
+            </a:pPr>
+            <a:r>
+              <a:rPr lang="en-US" altLang="zh-CN" sz="900" dirty="0" err="1">
+                <a:solidFill>
+                  <a:srgbClr val="000000"/>
+                </a:solidFill>
+                <a:latin typeface="Courier New" panose="02070309020205020404" pitchFamily="49" charset="0"/>
+                <a:ea typeface="PingFang SC Thin" panose="020B0200000000000000" pitchFamily="34" charset="-122"/>
+                <a:cs typeface="Courier New" panose="02070309020205020404" pitchFamily="49" charset="0"/>
+              </a:rPr>
+              <a:t>Function.prototype.toString</a:t>
+            </a:r>
+            <a:r>
+              <a:rPr lang="en-US" altLang="zh-CN" sz="900" dirty="0">
+                <a:solidFill>
+                  <a:srgbClr val="000000"/>
+                </a:solidFill>
+                <a:latin typeface="Courier New" panose="02070309020205020404" pitchFamily="49" charset="0"/>
+                <a:ea typeface="PingFang SC Thin" panose="020B0200000000000000" pitchFamily="34" charset="-122"/>
+                <a:cs typeface="Courier New" panose="02070309020205020404" pitchFamily="49" charset="0"/>
+              </a:rPr>
+              <a:t>()</a:t>
+            </a:r>
+          </a:p>
+        </p:txBody>
+      </p:sp>
+      <p:cxnSp>
+        <p:nvCxnSpPr>
+          <p:cNvPr id="3" name="直接连接符 2">
+            <a:extLst>
+              <a:ext uri="{FF2B5EF4-FFF2-40B4-BE49-F238E27FC236}">
+                <a16:creationId xmlns:a16="http://schemas.microsoft.com/office/drawing/2014/main" id="{A0C9A0D3-30DB-4462-9FB6-448D7F8325EF}"/>
+              </a:ext>
+            </a:extLst>
+          </p:cNvPr>
+          <p:cNvCxnSpPr>
+            <a:cxnSpLocks/>
+          </p:cNvCxnSpPr>
+          <p:nvPr/>
+        </p:nvCxnSpPr>
+        <p:spPr>
+          <a:xfrm>
+            <a:off x="782163" y="1513394"/>
+            <a:ext cx="10706649" cy="0"/>
+          </a:xfrm>
+          <a:prstGeom prst="line">
+            <a:avLst/>
+          </a:prstGeom>
+          <a:ln>
+            <a:solidFill>
+              <a:schemeClr val="bg1">
+                <a:lumMod val="85000"/>
+              </a:schemeClr>
+            </a:solidFill>
+          </a:ln>
+        </p:spPr>
+        <p:style>
+          <a:lnRef idx="1">
+            <a:schemeClr val="dk1"/>
+          </a:lnRef>
+          <a:fillRef idx="0">
+            <a:schemeClr val="dk1"/>
+          </a:fillRef>
+          <a:effectRef idx="0">
+            <a:schemeClr val="dk1"/>
+          </a:effectRef>
+          <a:fontRef idx="minor">
+            <a:schemeClr val="tx1"/>
+          </a:fontRef>
+        </p:style>
+      </p:cxnSp>
+      <p:cxnSp>
+        <p:nvCxnSpPr>
+          <p:cNvPr id="27" name="直接连接符 26">
+            <a:extLst>
+              <a:ext uri="{FF2B5EF4-FFF2-40B4-BE49-F238E27FC236}">
+                <a16:creationId xmlns:a16="http://schemas.microsoft.com/office/drawing/2014/main" id="{AC07E2E3-D01E-4F8D-9565-452B93A47ED3}"/>
+              </a:ext>
+            </a:extLst>
+          </p:cNvPr>
+          <p:cNvCxnSpPr>
+            <a:cxnSpLocks/>
+          </p:cNvCxnSpPr>
+          <p:nvPr/>
+        </p:nvCxnSpPr>
+        <p:spPr>
+          <a:xfrm>
+            <a:off x="782163" y="3995371"/>
+            <a:ext cx="10706649" cy="0"/>
+          </a:xfrm>
+          <a:prstGeom prst="line">
+            <a:avLst/>
+          </a:prstGeom>
+          <a:ln>
+            <a:solidFill>
+              <a:schemeClr val="bg1">
+                <a:lumMod val="85000"/>
+              </a:schemeClr>
+            </a:solidFill>
+          </a:ln>
+        </p:spPr>
+        <p:style>
+          <a:lnRef idx="1">
+            <a:schemeClr val="dk1"/>
+          </a:lnRef>
+          <a:fillRef idx="0">
+            <a:schemeClr val="dk1"/>
+          </a:fillRef>
+          <a:effectRef idx="0">
+            <a:schemeClr val="dk1"/>
+          </a:effectRef>
+          <a:fontRef idx="minor">
+            <a:schemeClr val="tx1"/>
+          </a:fontRef>
+        </p:style>
+      </p:cxnSp>
+      <p:cxnSp>
+        <p:nvCxnSpPr>
+          <p:cNvPr id="28" name="直接连接符 27">
+            <a:extLst>
+              <a:ext uri="{FF2B5EF4-FFF2-40B4-BE49-F238E27FC236}">
+                <a16:creationId xmlns:a16="http://schemas.microsoft.com/office/drawing/2014/main" id="{E2D86C62-5E36-4F7C-B418-3405A56F62DF}"/>
+              </a:ext>
+            </a:extLst>
+          </p:cNvPr>
+          <p:cNvCxnSpPr>
+            <a:cxnSpLocks/>
+          </p:cNvCxnSpPr>
+          <p:nvPr/>
+        </p:nvCxnSpPr>
+        <p:spPr>
+          <a:xfrm>
+            <a:off x="4908309" y="544636"/>
+            <a:ext cx="0" cy="5868000"/>
+          </a:xfrm>
+          <a:prstGeom prst="line">
+            <a:avLst/>
+          </a:prstGeom>
+          <a:ln>
+            <a:solidFill>
+              <a:schemeClr val="bg1">
+                <a:lumMod val="85000"/>
+              </a:schemeClr>
+            </a:solidFill>
+          </a:ln>
+        </p:spPr>
+        <p:style>
+          <a:lnRef idx="1">
+            <a:schemeClr val="dk1"/>
+          </a:lnRef>
+          <a:fillRef idx="0">
+            <a:schemeClr val="dk1"/>
+          </a:fillRef>
+          <a:effectRef idx="0">
+            <a:schemeClr val="dk1"/>
+          </a:effectRef>
+          <a:fontRef idx="minor">
+            <a:schemeClr val="tx1"/>
+          </a:fontRef>
+        </p:style>
+      </p:cxnSp>
+      <p:cxnSp>
+        <p:nvCxnSpPr>
+          <p:cNvPr id="29" name="直接连接符 28">
+            <a:extLst>
+              <a:ext uri="{FF2B5EF4-FFF2-40B4-BE49-F238E27FC236}">
+                <a16:creationId xmlns:a16="http://schemas.microsoft.com/office/drawing/2014/main" id="{8390FC6E-1FB4-4D14-9945-EBF0B7C42B99}"/>
+              </a:ext>
+            </a:extLst>
+          </p:cNvPr>
+          <p:cNvCxnSpPr>
+            <a:cxnSpLocks/>
+          </p:cNvCxnSpPr>
+          <p:nvPr/>
+        </p:nvCxnSpPr>
+        <p:spPr>
+          <a:xfrm>
+            <a:off x="8062099" y="544636"/>
+            <a:ext cx="0" cy="5868000"/>
+          </a:xfrm>
+          <a:prstGeom prst="line">
+            <a:avLst/>
+          </a:prstGeom>
+          <a:ln>
+            <a:solidFill>
+              <a:schemeClr val="bg1">
+                <a:lumMod val="85000"/>
+              </a:schemeClr>
+            </a:solidFill>
+          </a:ln>
+        </p:spPr>
+        <p:style>
+          <a:lnRef idx="1">
+            <a:schemeClr val="dk1"/>
+          </a:lnRef>
+          <a:fillRef idx="0">
+            <a:schemeClr val="dk1"/>
+          </a:fillRef>
+          <a:effectRef idx="0">
+            <a:schemeClr val="dk1"/>
+          </a:effectRef>
+          <a:fontRef idx="minor">
+            <a:schemeClr val="tx1"/>
+          </a:fontRef>
+        </p:style>
+      </p:cxnSp>
+      <p:sp>
+        <p:nvSpPr>
+          <p:cNvPr id="30" name="Rectangle 2">
+            <a:extLst>
+              <a:ext uri="{FF2B5EF4-FFF2-40B4-BE49-F238E27FC236}">
+                <a16:creationId xmlns:a16="http://schemas.microsoft.com/office/drawing/2014/main" id="{9215FCF6-9C2E-4F04-8F81-E80FEF0E618D}"/>
+              </a:ext>
+            </a:extLst>
+          </p:cNvPr>
+          <p:cNvSpPr>
+            <a:spLocks noChangeArrowheads="1"/>
+          </p:cNvSpPr>
+          <p:nvPr/>
+        </p:nvSpPr>
+        <p:spPr bwMode="auto">
+          <a:xfrm>
+            <a:off x="8428142" y="4522099"/>
+            <a:ext cx="3209791" cy="1529265"/>
+          </a:xfrm>
+          <a:prstGeom prst="rect">
+            <a:avLst/>
+          </a:prstGeom>
+        </p:spPr>
+        <p:txBody>
+          <a:bodyPr wrap="square">
+            <a:spAutoFit/>
+          </a:bodyPr>
+          <a:lstStyle/>
+          <a:p>
+            <a:pPr>
+              <a:lnSpc>
+                <a:spcPct val="150000"/>
+              </a:lnSpc>
+            </a:pPr>
+            <a:r>
+              <a:rPr lang="en-US" altLang="zh-CN" sz="900" dirty="0" err="1">
+                <a:solidFill>
+                  <a:srgbClr val="000000"/>
+                </a:solidFill>
+                <a:latin typeface="Courier New" panose="02070309020205020404" pitchFamily="49" charset="0"/>
+                <a:ea typeface="PingFang SC Thin" panose="020B0200000000000000" pitchFamily="34" charset="-122"/>
+                <a:cs typeface="Courier New" panose="02070309020205020404" pitchFamily="49" charset="0"/>
+              </a:rPr>
+              <a:t>Promise.allSettled</a:t>
+            </a:r>
+            <a:endParaRPr lang="en-US" altLang="zh-CN" sz="900" dirty="0">
+              <a:solidFill>
+                <a:srgbClr val="000000"/>
+              </a:solidFill>
+              <a:latin typeface="Courier New" panose="02070309020205020404" pitchFamily="49" charset="0"/>
+              <a:ea typeface="PingFang SC Thin" panose="020B0200000000000000" pitchFamily="34" charset="-122"/>
+              <a:cs typeface="Courier New" panose="02070309020205020404" pitchFamily="49" charset="0"/>
+            </a:endParaRPr>
+          </a:p>
+          <a:p>
+            <a:pPr>
+              <a:lnSpc>
+                <a:spcPct val="150000"/>
+              </a:lnSpc>
+            </a:pPr>
+            <a:r>
+              <a:rPr lang="zh-CN" altLang="en-US" sz="900" dirty="0">
+                <a:solidFill>
+                  <a:srgbClr val="000000"/>
+                </a:solidFill>
+                <a:latin typeface="Courier New" panose="02070309020205020404" pitchFamily="49" charset="0"/>
+                <a:ea typeface="PingFang SC Thin" panose="020B0200000000000000" pitchFamily="34" charset="-122"/>
+                <a:cs typeface="Courier New" panose="02070309020205020404" pitchFamily="49" charset="0"/>
+              </a:rPr>
+              <a:t>可选链（</a:t>
+            </a:r>
+            <a:r>
+              <a:rPr lang="en-US" altLang="zh-CN" sz="900" dirty="0">
+                <a:solidFill>
+                  <a:srgbClr val="000000"/>
+                </a:solidFill>
+                <a:latin typeface="Courier New" panose="02070309020205020404" pitchFamily="49" charset="0"/>
+                <a:ea typeface="PingFang SC Thin" panose="020B0200000000000000" pitchFamily="34" charset="-122"/>
+                <a:cs typeface="Courier New" panose="02070309020205020404" pitchFamily="49" charset="0"/>
+              </a:rPr>
+              <a:t>Optional chaining</a:t>
+            </a:r>
+            <a:r>
+              <a:rPr lang="zh-CN" altLang="en-US" sz="900" dirty="0">
+                <a:solidFill>
+                  <a:srgbClr val="000000"/>
+                </a:solidFill>
+                <a:latin typeface="Courier New" panose="02070309020205020404" pitchFamily="49" charset="0"/>
+                <a:ea typeface="PingFang SC Thin" panose="020B0200000000000000" pitchFamily="34" charset="-122"/>
+                <a:cs typeface="Courier New" panose="02070309020205020404" pitchFamily="49" charset="0"/>
+              </a:rPr>
+              <a:t>）</a:t>
+            </a:r>
+          </a:p>
+          <a:p>
+            <a:pPr>
+              <a:lnSpc>
+                <a:spcPct val="150000"/>
+              </a:lnSpc>
+            </a:pPr>
+            <a:r>
+              <a:rPr lang="zh-CN" altLang="en-US" sz="900" dirty="0">
+                <a:solidFill>
+                  <a:srgbClr val="000000"/>
+                </a:solidFill>
+                <a:latin typeface="Courier New" panose="02070309020205020404" pitchFamily="49" charset="0"/>
+                <a:ea typeface="PingFang SC Thin" panose="020B0200000000000000" pitchFamily="34" charset="-122"/>
+                <a:cs typeface="Courier New" panose="02070309020205020404" pitchFamily="49" charset="0"/>
+              </a:rPr>
+              <a:t>空值合并运算符（</a:t>
+            </a:r>
+            <a:r>
+              <a:rPr lang="en-US" altLang="zh-CN" sz="900" dirty="0" err="1">
+                <a:solidFill>
+                  <a:srgbClr val="000000"/>
+                </a:solidFill>
+                <a:latin typeface="Courier New" panose="02070309020205020404" pitchFamily="49" charset="0"/>
+                <a:ea typeface="PingFang SC Thin" panose="020B0200000000000000" pitchFamily="34" charset="-122"/>
+                <a:cs typeface="Courier New" panose="02070309020205020404" pitchFamily="49" charset="0"/>
+              </a:rPr>
+              <a:t>Nullish</a:t>
+            </a:r>
+            <a:r>
+              <a:rPr lang="en-US" altLang="zh-CN" sz="900" dirty="0">
+                <a:solidFill>
+                  <a:srgbClr val="000000"/>
+                </a:solidFill>
+                <a:latin typeface="Courier New" panose="02070309020205020404" pitchFamily="49" charset="0"/>
+                <a:ea typeface="PingFang SC Thin" panose="020B0200000000000000" pitchFamily="34" charset="-122"/>
+                <a:cs typeface="Courier New" panose="02070309020205020404" pitchFamily="49" charset="0"/>
+              </a:rPr>
+              <a:t> coalescing Operator</a:t>
+            </a:r>
+            <a:r>
+              <a:rPr lang="zh-CN" altLang="en-US" sz="900" dirty="0">
+                <a:solidFill>
+                  <a:srgbClr val="000000"/>
+                </a:solidFill>
+                <a:latin typeface="Courier New" panose="02070309020205020404" pitchFamily="49" charset="0"/>
+                <a:ea typeface="PingFang SC Thin" panose="020B0200000000000000" pitchFamily="34" charset="-122"/>
+                <a:cs typeface="Courier New" panose="02070309020205020404" pitchFamily="49" charset="0"/>
+              </a:rPr>
+              <a:t>）</a:t>
+            </a:r>
+          </a:p>
+          <a:p>
+            <a:pPr>
+              <a:lnSpc>
+                <a:spcPct val="150000"/>
+              </a:lnSpc>
+            </a:pPr>
+            <a:r>
+              <a:rPr lang="en-US" altLang="zh-CN" sz="900" dirty="0">
+                <a:solidFill>
+                  <a:srgbClr val="000000"/>
+                </a:solidFill>
+                <a:latin typeface="Courier New" panose="02070309020205020404" pitchFamily="49" charset="0"/>
+                <a:ea typeface="PingFang SC Thin" panose="020B0200000000000000" pitchFamily="34" charset="-122"/>
+                <a:cs typeface="Courier New" panose="02070309020205020404" pitchFamily="49" charset="0"/>
+              </a:rPr>
+              <a:t>dynamic-import</a:t>
+            </a:r>
+          </a:p>
+          <a:p>
+            <a:pPr>
+              <a:lnSpc>
+                <a:spcPct val="150000"/>
+              </a:lnSpc>
+            </a:pPr>
+            <a:r>
+              <a:rPr lang="en-US" altLang="zh-CN" sz="900" dirty="0" err="1">
+                <a:solidFill>
+                  <a:srgbClr val="000000"/>
+                </a:solidFill>
+                <a:latin typeface="Courier New" panose="02070309020205020404" pitchFamily="49" charset="0"/>
+                <a:ea typeface="PingFang SC Thin" panose="020B0200000000000000" pitchFamily="34" charset="-122"/>
+                <a:cs typeface="Courier New" panose="02070309020205020404" pitchFamily="49" charset="0"/>
+              </a:rPr>
+              <a:t>globalThis</a:t>
+            </a:r>
+            <a:endParaRPr lang="en-US" altLang="zh-CN" sz="900" dirty="0">
+              <a:solidFill>
+                <a:srgbClr val="000000"/>
+              </a:solidFill>
+              <a:latin typeface="Courier New" panose="02070309020205020404" pitchFamily="49" charset="0"/>
+              <a:ea typeface="PingFang SC Thin" panose="020B0200000000000000" pitchFamily="34" charset="-122"/>
+              <a:cs typeface="Courier New" panose="02070309020205020404" pitchFamily="49" charset="0"/>
+            </a:endParaRPr>
+          </a:p>
+          <a:p>
+            <a:pPr>
+              <a:lnSpc>
+                <a:spcPct val="150000"/>
+              </a:lnSpc>
+            </a:pPr>
+            <a:r>
+              <a:rPr lang="en-US" altLang="zh-CN" sz="900" dirty="0" err="1">
+                <a:solidFill>
+                  <a:srgbClr val="000000"/>
+                </a:solidFill>
+                <a:latin typeface="Courier New" panose="02070309020205020404" pitchFamily="49" charset="0"/>
+                <a:ea typeface="PingFang SC Thin" panose="020B0200000000000000" pitchFamily="34" charset="-122"/>
+                <a:cs typeface="Courier New" panose="02070309020205020404" pitchFamily="49" charset="0"/>
+              </a:rPr>
+              <a:t>BigInt</a:t>
+            </a:r>
+            <a:r>
+              <a:rPr lang="zh-CN" altLang="en-US" sz="900" dirty="0">
+                <a:solidFill>
+                  <a:srgbClr val="000000"/>
+                </a:solidFill>
+                <a:latin typeface="Courier New" panose="02070309020205020404" pitchFamily="49" charset="0"/>
+                <a:ea typeface="PingFang SC Thin" panose="020B0200000000000000" pitchFamily="34" charset="-122"/>
+                <a:cs typeface="Courier New" panose="02070309020205020404" pitchFamily="49" charset="0"/>
+              </a:rPr>
+              <a:t>对象</a:t>
+            </a:r>
+            <a:endParaRPr lang="en-US" altLang="zh-CN" sz="900" dirty="0">
+              <a:solidFill>
+                <a:srgbClr val="000000"/>
+              </a:solidFill>
+              <a:latin typeface="Courier New" panose="02070309020205020404" pitchFamily="49" charset="0"/>
+              <a:ea typeface="PingFang SC Thin" panose="020B0200000000000000" pitchFamily="34" charset="-122"/>
+              <a:cs typeface="Courier New" panose="02070309020205020404" pitchFamily="49" charset="0"/>
+            </a:endParaRPr>
+          </a:p>
+          <a:p>
+            <a:pPr>
+              <a:lnSpc>
+                <a:spcPct val="150000"/>
+              </a:lnSpc>
+            </a:pPr>
+            <a:r>
+              <a:rPr lang="en-US" altLang="zh-CN" sz="900" dirty="0" err="1">
+                <a:solidFill>
+                  <a:srgbClr val="000000"/>
+                </a:solidFill>
+                <a:latin typeface="Courier New" panose="02070309020205020404" pitchFamily="49" charset="0"/>
+                <a:ea typeface="PingFang SC Thin" panose="020B0200000000000000" pitchFamily="34" charset="-122"/>
+                <a:cs typeface="Courier New" panose="02070309020205020404" pitchFamily="49" charset="0"/>
+              </a:rPr>
+              <a:t>String.prototype.matchAll</a:t>
+            </a:r>
+            <a:endParaRPr lang="en-US" altLang="zh-CN" sz="900" dirty="0">
+              <a:solidFill>
+                <a:srgbClr val="000000"/>
+              </a:solidFill>
+              <a:latin typeface="Courier New" panose="02070309020205020404" pitchFamily="49" charset="0"/>
+              <a:ea typeface="PingFang SC Thin" panose="020B0200000000000000" pitchFamily="34" charset="-122"/>
+              <a:cs typeface="Courier New" panose="02070309020205020404" pitchFamily="49" charset="0"/>
+            </a:endParaRPr>
           </a:p>
         </p:txBody>
       </p:sp>
     </p:spTree>
     <p:extLst>
       <p:ext uri="{BB962C8B-B14F-4D97-AF65-F5344CB8AC3E}">
-        <p14:creationId xmlns:p14="http://schemas.microsoft.com/office/powerpoint/2010/main" val="2674585974"/>
+        <p14:creationId xmlns:p14="http://schemas.microsoft.com/office/powerpoint/2010/main" val="10415563"/>
       </p:ext>
     </p:extLst>
   </p:cSld>

--- a/2 前端/ECMAScript/ESMAScript版本的差别.pptx
+++ b/2 前端/ECMAScript/ESMAScript版本的差别.pptx
@@ -1315,7 +1315,7 @@
           </a:prstGeom>
         </p:spPr>
         <p:txBody>
-          <a:bodyPr wrap="none">
+          <a:bodyPr wrap="square">
             <a:spAutoFit/>
           </a:bodyPr>
           <a:lstStyle>
@@ -1326,11 +1326,10 @@
               <a:lnSpc>
                 <a:spcPct val="150000"/>
               </a:lnSpc>
-              <a:defRPr sz="1400" b="0" i="0">
-                <a:solidFill>
-                  <a:srgbClr val="000000"/>
-                </a:solidFill>
-                <a:effectLst/>
+              <a:defRPr sz="900">
+                <a:solidFill>
+                  <a:srgbClr val="000000"/>
+                </a:solidFill>
                 <a:latin typeface="Courier New" panose="02070309020205020404" pitchFamily="49" charset="0"/>
                 <a:ea typeface="PingFang SC Thin" panose="020B0200000000000000" pitchFamily="34" charset="-122"/>
                 <a:cs typeface="Courier New" panose="02070309020205020404" pitchFamily="49" charset="0"/>
@@ -1339,17 +1338,17 @@
           </a:lstStyle>
           <a:p>
             <a:r>
-              <a:rPr lang="zh-CN" altLang="en-US" sz="900" dirty="0"/>
+              <a:rPr lang="zh-CN" altLang="en-US" dirty="0"/>
               <a:t>求幂运算符</a:t>
             </a:r>
           </a:p>
           <a:p>
             <a:r>
-              <a:rPr lang="en-US" altLang="zh-CN" sz="900" dirty="0" err="1"/>
+              <a:rPr lang="en-US" altLang="zh-CN" dirty="0" err="1"/>
               <a:t>Array.prototype.includes</a:t>
             </a:r>
             <a:r>
-              <a:rPr lang="en-US" altLang="zh-CN" sz="900" dirty="0"/>
+              <a:rPr lang="en-US" altLang="zh-CN" dirty="0"/>
               <a:t>()</a:t>
             </a:r>
           </a:p>
@@ -1680,11 +1679,10 @@
               <a:lnSpc>
                 <a:spcPct val="150000"/>
               </a:lnSpc>
-              <a:defRPr sz="1400" b="0" i="0">
-                <a:solidFill>
-                  <a:srgbClr val="000000"/>
-                </a:solidFill>
-                <a:effectLst/>
+              <a:defRPr sz="900">
+                <a:solidFill>
+                  <a:srgbClr val="000000"/>
+                </a:solidFill>
                 <a:latin typeface="Courier New" panose="02070309020205020404" pitchFamily="49" charset="0"/>
                 <a:ea typeface="PingFang SC Thin" panose="020B0200000000000000" pitchFamily="34" charset="-122"/>
                 <a:cs typeface="Courier New" panose="02070309020205020404" pitchFamily="49" charset="0"/>
@@ -1693,50 +1691,46 @@
           </a:lstStyle>
           <a:p>
             <a:r>
-              <a:rPr lang="en-US" altLang="zh-CN" sz="900" dirty="0"/>
+              <a:rPr lang="en-US" altLang="zh-CN" dirty="0"/>
               <a:t>async/await</a:t>
             </a:r>
           </a:p>
           <a:p>
             <a:r>
-              <a:rPr lang="en-US" altLang="zh-CN" sz="900" dirty="0" err="1"/>
+              <a:rPr lang="en-US" altLang="zh-CN" dirty="0" err="1"/>
               <a:t>Object.entries</a:t>
             </a:r>
             <a:r>
-              <a:rPr lang="en-US" altLang="zh-CN" sz="900" dirty="0"/>
+              <a:rPr lang="en-US" altLang="zh-CN" dirty="0"/>
               <a:t>()</a:t>
             </a:r>
           </a:p>
           <a:p>
             <a:r>
-              <a:rPr lang="en-US" altLang="zh-CN" sz="900"/>
-              <a:t>Object</a:t>
-            </a:r>
-            <a:r>
-              <a:rPr lang="en-US" altLang="zh-CN" sz="900" dirty="0" err="1"/>
-              <a:t>.values</a:t>
-            </a:r>
-            <a:r>
-              <a:rPr lang="en-US" altLang="zh-CN" sz="900" dirty="0"/>
+              <a:rPr lang="en-US" altLang="zh-CN" dirty="0" err="1"/>
+              <a:t>Object.values</a:t>
+            </a:r>
+            <a:r>
+              <a:rPr lang="en-US" altLang="zh-CN" dirty="0"/>
               <a:t>()</a:t>
             </a:r>
           </a:p>
           <a:p>
             <a:r>
-              <a:rPr lang="en-US" altLang="zh-CN" sz="900" dirty="0" err="1"/>
+              <a:rPr lang="en-US" altLang="zh-CN" dirty="0" err="1"/>
               <a:t>Object.getOwnPropertyDesCriptors</a:t>
             </a:r>
             <a:r>
-              <a:rPr lang="en-US" altLang="zh-CN" sz="900" dirty="0"/>
+              <a:rPr lang="en-US" altLang="zh-CN" dirty="0"/>
               <a:t>()</a:t>
             </a:r>
           </a:p>
           <a:p>
             <a:r>
-              <a:rPr lang="zh-CN" altLang="en-US" sz="900" dirty="0"/>
+              <a:rPr lang="zh-CN" altLang="en-US" dirty="0"/>
               <a:t>字符串填充</a:t>
             </a:r>
-            <a:endParaRPr lang="en-US" altLang="zh-CN" sz="900" dirty="0"/>
+            <a:endParaRPr lang="en-US" altLang="zh-CN" dirty="0"/>
           </a:p>
         </p:txBody>
       </p:sp>
@@ -1757,7 +1751,7 @@
         <p:spPr bwMode="auto">
           <a:xfrm>
             <a:off x="731829" y="774826"/>
-            <a:ext cx="3960239" cy="490327"/>
+            <a:ext cx="3960239" cy="698268"/>
           </a:xfrm>
           <a:prstGeom prst="rect">
             <a:avLst/>
@@ -1879,52 +1873,57 @@
               </a:lnSpc>
             </a:pPr>
             <a:r>
-              <a:rPr lang="zh-CN" altLang="en-US" sz="900" b="0" i="0" dirty="0">
-                <a:solidFill>
-                  <a:srgbClr val="333333"/>
-                </a:solidFill>
-                <a:effectLst/>
-                <a:latin typeface="pingfang SC"/>
+              <a:rPr lang="zh-CN" altLang="en-US" sz="900" dirty="0">
+                <a:solidFill>
+                  <a:srgbClr val="000000"/>
+                </a:solidFill>
+                <a:latin typeface="Courier New" panose="02070309020205020404" pitchFamily="49" charset="0"/>
+                <a:ea typeface="PingFang SC Thin" panose="020B0200000000000000" pitchFamily="34" charset="-122"/>
+                <a:cs typeface="Courier New" panose="02070309020205020404" pitchFamily="49" charset="0"/>
               </a:rPr>
               <a:t>于</a:t>
             </a:r>
             <a:r>
-              <a:rPr lang="en-US" altLang="zh-CN" sz="900" b="0" i="0" dirty="0">
-                <a:solidFill>
-                  <a:srgbClr val="333333"/>
-                </a:solidFill>
-                <a:effectLst/>
-                <a:latin typeface="pingfang SC"/>
+              <a:rPr lang="en-US" altLang="zh-CN" sz="900" dirty="0">
+                <a:solidFill>
+                  <a:srgbClr val="000000"/>
+                </a:solidFill>
+                <a:latin typeface="Courier New" panose="02070309020205020404" pitchFamily="49" charset="0"/>
+                <a:ea typeface="PingFang SC Thin" panose="020B0200000000000000" pitchFamily="34" charset="-122"/>
+                <a:cs typeface="Courier New" panose="02070309020205020404" pitchFamily="49" charset="0"/>
               </a:rPr>
               <a:t>2008</a:t>
             </a:r>
             <a:r>
-              <a:rPr lang="zh-CN" altLang="en-US" sz="900" b="0" i="0" dirty="0">
-                <a:solidFill>
-                  <a:srgbClr val="333333"/>
-                </a:solidFill>
-                <a:effectLst/>
-                <a:latin typeface="pingfang SC"/>
+              <a:rPr lang="zh-CN" altLang="en-US" sz="900" dirty="0">
+                <a:solidFill>
+                  <a:srgbClr val="000000"/>
+                </a:solidFill>
+                <a:latin typeface="Courier New" panose="02070309020205020404" pitchFamily="49" charset="0"/>
+                <a:ea typeface="PingFang SC Thin" panose="020B0200000000000000" pitchFamily="34" charset="-122"/>
+                <a:cs typeface="Courier New" panose="02070309020205020404" pitchFamily="49" charset="0"/>
               </a:rPr>
               <a:t>年</a:t>
             </a:r>
             <a:r>
-              <a:rPr lang="en-US" altLang="zh-CN" sz="900" b="0" i="0" dirty="0">
-                <a:solidFill>
-                  <a:srgbClr val="333333"/>
-                </a:solidFill>
-                <a:effectLst/>
-                <a:latin typeface="pingfang SC"/>
+              <a:rPr lang="en-US" altLang="zh-CN" sz="900" dirty="0">
+                <a:solidFill>
+                  <a:srgbClr val="000000"/>
+                </a:solidFill>
+                <a:latin typeface="Courier New" panose="02070309020205020404" pitchFamily="49" charset="0"/>
+                <a:ea typeface="PingFang SC Thin" panose="020B0200000000000000" pitchFamily="34" charset="-122"/>
+                <a:cs typeface="Courier New" panose="02070309020205020404" pitchFamily="49" charset="0"/>
               </a:rPr>
               <a:t>7</a:t>
             </a:r>
             <a:r>
-              <a:rPr lang="zh-CN" altLang="en-US" sz="900" b="0" i="0" dirty="0">
-                <a:solidFill>
-                  <a:srgbClr val="333333"/>
-                </a:solidFill>
-                <a:effectLst/>
-                <a:latin typeface="pingfang SC"/>
+              <a:rPr lang="zh-CN" altLang="en-US" sz="900" dirty="0">
+                <a:solidFill>
+                  <a:srgbClr val="000000"/>
+                </a:solidFill>
+                <a:latin typeface="Courier New" panose="02070309020205020404" pitchFamily="49" charset="0"/>
+                <a:ea typeface="PingFang SC Thin" panose="020B0200000000000000" pitchFamily="34" charset="-122"/>
+                <a:cs typeface="Courier New" panose="02070309020205020404" pitchFamily="49" charset="0"/>
               </a:rPr>
               <a:t>月发布前被废弃。</a:t>
             </a:r>
@@ -2030,52 +2029,57 @@
               </a:lnSpc>
             </a:pPr>
             <a:r>
-              <a:rPr lang="zh-CN" altLang="en-US" sz="900" b="0" i="0" dirty="0">
-                <a:solidFill>
-                  <a:srgbClr val="333333"/>
-                </a:solidFill>
-                <a:effectLst/>
-                <a:latin typeface="pingfang SC"/>
+              <a:rPr lang="zh-CN" altLang="en-US" sz="900" dirty="0">
+                <a:solidFill>
+                  <a:srgbClr val="000000"/>
+                </a:solidFill>
+                <a:latin typeface="Courier New" panose="02070309020205020404" pitchFamily="49" charset="0"/>
+                <a:ea typeface="PingFang SC Thin" panose="020B0200000000000000" pitchFamily="34" charset="-122"/>
+                <a:cs typeface="Courier New" panose="02070309020205020404" pitchFamily="49" charset="0"/>
               </a:rPr>
               <a:t>力求澄清第</a:t>
             </a:r>
             <a:r>
-              <a:rPr lang="en-US" altLang="zh-CN" sz="900" b="0" i="0" dirty="0">
-                <a:solidFill>
-                  <a:srgbClr val="333333"/>
-                </a:solidFill>
-                <a:effectLst/>
-                <a:latin typeface="pingfang SC"/>
+              <a:rPr lang="en-US" altLang="zh-CN" sz="900" dirty="0">
+                <a:solidFill>
+                  <a:srgbClr val="000000"/>
+                </a:solidFill>
+                <a:latin typeface="Courier New" panose="02070309020205020404" pitchFamily="49" charset="0"/>
+                <a:ea typeface="PingFang SC Thin" panose="020B0200000000000000" pitchFamily="34" charset="-122"/>
+                <a:cs typeface="Courier New" panose="02070309020205020404" pitchFamily="49" charset="0"/>
               </a:rPr>
               <a:t>3</a:t>
             </a:r>
             <a:r>
-              <a:rPr lang="zh-CN" altLang="en-US" sz="900" b="0" i="0" dirty="0">
-                <a:solidFill>
-                  <a:srgbClr val="333333"/>
-                </a:solidFill>
-                <a:effectLst/>
-                <a:latin typeface="pingfang SC"/>
+              <a:rPr lang="zh-CN" altLang="en-US" sz="900" dirty="0">
+                <a:solidFill>
+                  <a:srgbClr val="000000"/>
+                </a:solidFill>
+                <a:latin typeface="Courier New" panose="02070309020205020404" pitchFamily="49" charset="0"/>
+                <a:ea typeface="PingFang SC Thin" panose="020B0200000000000000" pitchFamily="34" charset="-122"/>
+                <a:cs typeface="Courier New" panose="02070309020205020404" pitchFamily="49" charset="0"/>
               </a:rPr>
               <a:t>版中的歧义，并添加了新的功能：原生</a:t>
             </a:r>
             <a:r>
-              <a:rPr lang="en-US" altLang="zh-CN" sz="900" b="0" i="0" dirty="0">
-                <a:solidFill>
-                  <a:srgbClr val="333333"/>
-                </a:solidFill>
-                <a:effectLst/>
-                <a:latin typeface="pingfang SC"/>
+              <a:rPr lang="en-US" altLang="zh-CN" sz="900" dirty="0">
+                <a:solidFill>
+                  <a:srgbClr val="000000"/>
+                </a:solidFill>
+                <a:latin typeface="Courier New" panose="02070309020205020404" pitchFamily="49" charset="0"/>
+                <a:ea typeface="PingFang SC Thin" panose="020B0200000000000000" pitchFamily="34" charset="-122"/>
+                <a:cs typeface="Courier New" panose="02070309020205020404" pitchFamily="49" charset="0"/>
               </a:rPr>
               <a:t>JSON</a:t>
             </a:r>
             <a:r>
-              <a:rPr lang="zh-CN" altLang="en-US" sz="900" b="0" i="0" dirty="0">
-                <a:solidFill>
-                  <a:srgbClr val="333333"/>
-                </a:solidFill>
-                <a:effectLst/>
-                <a:latin typeface="pingfang SC"/>
+              <a:rPr lang="zh-CN" altLang="en-US" sz="900" dirty="0">
+                <a:solidFill>
+                  <a:srgbClr val="000000"/>
+                </a:solidFill>
+                <a:latin typeface="Courier New" panose="02070309020205020404" pitchFamily="49" charset="0"/>
+                <a:ea typeface="PingFang SC Thin" panose="020B0200000000000000" pitchFamily="34" charset="-122"/>
+                <a:cs typeface="Courier New" panose="02070309020205020404" pitchFamily="49" charset="0"/>
               </a:rPr>
               <a:t>对象、继承的方法、高级属性的定义以及引入严格模式。</a:t>
             </a:r>

--- a/2 前端/ECMAScript/ESMAScript版本的差别.pptx
+++ b/2 前端/ECMAScript/ESMAScript版本的差别.pptx
@@ -201,7 +201,7 @@
           <a:p>
             <a:fld id="{7F25A8C7-CC1A-4A08-9B4B-31F43B054C7F}" type="datetimeFigureOut">
               <a:rPr lang="zh-CN" altLang="en-US" smtClean="0"/>
-              <a:t>2021/4/23</a:t>
+              <a:t>2021/5/21</a:t>
             </a:fld>
             <a:endParaRPr lang="zh-CN" altLang="en-US"/>
           </a:p>
@@ -497,7 +497,7 @@
           <a:p>
             <a:fld id="{760FBDFE-C587-4B4C-A407-44438C67B59E}" type="datetimeFigureOut">
               <a:rPr lang="zh-CN" altLang="en-US" smtClean="0"/>
-              <a:t>2021/4/23</a:t>
+              <a:t>2021/5/21</a:t>
             </a:fld>
             <a:endParaRPr lang="zh-CN" altLang="en-US"/>
           </a:p>
@@ -718,9 +718,9 @@
           <a:p>
             <a:fld id="{D997B5FA-0921-464F-AAE1-844C04324D75}" type="datetimeFigureOut">
               <a:rPr lang="zh-CN" altLang="en-US" smtClean="0"/>
-              <a:t>2021/4/23</a:t>
+              <a:t>2021/5/21</a:t>
             </a:fld>
-            <a:endParaRPr lang="zh-CN" altLang="en-US" dirty="0"/>
+            <a:endParaRPr lang="zh-CN" altLang="en-US"/>
           </a:p>
         </p:txBody>
       </p:sp>
@@ -1286,10 +1286,10 @@
               </a:lnSpc>
             </a:pPr>
             <a:r>
-              <a:rPr lang="en-US" altLang="zh-CN" dirty="0"/>
+              <a:rPr lang="en-US" altLang="zh-CN"/>
               <a:t>ES6(2015)</a:t>
             </a:r>
-            <a:endParaRPr lang="zh-CN" altLang="en-US" dirty="0"/>
+            <a:endParaRPr lang="zh-CN" altLang="en-US"/>
           </a:p>
         </p:txBody>
       </p:sp>
@@ -1338,17 +1338,17 @@
           </a:lstStyle>
           <a:p>
             <a:r>
-              <a:rPr lang="zh-CN" altLang="en-US" dirty="0"/>
+              <a:rPr lang="zh-CN" altLang="en-US"/>
               <a:t>求幂运算符</a:t>
             </a:r>
           </a:p>
           <a:p>
             <a:r>
-              <a:rPr lang="en-US" altLang="zh-CN" dirty="0" err="1"/>
+              <a:rPr lang="en-US" altLang="zh-CN" err="1"/>
               <a:t>Array.prototype.includes</a:t>
             </a:r>
             <a:r>
-              <a:rPr lang="en-US" altLang="zh-CN" dirty="0"/>
+              <a:rPr lang="en-US" altLang="zh-CN"/>
               <a:t>()</a:t>
             </a:r>
           </a:p>
@@ -1403,10 +1403,10 @@
               </a:lnSpc>
             </a:pPr>
             <a:r>
-              <a:rPr lang="en-US" altLang="zh-CN" dirty="0"/>
+              <a:rPr lang="en-US" altLang="zh-CN"/>
               <a:t>ES7(2016)</a:t>
             </a:r>
-            <a:endParaRPr lang="zh-CN" altLang="en-US" dirty="0"/>
+            <a:endParaRPr lang="zh-CN" altLang="en-US"/>
           </a:p>
         </p:txBody>
       </p:sp>
@@ -1459,22 +1459,22 @@
               </a:lnSpc>
             </a:pPr>
             <a:r>
-              <a:rPr lang="zh-CN" altLang="en-US" dirty="0"/>
+              <a:rPr lang="zh-CN" altLang="en-US"/>
               <a:t>ES11</a:t>
             </a:r>
             <a:r>
-              <a:rPr lang="en-US" altLang="zh-CN" dirty="0"/>
+              <a:rPr lang="en-US" altLang="zh-CN"/>
               <a:t>(</a:t>
             </a:r>
             <a:r>
-              <a:rPr lang="zh-CN" altLang="en-US" dirty="0"/>
+              <a:rPr lang="zh-CN" altLang="en-US"/>
               <a:t>2020</a:t>
             </a:r>
             <a:r>
-              <a:rPr lang="en-US" altLang="zh-CN" dirty="0"/>
+              <a:rPr lang="en-US" altLang="zh-CN"/>
               <a:t>)</a:t>
             </a:r>
-            <a:endParaRPr lang="zh-CN" altLang="en-US" dirty="0"/>
+            <a:endParaRPr lang="zh-CN" altLang="en-US"/>
           </a:p>
         </p:txBody>
       </p:sp>
@@ -1527,10 +1527,10 @@
               </a:lnSpc>
             </a:pPr>
             <a:r>
-              <a:rPr lang="en-US" altLang="zh-CN" dirty="0"/>
+              <a:rPr lang="en-US" altLang="zh-CN"/>
               <a:t>ES10(2019)</a:t>
             </a:r>
-            <a:endParaRPr lang="zh-CN" altLang="en-US" dirty="0"/>
+            <a:endParaRPr lang="zh-CN" altLang="en-US"/>
           </a:p>
         </p:txBody>
       </p:sp>
@@ -1583,10 +1583,10 @@
               </a:lnSpc>
             </a:pPr>
             <a:r>
-              <a:rPr lang="en-US" altLang="zh-CN" dirty="0"/>
+              <a:rPr lang="en-US" altLang="zh-CN"/>
               <a:t>ES8(2017)</a:t>
             </a:r>
-            <a:endParaRPr lang="zh-CN" altLang="en-US" dirty="0"/>
+            <a:endParaRPr lang="zh-CN" altLang="en-US"/>
           </a:p>
         </p:txBody>
       </p:sp>
@@ -1639,10 +1639,10 @@
               </a:lnSpc>
             </a:pPr>
             <a:r>
-              <a:rPr lang="en-US" altLang="zh-CN" dirty="0"/>
+              <a:rPr lang="en-US" altLang="zh-CN"/>
               <a:t>ES9(2018)</a:t>
             </a:r>
-            <a:endParaRPr lang="zh-CN" altLang="en-US" dirty="0"/>
+            <a:endParaRPr lang="zh-CN" altLang="en-US"/>
           </a:p>
         </p:txBody>
       </p:sp>
@@ -1691,46 +1691,46 @@
           </a:lstStyle>
           <a:p>
             <a:r>
-              <a:rPr lang="en-US" altLang="zh-CN" dirty="0"/>
+              <a:rPr lang="en-US" altLang="zh-CN"/>
               <a:t>async/await</a:t>
             </a:r>
           </a:p>
           <a:p>
             <a:r>
-              <a:rPr lang="en-US" altLang="zh-CN" dirty="0" err="1"/>
+              <a:rPr lang="en-US" altLang="zh-CN" err="1"/>
               <a:t>Object.entries</a:t>
             </a:r>
             <a:r>
-              <a:rPr lang="en-US" altLang="zh-CN" dirty="0"/>
+              <a:rPr lang="en-US" altLang="zh-CN"/>
               <a:t>()</a:t>
             </a:r>
           </a:p>
           <a:p>
             <a:r>
-              <a:rPr lang="en-US" altLang="zh-CN" dirty="0" err="1"/>
+              <a:rPr lang="en-US" altLang="zh-CN" err="1"/>
               <a:t>Object.values</a:t>
             </a:r>
             <a:r>
-              <a:rPr lang="en-US" altLang="zh-CN" dirty="0"/>
+              <a:rPr lang="en-US" altLang="zh-CN"/>
               <a:t>()</a:t>
             </a:r>
           </a:p>
           <a:p>
             <a:r>
-              <a:rPr lang="en-US" altLang="zh-CN" dirty="0" err="1"/>
+              <a:rPr lang="en-US" altLang="zh-CN" err="1"/>
               <a:t>Object.getOwnPropertyDesCriptors</a:t>
             </a:r>
             <a:r>
-              <a:rPr lang="en-US" altLang="zh-CN" dirty="0"/>
+              <a:rPr lang="en-US" altLang="zh-CN"/>
               <a:t>()</a:t>
             </a:r>
           </a:p>
           <a:p>
             <a:r>
-              <a:rPr lang="zh-CN" altLang="en-US" dirty="0"/>
+              <a:rPr lang="zh-CN" altLang="en-US"/>
               <a:t>字符串填充</a:t>
             </a:r>
-            <a:endParaRPr lang="en-US" altLang="zh-CN" dirty="0"/>
+            <a:endParaRPr lang="en-US" altLang="zh-CN"/>
           </a:p>
         </p:txBody>
       </p:sp>
@@ -1769,7 +1769,7 @@
               </a:lnSpc>
             </a:pPr>
             <a:r>
-              <a:rPr lang="zh-CN" altLang="zh-CN" sz="900" dirty="0">
+              <a:rPr lang="zh-CN" altLang="zh-CN" sz="900">
                 <a:solidFill>
                   <a:srgbClr val="000000"/>
                 </a:solidFill>
@@ -1831,10 +1831,10 @@
               </a:lnSpc>
             </a:pPr>
             <a:r>
-              <a:rPr lang="en-US" altLang="zh-CN" dirty="0"/>
+              <a:rPr lang="en-US" altLang="zh-CN"/>
               <a:t>ES3</a:t>
             </a:r>
-            <a:endParaRPr lang="zh-CN" altLang="en-US" dirty="0"/>
+            <a:endParaRPr lang="zh-CN" altLang="en-US"/>
           </a:p>
         </p:txBody>
       </p:sp>
@@ -1873,7 +1873,7 @@
               </a:lnSpc>
             </a:pPr>
             <a:r>
-              <a:rPr lang="zh-CN" altLang="en-US" sz="900" dirty="0">
+              <a:rPr lang="zh-CN" altLang="en-US" sz="900">
                 <a:solidFill>
                   <a:srgbClr val="000000"/>
                 </a:solidFill>
@@ -1884,7 +1884,7 @@
               <a:t>于</a:t>
             </a:r>
             <a:r>
-              <a:rPr lang="en-US" altLang="zh-CN" sz="900" dirty="0">
+              <a:rPr lang="en-US" altLang="zh-CN" sz="900">
                 <a:solidFill>
                   <a:srgbClr val="000000"/>
                 </a:solidFill>
@@ -1895,7 +1895,7 @@
               <a:t>2008</a:t>
             </a:r>
             <a:r>
-              <a:rPr lang="zh-CN" altLang="en-US" sz="900" dirty="0">
+              <a:rPr lang="zh-CN" altLang="en-US" sz="900">
                 <a:solidFill>
                   <a:srgbClr val="000000"/>
                 </a:solidFill>
@@ -1906,7 +1906,7 @@
               <a:t>年</a:t>
             </a:r>
             <a:r>
-              <a:rPr lang="en-US" altLang="zh-CN" sz="900" dirty="0">
+              <a:rPr lang="en-US" altLang="zh-CN" sz="900">
                 <a:solidFill>
                   <a:srgbClr val="000000"/>
                 </a:solidFill>
@@ -1917,7 +1917,7 @@
               <a:t>7</a:t>
             </a:r>
             <a:r>
-              <a:rPr lang="zh-CN" altLang="en-US" sz="900" dirty="0">
+              <a:rPr lang="zh-CN" altLang="en-US" sz="900">
                 <a:solidFill>
                   <a:srgbClr val="000000"/>
                 </a:solidFill>
@@ -1927,7 +1927,7 @@
               </a:rPr>
               <a:t>月发布前被废弃。</a:t>
             </a:r>
-            <a:endParaRPr lang="zh-CN" altLang="zh-CN" sz="900" dirty="0">
+            <a:endParaRPr lang="zh-CN" altLang="zh-CN" sz="900">
               <a:solidFill>
                 <a:srgbClr val="000000"/>
               </a:solidFill>
@@ -1987,10 +1987,10 @@
               </a:lnSpc>
             </a:pPr>
             <a:r>
-              <a:rPr lang="en-US" altLang="zh-CN" dirty="0"/>
+              <a:rPr lang="en-US" altLang="zh-CN"/>
               <a:t>ES4</a:t>
             </a:r>
-            <a:endParaRPr lang="zh-CN" altLang="en-US" dirty="0"/>
+            <a:endParaRPr lang="zh-CN" altLang="en-US"/>
           </a:p>
         </p:txBody>
       </p:sp>
@@ -2029,7 +2029,7 @@
               </a:lnSpc>
             </a:pPr>
             <a:r>
-              <a:rPr lang="zh-CN" altLang="en-US" sz="900" dirty="0">
+              <a:rPr lang="zh-CN" altLang="en-US" sz="900">
                 <a:solidFill>
                   <a:srgbClr val="000000"/>
                 </a:solidFill>
@@ -2040,7 +2040,7 @@
               <a:t>力求澄清第</a:t>
             </a:r>
             <a:r>
-              <a:rPr lang="en-US" altLang="zh-CN" sz="900" dirty="0">
+              <a:rPr lang="en-US" altLang="zh-CN" sz="900">
                 <a:solidFill>
                   <a:srgbClr val="000000"/>
                 </a:solidFill>
@@ -2051,7 +2051,7 @@
               <a:t>3</a:t>
             </a:r>
             <a:r>
-              <a:rPr lang="zh-CN" altLang="en-US" sz="900" dirty="0">
+              <a:rPr lang="zh-CN" altLang="en-US" sz="900">
                 <a:solidFill>
                   <a:srgbClr val="000000"/>
                 </a:solidFill>
@@ -2062,7 +2062,7 @@
               <a:t>版中的歧义，并添加了新的功能：原生</a:t>
             </a:r>
             <a:r>
-              <a:rPr lang="en-US" altLang="zh-CN" sz="900" dirty="0">
+              <a:rPr lang="en-US" altLang="zh-CN" sz="900">
                 <a:solidFill>
                   <a:srgbClr val="000000"/>
                 </a:solidFill>
@@ -2073,7 +2073,7 @@
               <a:t>JSON</a:t>
             </a:r>
             <a:r>
-              <a:rPr lang="zh-CN" altLang="en-US" sz="900" dirty="0">
+              <a:rPr lang="zh-CN" altLang="en-US" sz="900">
                 <a:solidFill>
                   <a:srgbClr val="000000"/>
                 </a:solidFill>
@@ -2083,7 +2083,7 @@
               </a:rPr>
               <a:t>对象、继承的方法、高级属性的定义以及引入严格模式。</a:t>
             </a:r>
-            <a:endParaRPr lang="zh-CN" altLang="zh-CN" sz="900" dirty="0">
+            <a:endParaRPr lang="zh-CN" altLang="zh-CN" sz="900">
               <a:solidFill>
                 <a:srgbClr val="000000"/>
               </a:solidFill>
@@ -2143,10 +2143,10 @@
               </a:lnSpc>
             </a:pPr>
             <a:r>
-              <a:rPr lang="en-US" altLang="zh-CN" dirty="0"/>
+              <a:rPr lang="en-US" altLang="zh-CN"/>
               <a:t>ES4</a:t>
             </a:r>
-            <a:endParaRPr lang="zh-CN" altLang="en-US" dirty="0"/>
+            <a:endParaRPr lang="zh-CN" altLang="en-US"/>
           </a:p>
         </p:txBody>
       </p:sp>
@@ -2185,7 +2185,7 @@
               </a:lnSpc>
             </a:pPr>
             <a:r>
-              <a:rPr lang="zh-CN" altLang="en-US" sz="900" dirty="0">
+              <a:rPr lang="zh-CN" altLang="en-US" sz="900">
                 <a:solidFill>
                   <a:srgbClr val="000000"/>
                 </a:solidFill>
@@ -2195,7 +2195,7 @@
               </a:rPr>
               <a:t>箭头操作符</a:t>
             </a:r>
-            <a:endParaRPr lang="en-US" altLang="zh-CN" sz="900" dirty="0">
+            <a:endParaRPr lang="en-US" altLang="zh-CN" sz="900">
               <a:solidFill>
                 <a:srgbClr val="000000"/>
               </a:solidFill>
@@ -2211,7 +2211,7 @@
               </a:lnSpc>
             </a:pPr>
             <a:r>
-              <a:rPr lang="zh-CN" altLang="en-US" sz="900" dirty="0">
+              <a:rPr lang="zh-CN" altLang="en-US" sz="900">
                 <a:solidFill>
                   <a:srgbClr val="000000"/>
                 </a:solidFill>
@@ -2222,7 +2222,7 @@
               <a:t>变量定义</a:t>
             </a:r>
             <a:r>
-              <a:rPr lang="en-US" altLang="zh-CN" sz="900" dirty="0">
+              <a:rPr lang="en-US" altLang="zh-CN" sz="900">
                 <a:solidFill>
                   <a:srgbClr val="000000"/>
                 </a:solidFill>
@@ -2233,7 +2233,7 @@
               <a:t>let</a:t>
             </a:r>
             <a:r>
-              <a:rPr lang="zh-CN" altLang="en-US" sz="900" dirty="0">
+              <a:rPr lang="zh-CN" altLang="en-US" sz="900">
                 <a:solidFill>
                   <a:srgbClr val="000000"/>
                 </a:solidFill>
@@ -2244,7 +2244,7 @@
               <a:t>和</a:t>
             </a:r>
             <a:r>
-              <a:rPr lang="en-US" altLang="zh-CN" sz="900" dirty="0">
+              <a:rPr lang="en-US" altLang="zh-CN" sz="900">
                 <a:solidFill>
                   <a:srgbClr val="000000"/>
                 </a:solidFill>
@@ -2262,7 +2262,7 @@
               </a:lnSpc>
             </a:pPr>
             <a:r>
-              <a:rPr lang="en-US" altLang="zh-CN" sz="900" dirty="0">
+              <a:rPr lang="en-US" altLang="zh-CN" sz="900">
                 <a:solidFill>
                   <a:srgbClr val="000000"/>
                 </a:solidFill>
@@ -2280,7 +2280,7 @@
               </a:lnSpc>
             </a:pPr>
             <a:r>
-              <a:rPr lang="en-US" altLang="zh-CN" sz="900" dirty="0">
+              <a:rPr lang="en-US" altLang="zh-CN" sz="900">
                 <a:solidFill>
                   <a:srgbClr val="000000"/>
                 </a:solidFill>
@@ -2298,7 +2298,7 @@
               </a:lnSpc>
             </a:pPr>
             <a:r>
-              <a:rPr lang="en-US" altLang="zh-CN" sz="900" dirty="0">
+              <a:rPr lang="en-US" altLang="zh-CN" sz="900">
                 <a:solidFill>
                   <a:srgbClr val="000000"/>
                 </a:solidFill>
@@ -2316,7 +2316,7 @@
               </a:lnSpc>
             </a:pPr>
             <a:r>
-              <a:rPr lang="zh-CN" altLang="en-US" sz="900" dirty="0">
+              <a:rPr lang="zh-CN" altLang="en-US" sz="900">
                 <a:solidFill>
                   <a:srgbClr val="000000"/>
                 </a:solidFill>
@@ -2327,7 +2327,7 @@
               <a:t>对象超类</a:t>
             </a:r>
             <a:r>
-              <a:rPr lang="en-US" altLang="zh-CN" sz="900" dirty="0">
+              <a:rPr lang="en-US" altLang="zh-CN" sz="900">
                 <a:solidFill>
                   <a:srgbClr val="000000"/>
                 </a:solidFill>
@@ -2345,7 +2345,7 @@
               </a:lnSpc>
             </a:pPr>
             <a:r>
-              <a:rPr lang="zh-CN" altLang="en-US" sz="900" dirty="0">
+              <a:rPr lang="zh-CN" altLang="en-US" sz="900">
                 <a:solidFill>
                   <a:srgbClr val="000000"/>
                 </a:solidFill>
@@ -2356,7 +2356,7 @@
               <a:t>类</a:t>
             </a:r>
             <a:r>
-              <a:rPr lang="en-US" altLang="zh-CN" sz="900" dirty="0">
+              <a:rPr lang="en-US" altLang="zh-CN" sz="900">
                 <a:solidFill>
                   <a:srgbClr val="000000"/>
                 </a:solidFill>
@@ -2366,7 +2366,7 @@
               </a:rPr>
               <a:t>class</a:t>
             </a:r>
-            <a:endParaRPr lang="zh-CN" altLang="zh-CN" sz="900" dirty="0">
+            <a:endParaRPr lang="zh-CN" altLang="zh-CN" sz="900">
               <a:solidFill>
                 <a:srgbClr val="000000"/>
               </a:solidFill>
@@ -2412,7 +2412,7 @@
               </a:lnSpc>
             </a:pPr>
             <a:r>
-              <a:rPr lang="zh-CN" altLang="en-US" sz="900" dirty="0">
+              <a:rPr lang="zh-CN" altLang="en-US" sz="900">
                 <a:solidFill>
                   <a:srgbClr val="000000"/>
                 </a:solidFill>
@@ -2423,7 +2423,7 @@
               <a:t>字符串新增方法</a:t>
             </a:r>
             <a:r>
-              <a:rPr lang="en-US" altLang="zh-CN" sz="900" dirty="0">
+              <a:rPr lang="en-US" altLang="zh-CN" sz="900">
                 <a:solidFill>
                   <a:srgbClr val="000000"/>
                 </a:solidFill>
@@ -2434,7 +2434,7 @@
               <a:t>includes()</a:t>
             </a:r>
             <a:r>
-              <a:rPr lang="zh-CN" altLang="en-US" sz="900" dirty="0">
+              <a:rPr lang="zh-CN" altLang="en-US" sz="900">
                 <a:solidFill>
                   <a:srgbClr val="000000"/>
                 </a:solidFill>
@@ -2445,7 +2445,7 @@
               <a:t>、</a:t>
             </a:r>
             <a:r>
-              <a:rPr lang="en-US" altLang="zh-CN" sz="900" dirty="0">
+              <a:rPr lang="en-US" altLang="zh-CN" sz="900">
                 <a:solidFill>
                   <a:srgbClr val="000000"/>
                 </a:solidFill>
@@ -2456,7 +2456,7 @@
               <a:t>repeat()</a:t>
             </a:r>
             <a:r>
-              <a:rPr lang="zh-CN" altLang="en-US" sz="900" dirty="0">
+              <a:rPr lang="zh-CN" altLang="en-US" sz="900">
                 <a:solidFill>
                   <a:srgbClr val="000000"/>
                 </a:solidFill>
@@ -2467,7 +2467,7 @@
               <a:t>、</a:t>
             </a:r>
             <a:r>
-              <a:rPr lang="en-US" altLang="zh-CN" sz="900" dirty="0" err="1">
+              <a:rPr lang="en-US" altLang="zh-CN" sz="900" err="1">
                 <a:solidFill>
                   <a:srgbClr val="000000"/>
                 </a:solidFill>
@@ -2478,7 +2478,7 @@
               <a:t>startWith</a:t>
             </a:r>
             <a:r>
-              <a:rPr lang="en-US" altLang="zh-CN" sz="900" dirty="0">
+              <a:rPr lang="en-US" altLang="zh-CN" sz="900">
                 <a:solidFill>
                   <a:srgbClr val="000000"/>
                 </a:solidFill>
@@ -2489,7 +2489,7 @@
               <a:t>()</a:t>
             </a:r>
             <a:r>
-              <a:rPr lang="zh-CN" altLang="en-US" sz="900" dirty="0">
+              <a:rPr lang="zh-CN" altLang="en-US" sz="900">
                 <a:solidFill>
                   <a:srgbClr val="000000"/>
                 </a:solidFill>
@@ -2500,7 +2500,7 @@
               <a:t>、</a:t>
             </a:r>
             <a:r>
-              <a:rPr lang="en-US" altLang="zh-CN" sz="900" dirty="0" err="1">
+              <a:rPr lang="en-US" altLang="zh-CN" sz="900" err="1">
                 <a:solidFill>
                   <a:srgbClr val="000000"/>
                 </a:solidFill>
@@ -2511,7 +2511,7 @@
               <a:t>endsWith</a:t>
             </a:r>
             <a:r>
-              <a:rPr lang="en-US" altLang="zh-CN" sz="900" dirty="0">
+              <a:rPr lang="en-US" altLang="zh-CN" sz="900">
                 <a:solidFill>
                   <a:srgbClr val="000000"/>
                 </a:solidFill>
@@ -2529,7 +2529,7 @@
               </a:lnSpc>
             </a:pPr>
             <a:r>
-              <a:rPr lang="zh-CN" altLang="en-US" sz="900" dirty="0">
+              <a:rPr lang="zh-CN" altLang="en-US" sz="900">
                 <a:solidFill>
                   <a:srgbClr val="000000"/>
                 </a:solidFill>
@@ -2539,7 +2539,7 @@
               </a:rPr>
               <a:t>字符串模板</a:t>
             </a:r>
-            <a:endParaRPr lang="en-US" altLang="zh-CN" sz="900" dirty="0">
+            <a:endParaRPr lang="en-US" altLang="zh-CN" sz="900">
               <a:solidFill>
                 <a:srgbClr val="000000"/>
               </a:solidFill>
@@ -2555,7 +2555,7 @@
               </a:lnSpc>
             </a:pPr>
             <a:r>
-              <a:rPr lang="en-US" altLang="zh-CN" sz="900" dirty="0" err="1">
+              <a:rPr lang="en-US" altLang="zh-CN" sz="900" err="1">
                 <a:solidFill>
                   <a:srgbClr val="000000"/>
                 </a:solidFill>
@@ -2566,7 +2566,7 @@
               <a:t>Object.assign</a:t>
             </a:r>
             <a:r>
-              <a:rPr lang="en-US" altLang="zh-CN" sz="900" dirty="0">
+              <a:rPr lang="en-US" altLang="zh-CN" sz="900">
                 <a:solidFill>
                   <a:srgbClr val="000000"/>
                 </a:solidFill>
@@ -2584,7 +2584,7 @@
               </a:lnSpc>
             </a:pPr>
             <a:r>
-              <a:rPr lang="zh-CN" altLang="en-US" sz="900" dirty="0">
+              <a:rPr lang="zh-CN" altLang="en-US" sz="900">
                 <a:solidFill>
                   <a:srgbClr val="000000"/>
                 </a:solidFill>
@@ -2594,7 +2594,7 @@
               </a:rPr>
               <a:t>键值对重名简写</a:t>
             </a:r>
-            <a:endParaRPr lang="en-US" altLang="zh-CN" sz="900" dirty="0">
+            <a:endParaRPr lang="en-US" altLang="zh-CN" sz="900">
               <a:solidFill>
                 <a:srgbClr val="000000"/>
               </a:solidFill>
@@ -2610,7 +2610,7 @@
               </a:lnSpc>
             </a:pPr>
             <a:r>
-              <a:rPr lang="zh-CN" altLang="en-US" sz="900" dirty="0">
+              <a:rPr lang="zh-CN" altLang="en-US" sz="900">
                 <a:solidFill>
                   <a:srgbClr val="000000"/>
                 </a:solidFill>
@@ -2620,7 +2620,7 @@
               </a:rPr>
               <a:t>对象字面量简写</a:t>
             </a:r>
-            <a:endParaRPr lang="en-US" altLang="zh-CN" sz="900" dirty="0">
+            <a:endParaRPr lang="en-US" altLang="zh-CN" sz="900">
               <a:solidFill>
                 <a:srgbClr val="000000"/>
               </a:solidFill>
@@ -2636,7 +2636,7 @@
               </a:lnSpc>
             </a:pPr>
             <a:r>
-              <a:rPr lang="zh-CN" altLang="en-US" sz="900" dirty="0">
+              <a:rPr lang="zh-CN" altLang="en-US" sz="900">
                 <a:solidFill>
                   <a:srgbClr val="000000"/>
                 </a:solidFill>
@@ -2647,7 +2647,7 @@
               <a:t>数组</a:t>
             </a:r>
             <a:r>
-              <a:rPr lang="en-US" altLang="zh-CN" sz="900" dirty="0">
+              <a:rPr lang="en-US" altLang="zh-CN" sz="900">
                 <a:solidFill>
                   <a:srgbClr val="000000"/>
                 </a:solidFill>
@@ -2658,7 +2658,7 @@
               <a:t>Spread/Rest</a:t>
             </a:r>
             <a:r>
-              <a:rPr lang="zh-CN" altLang="en-US" sz="900" dirty="0">
+              <a:rPr lang="zh-CN" altLang="en-US" sz="900">
                 <a:solidFill>
                   <a:srgbClr val="000000"/>
                 </a:solidFill>
@@ -2669,7 +2669,7 @@
               <a:t>操作符</a:t>
             </a:r>
             <a:r>
-              <a:rPr lang="en-US" altLang="zh-CN" sz="900" dirty="0">
+              <a:rPr lang="en-US" altLang="zh-CN" sz="900">
                 <a:solidFill>
                   <a:srgbClr val="000000"/>
                 </a:solidFill>
@@ -2687,7 +2687,7 @@
               </a:lnSpc>
             </a:pPr>
             <a:r>
-              <a:rPr lang="en-US" altLang="zh-CN" sz="900" dirty="0">
+              <a:rPr lang="en-US" altLang="zh-CN" sz="900">
                 <a:solidFill>
                   <a:srgbClr val="000000"/>
                 </a:solidFill>
@@ -2698,7 +2698,7 @@
               <a:t>for...of</a:t>
             </a:r>
             <a:r>
-              <a:rPr lang="zh-CN" altLang="en-US" sz="900" dirty="0">
+              <a:rPr lang="zh-CN" altLang="en-US" sz="900">
                 <a:solidFill>
                   <a:srgbClr val="000000"/>
                 </a:solidFill>
@@ -2709,7 +2709,7 @@
               <a:t>（值）和</a:t>
             </a:r>
             <a:r>
-              <a:rPr lang="en-US" altLang="zh-CN" sz="900" dirty="0">
+              <a:rPr lang="en-US" altLang="zh-CN" sz="900">
                 <a:solidFill>
                   <a:srgbClr val="000000"/>
                 </a:solidFill>
@@ -2720,7 +2720,7 @@
               <a:t>for...in</a:t>
             </a:r>
             <a:r>
-              <a:rPr lang="zh-CN" altLang="en-US" sz="900" dirty="0">
+              <a:rPr lang="zh-CN" altLang="en-US" sz="900">
                 <a:solidFill>
                   <a:srgbClr val="000000"/>
                 </a:solidFill>
@@ -2730,7 +2730,7 @@
               </a:rPr>
               <a:t>（键名）</a:t>
             </a:r>
-            <a:endParaRPr lang="en-US" altLang="zh-CN" sz="900" dirty="0">
+            <a:endParaRPr lang="en-US" altLang="zh-CN" sz="900">
               <a:solidFill>
                 <a:srgbClr val="000000"/>
               </a:solidFill>
@@ -2776,7 +2776,7 @@
               </a:lnSpc>
             </a:pPr>
             <a:r>
-              <a:rPr lang="en-US" altLang="zh-CN" sz="900" dirty="0">
+              <a:rPr lang="en-US" altLang="zh-CN" sz="900">
                 <a:solidFill>
                   <a:srgbClr val="000000"/>
                 </a:solidFill>
@@ -2794,7 +2794,7 @@
               </a:lnSpc>
             </a:pPr>
             <a:r>
-              <a:rPr lang="en-US" altLang="zh-CN" sz="900" dirty="0">
+              <a:rPr lang="en-US" altLang="zh-CN" sz="900">
                 <a:solidFill>
                   <a:srgbClr val="000000"/>
                 </a:solidFill>
@@ -2805,7 +2805,7 @@
               <a:t>Object </a:t>
             </a:r>
             <a:r>
-              <a:rPr lang="en-US" altLang="zh-CN" sz="900" dirty="0" err="1">
+              <a:rPr lang="en-US" altLang="zh-CN" sz="900" err="1">
                 <a:solidFill>
                   <a:srgbClr val="000000"/>
                 </a:solidFill>
@@ -2815,7 +2815,7 @@
               </a:rPr>
               <a:t>Rest&amp;Spread</a:t>
             </a:r>
-            <a:endParaRPr lang="en-US" altLang="zh-CN" sz="900" dirty="0">
+            <a:endParaRPr lang="en-US" altLang="zh-CN" sz="900">
               <a:solidFill>
                 <a:srgbClr val="000000"/>
               </a:solidFill>
@@ -2831,7 +2831,7 @@
               </a:lnSpc>
             </a:pPr>
             <a:r>
-              <a:rPr lang="en-US" altLang="zh-CN" sz="900" dirty="0" err="1">
+              <a:rPr lang="en-US" altLang="zh-CN" sz="900" err="1">
                 <a:solidFill>
                   <a:srgbClr val="000000"/>
                 </a:solidFill>
@@ -2842,7 +2842,7 @@
               <a:t>Promise.prototype.finally</a:t>
             </a:r>
             <a:r>
-              <a:rPr lang="en-US" altLang="zh-CN" sz="900" dirty="0">
+              <a:rPr lang="en-US" altLang="zh-CN" sz="900">
                 <a:solidFill>
                   <a:srgbClr val="000000"/>
                 </a:solidFill>
@@ -2860,7 +2860,7 @@
               </a:lnSpc>
             </a:pPr>
             <a:r>
-              <a:rPr lang="zh-CN" altLang="en-US" sz="900" dirty="0">
+              <a:rPr lang="zh-CN" altLang="en-US" sz="900">
                 <a:solidFill>
                   <a:srgbClr val="000000"/>
                 </a:solidFill>
@@ -2870,7 +2870,7 @@
               </a:rPr>
               <a:t>新的正则表达式特性</a:t>
             </a:r>
-            <a:endParaRPr lang="en-US" altLang="zh-CN" sz="900" dirty="0">
+            <a:endParaRPr lang="en-US" altLang="zh-CN" sz="900">
               <a:solidFill>
                 <a:srgbClr val="000000"/>
               </a:solidFill>
@@ -2886,7 +2886,7 @@
               </a:lnSpc>
             </a:pPr>
             <a:r>
-              <a:rPr lang="en-US" altLang="zh-CN" sz="900" dirty="0">
+              <a:rPr lang="en-US" altLang="zh-CN" sz="900">
                 <a:solidFill>
                   <a:srgbClr val="000000"/>
                 </a:solidFill>
@@ -2897,7 +2897,7 @@
               <a:t>    s(</a:t>
             </a:r>
             <a:r>
-              <a:rPr lang="en-US" altLang="zh-CN" sz="900" dirty="0" err="1">
+              <a:rPr lang="en-US" altLang="zh-CN" sz="900" err="1">
                 <a:solidFill>
                   <a:srgbClr val="000000"/>
                 </a:solidFill>
@@ -2908,7 +2908,7 @@
               <a:t>dotAll</a:t>
             </a:r>
             <a:r>
-              <a:rPr lang="en-US" altLang="zh-CN" sz="900" dirty="0">
+              <a:rPr lang="en-US" altLang="zh-CN" sz="900">
                 <a:solidFill>
                   <a:srgbClr val="000000"/>
                 </a:solidFill>
@@ -2919,7 +2919,7 @@
               <a:t>)</a:t>
             </a:r>
             <a:r>
-              <a:rPr lang="zh-CN" altLang="en-US" sz="900" dirty="0">
+              <a:rPr lang="zh-CN" altLang="en-US" sz="900">
                 <a:solidFill>
                   <a:srgbClr val="000000"/>
                 </a:solidFill>
@@ -2929,7 +2929,7 @@
               </a:rPr>
               <a:t>标志</a:t>
             </a:r>
-            <a:endParaRPr lang="en-US" altLang="zh-CN" sz="900" dirty="0">
+            <a:endParaRPr lang="en-US" altLang="zh-CN" sz="900">
               <a:solidFill>
                 <a:srgbClr val="000000"/>
               </a:solidFill>
@@ -2945,7 +2945,7 @@
               </a:lnSpc>
             </a:pPr>
             <a:r>
-              <a:rPr lang="en-US" altLang="zh-CN" sz="900" dirty="0">
+              <a:rPr lang="en-US" altLang="zh-CN" sz="900">
                 <a:solidFill>
                   <a:srgbClr val="000000"/>
                 </a:solidFill>
@@ -2956,7 +2956,7 @@
               <a:t>    </a:t>
             </a:r>
             <a:r>
-              <a:rPr lang="zh-CN" altLang="en-US" sz="900" dirty="0">
+              <a:rPr lang="zh-CN" altLang="en-US" sz="900">
                 <a:solidFill>
                   <a:srgbClr val="000000"/>
                 </a:solidFill>
@@ -2966,7 +2966,7 @@
               </a:rPr>
               <a:t>命名捕获组</a:t>
             </a:r>
-            <a:endParaRPr lang="en-US" altLang="zh-CN" sz="900" dirty="0">
+            <a:endParaRPr lang="en-US" altLang="zh-CN" sz="900">
               <a:solidFill>
                 <a:srgbClr val="000000"/>
               </a:solidFill>
@@ -2982,7 +2982,7 @@
               </a:lnSpc>
             </a:pPr>
             <a:r>
-              <a:rPr lang="en-US" altLang="zh-CN" sz="900" dirty="0">
+              <a:rPr lang="en-US" altLang="zh-CN" sz="900">
                 <a:solidFill>
                   <a:srgbClr val="000000"/>
                 </a:solidFill>
@@ -2993,7 +2993,7 @@
               <a:t>    Lookbehind</a:t>
             </a:r>
             <a:r>
-              <a:rPr lang="zh-CN" altLang="en-US" sz="900" dirty="0">
+              <a:rPr lang="zh-CN" altLang="en-US" sz="900">
                 <a:solidFill>
                   <a:srgbClr val="000000"/>
                 </a:solidFill>
@@ -3003,7 +3003,7 @@
               </a:rPr>
               <a:t>后行断言</a:t>
             </a:r>
-            <a:endParaRPr lang="en-US" altLang="zh-CN" sz="900" dirty="0">
+            <a:endParaRPr lang="en-US" altLang="zh-CN" sz="900">
               <a:solidFill>
                 <a:srgbClr val="000000"/>
               </a:solidFill>
@@ -3019,7 +3019,7 @@
               </a:lnSpc>
             </a:pPr>
             <a:r>
-              <a:rPr lang="en-US" altLang="zh-CN" sz="900" dirty="0">
+              <a:rPr lang="en-US" altLang="zh-CN" sz="900">
                 <a:solidFill>
                   <a:srgbClr val="000000"/>
                 </a:solidFill>
@@ -3030,7 +3030,7 @@
               <a:t>    Unicode</a:t>
             </a:r>
             <a:r>
-              <a:rPr lang="zh-CN" altLang="en-US" sz="900" dirty="0">
+              <a:rPr lang="zh-CN" altLang="en-US" sz="900">
                 <a:solidFill>
                   <a:srgbClr val="000000"/>
                 </a:solidFill>
@@ -3040,7 +3040,7 @@
               </a:rPr>
               <a:t>属性转义</a:t>
             </a:r>
-            <a:endParaRPr lang="zh-CN" altLang="zh-CN" sz="900" dirty="0">
+            <a:endParaRPr lang="zh-CN" altLang="zh-CN" sz="900">
               <a:solidFill>
                 <a:srgbClr val="000000"/>
               </a:solidFill>
@@ -3086,7 +3086,7 @@
               </a:lnSpc>
             </a:pPr>
             <a:r>
-              <a:rPr lang="en-US" altLang="zh-CN" sz="900" dirty="0" err="1">
+              <a:rPr lang="en-US" altLang="zh-CN" sz="900" err="1">
                 <a:solidFill>
                   <a:srgbClr val="000000"/>
                 </a:solidFill>
@@ -3097,7 +3097,7 @@
               <a:t>Array.prototype.flat</a:t>
             </a:r>
             <a:r>
-              <a:rPr lang="en-US" altLang="zh-CN" sz="900" dirty="0">
+              <a:rPr lang="en-US" altLang="zh-CN" sz="900">
                 <a:solidFill>
                   <a:srgbClr val="000000"/>
                 </a:solidFill>
@@ -3115,7 +3115,7 @@
               </a:lnSpc>
             </a:pPr>
             <a:r>
-              <a:rPr lang="en-US" altLang="zh-CN" sz="900" dirty="0" err="1">
+              <a:rPr lang="en-US" altLang="zh-CN" sz="900" err="1">
                 <a:solidFill>
                   <a:srgbClr val="000000"/>
                 </a:solidFill>
@@ -3126,7 +3126,7 @@
               <a:t>Array.prototype.flatMap</a:t>
             </a:r>
             <a:r>
-              <a:rPr lang="en-US" altLang="zh-CN" sz="900" dirty="0">
+              <a:rPr lang="en-US" altLang="zh-CN" sz="900">
                 <a:solidFill>
                   <a:srgbClr val="000000"/>
                 </a:solidFill>
@@ -3144,7 +3144,7 @@
               </a:lnSpc>
             </a:pPr>
             <a:r>
-              <a:rPr lang="en-US" altLang="zh-CN" sz="900" dirty="0" err="1">
+              <a:rPr lang="en-US" altLang="zh-CN" sz="900" err="1">
                 <a:solidFill>
                   <a:srgbClr val="000000"/>
                 </a:solidFill>
@@ -3155,7 +3155,7 @@
               <a:t>Object.fromEntries</a:t>
             </a:r>
             <a:r>
-              <a:rPr lang="en-US" altLang="zh-CN" sz="900" dirty="0">
+              <a:rPr lang="en-US" altLang="zh-CN" sz="900">
                 <a:solidFill>
                   <a:srgbClr val="000000"/>
                 </a:solidFill>
@@ -3173,7 +3173,7 @@
               </a:lnSpc>
             </a:pPr>
             <a:r>
-              <a:rPr lang="en-US" altLang="zh-CN" sz="900" dirty="0" err="1">
+              <a:rPr lang="en-US" altLang="zh-CN" sz="900" err="1">
                 <a:solidFill>
                   <a:srgbClr val="000000"/>
                 </a:solidFill>
@@ -3184,7 +3184,7 @@
               <a:t>String.trimStart</a:t>
             </a:r>
             <a:r>
-              <a:rPr lang="en-US" altLang="zh-CN" sz="900" dirty="0">
+              <a:rPr lang="en-US" altLang="zh-CN" sz="900">
                 <a:solidFill>
                   <a:srgbClr val="000000"/>
                 </a:solidFill>
@@ -3195,7 +3195,7 @@
               <a:t> &amp; </a:t>
             </a:r>
             <a:r>
-              <a:rPr lang="en-US" altLang="zh-CN" sz="900" dirty="0" err="1">
+              <a:rPr lang="en-US" altLang="zh-CN" sz="900" err="1">
                 <a:solidFill>
                   <a:srgbClr val="000000"/>
                 </a:solidFill>
@@ -3205,7 +3205,7 @@
               </a:rPr>
               <a:t>String.trimEnd</a:t>
             </a:r>
-            <a:endParaRPr lang="en-US" altLang="zh-CN" sz="900" dirty="0">
+            <a:endParaRPr lang="en-US" altLang="zh-CN" sz="900">
               <a:solidFill>
                 <a:srgbClr val="000000"/>
               </a:solidFill>
@@ -3221,7 +3221,7 @@
               </a:lnSpc>
             </a:pPr>
             <a:r>
-              <a:rPr lang="en-US" altLang="zh-CN" sz="900" dirty="0" err="1">
+              <a:rPr lang="en-US" altLang="zh-CN" sz="900" err="1">
                 <a:solidFill>
                   <a:srgbClr val="000000"/>
                 </a:solidFill>
@@ -3231,7 +3231,7 @@
               </a:rPr>
               <a:t>String.prototype.matchAll</a:t>
             </a:r>
-            <a:endParaRPr lang="en-US" altLang="zh-CN" sz="900" dirty="0">
+            <a:endParaRPr lang="en-US" altLang="zh-CN" sz="900">
               <a:solidFill>
                 <a:srgbClr val="000000"/>
               </a:solidFill>
@@ -3247,7 +3247,7 @@
               </a:lnSpc>
             </a:pPr>
             <a:r>
-              <a:rPr lang="en-US" altLang="zh-CN" sz="900" dirty="0">
+              <a:rPr lang="en-US" altLang="zh-CN" sz="900">
                 <a:solidFill>
                   <a:srgbClr val="000000"/>
                 </a:solidFill>
@@ -3265,7 +3265,7 @@
               </a:lnSpc>
             </a:pPr>
             <a:r>
-              <a:rPr lang="en-US" altLang="zh-CN" sz="900" dirty="0" err="1">
+              <a:rPr lang="en-US" altLang="zh-CN" sz="900" err="1">
                 <a:solidFill>
                   <a:srgbClr val="000000"/>
                 </a:solidFill>
@@ -3276,7 +3276,7 @@
               <a:t>BigInt</a:t>
             </a:r>
             <a:r>
-              <a:rPr lang="zh-CN" altLang="en-US" sz="900" dirty="0">
+              <a:rPr lang="zh-CN" altLang="en-US" sz="900">
                 <a:solidFill>
                   <a:srgbClr val="000000"/>
                 </a:solidFill>
@@ -3286,7 +3286,7 @@
               </a:rPr>
               <a:t>数据类型</a:t>
             </a:r>
-            <a:endParaRPr lang="en-US" altLang="zh-CN" sz="900" dirty="0">
+            <a:endParaRPr lang="en-US" altLang="zh-CN" sz="900">
               <a:solidFill>
                 <a:srgbClr val="000000"/>
               </a:solidFill>
@@ -3302,7 +3302,7 @@
               </a:lnSpc>
             </a:pPr>
             <a:r>
-              <a:rPr lang="en-US" altLang="zh-CN" sz="900" dirty="0" err="1">
+              <a:rPr lang="en-US" altLang="zh-CN" sz="900" err="1">
                 <a:solidFill>
                   <a:srgbClr val="000000"/>
                 </a:solidFill>
@@ -3312,7 +3312,7 @@
               </a:rPr>
               <a:t>Symbol.prototype.description</a:t>
             </a:r>
-            <a:endParaRPr lang="en-US" altLang="zh-CN" sz="900" dirty="0">
+            <a:endParaRPr lang="en-US" altLang="zh-CN" sz="900">
               <a:solidFill>
                 <a:srgbClr val="000000"/>
               </a:solidFill>
@@ -3328,7 +3328,7 @@
               </a:lnSpc>
             </a:pPr>
             <a:r>
-              <a:rPr lang="en-US" altLang="zh-CN" sz="900" dirty="0" err="1">
+              <a:rPr lang="en-US" altLang="zh-CN" sz="900" err="1">
                 <a:solidFill>
                   <a:srgbClr val="000000"/>
                 </a:solidFill>
@@ -3339,7 +3339,7 @@
               <a:t>Function.prototype.toString</a:t>
             </a:r>
             <a:r>
-              <a:rPr lang="en-US" altLang="zh-CN" sz="900" dirty="0">
+              <a:rPr lang="en-US" altLang="zh-CN" sz="900">
                 <a:solidFill>
                   <a:srgbClr val="000000"/>
                 </a:solidFill>
@@ -3567,7 +3567,7 @@
               </a:lnSpc>
             </a:pPr>
             <a:r>
-              <a:rPr lang="en-US" altLang="zh-CN" sz="900" dirty="0" err="1">
+              <a:rPr lang="en-US" altLang="zh-CN" sz="900" err="1">
                 <a:solidFill>
                   <a:srgbClr val="000000"/>
                 </a:solidFill>
@@ -3577,7 +3577,7 @@
               </a:rPr>
               <a:t>Promise.allSettled</a:t>
             </a:r>
-            <a:endParaRPr lang="en-US" altLang="zh-CN" sz="900" dirty="0">
+            <a:endParaRPr lang="en-US" altLang="zh-CN" sz="900">
               <a:solidFill>
                 <a:srgbClr val="000000"/>
               </a:solidFill>
@@ -3593,18 +3593,40 @@
               </a:lnSpc>
             </a:pPr>
             <a:r>
-              <a:rPr lang="zh-CN" altLang="en-US" sz="900" dirty="0">
-                <a:solidFill>
-                  <a:srgbClr val="000000"/>
-                </a:solidFill>
-                <a:latin typeface="Courier New" panose="02070309020205020404" pitchFamily="49" charset="0"/>
-                <a:ea typeface="PingFang SC Thin" panose="020B0200000000000000" pitchFamily="34" charset="-122"/>
-                <a:cs typeface="Courier New" panose="02070309020205020404" pitchFamily="49" charset="0"/>
-              </a:rPr>
-              <a:t>可选链（</a:t>
-            </a:r>
-            <a:r>
-              <a:rPr lang="en-US" altLang="zh-CN" sz="900" dirty="0">
+              <a:rPr lang="zh-CN" altLang="en-US" sz="900">
+                <a:solidFill>
+                  <a:srgbClr val="000000"/>
+                </a:solidFill>
+                <a:latin typeface="Courier New" panose="02070309020205020404" pitchFamily="49" charset="0"/>
+                <a:ea typeface="PingFang SC Thin" panose="020B0200000000000000" pitchFamily="34" charset="-122"/>
+                <a:cs typeface="Courier New" panose="02070309020205020404" pitchFamily="49" charset="0"/>
+              </a:rPr>
+              <a:t>可选链</a:t>
+            </a:r>
+            <a:r>
+              <a:rPr lang="en-US" altLang="zh-CN" sz="900">
+                <a:solidFill>
+                  <a:srgbClr val="000000"/>
+                </a:solidFill>
+                <a:latin typeface="Courier New" panose="02070309020205020404" pitchFamily="49" charset="0"/>
+                <a:ea typeface="PingFang SC Thin" panose="020B0200000000000000" pitchFamily="34" charset="-122"/>
+                <a:cs typeface="Courier New" panose="02070309020205020404" pitchFamily="49" charset="0"/>
+              </a:rPr>
+              <a:t>?.</a:t>
+            </a:r>
+            <a:r>
+              <a:rPr lang="zh-CN" altLang="en-US" sz="900">
+                <a:solidFill>
+                  <a:srgbClr val="000000"/>
+                </a:solidFill>
+                <a:latin typeface="Courier New" panose="02070309020205020404" pitchFamily="49" charset="0"/>
+                <a:ea typeface="PingFang SC Thin" panose="020B0200000000000000" pitchFamily="34" charset="-122"/>
+                <a:cs typeface="Courier New" panose="02070309020205020404" pitchFamily="49" charset="0"/>
+              </a:rPr>
+              <a:t>（</a:t>
+            </a:r>
+            <a:r>
+              <a:rPr lang="en-US" altLang="zh-CN" sz="900">
                 <a:solidFill>
                   <a:srgbClr val="000000"/>
                 </a:solidFill>
@@ -3615,7 +3637,7 @@
               <a:t>Optional chaining</a:t>
             </a:r>
             <a:r>
-              <a:rPr lang="zh-CN" altLang="en-US" sz="900" dirty="0">
+              <a:rPr lang="zh-CN" altLang="en-US" sz="900">
                 <a:solidFill>
                   <a:srgbClr val="000000"/>
                 </a:solidFill>
@@ -3633,18 +3655,40 @@
               </a:lnSpc>
             </a:pPr>
             <a:r>
-              <a:rPr lang="zh-CN" altLang="en-US" sz="900" dirty="0">
-                <a:solidFill>
-                  <a:srgbClr val="000000"/>
-                </a:solidFill>
-                <a:latin typeface="Courier New" panose="02070309020205020404" pitchFamily="49" charset="0"/>
-                <a:ea typeface="PingFang SC Thin" panose="020B0200000000000000" pitchFamily="34" charset="-122"/>
-                <a:cs typeface="Courier New" panose="02070309020205020404" pitchFamily="49" charset="0"/>
-              </a:rPr>
-              <a:t>空值合并运算符（</a:t>
-            </a:r>
-            <a:r>
-              <a:rPr lang="en-US" altLang="zh-CN" sz="900" dirty="0" err="1">
+              <a:rPr lang="zh-CN" altLang="en-US" sz="900">
+                <a:solidFill>
+                  <a:srgbClr val="000000"/>
+                </a:solidFill>
+                <a:latin typeface="Courier New" panose="02070309020205020404" pitchFamily="49" charset="0"/>
+                <a:ea typeface="PingFang SC Thin" panose="020B0200000000000000" pitchFamily="34" charset="-122"/>
+                <a:cs typeface="Courier New" panose="02070309020205020404" pitchFamily="49" charset="0"/>
+              </a:rPr>
+              <a:t>空值合并运算符</a:t>
+            </a:r>
+            <a:r>
+              <a:rPr lang="en-US" altLang="zh-CN" sz="900">
+                <a:solidFill>
+                  <a:srgbClr val="000000"/>
+                </a:solidFill>
+                <a:latin typeface="Courier New" panose="02070309020205020404" pitchFamily="49" charset="0"/>
+                <a:ea typeface="PingFang SC Thin" panose="020B0200000000000000" pitchFamily="34" charset="-122"/>
+                <a:cs typeface="Courier New" panose="02070309020205020404" pitchFamily="49" charset="0"/>
+              </a:rPr>
+              <a:t>??</a:t>
+            </a:r>
+            <a:r>
+              <a:rPr lang="zh-CN" altLang="en-US" sz="900">
+                <a:solidFill>
+                  <a:srgbClr val="000000"/>
+                </a:solidFill>
+                <a:latin typeface="Courier New" panose="02070309020205020404" pitchFamily="49" charset="0"/>
+                <a:ea typeface="PingFang SC Thin" panose="020B0200000000000000" pitchFamily="34" charset="-122"/>
+                <a:cs typeface="Courier New" panose="02070309020205020404" pitchFamily="49" charset="0"/>
+              </a:rPr>
+              <a:t>（</a:t>
+            </a:r>
+            <a:r>
+              <a:rPr lang="en-US" altLang="zh-CN" sz="900" err="1">
                 <a:solidFill>
                   <a:srgbClr val="000000"/>
                 </a:solidFill>
@@ -3655,7 +3699,7 @@
               <a:t>Nullish</a:t>
             </a:r>
             <a:r>
-              <a:rPr lang="en-US" altLang="zh-CN" sz="900" dirty="0">
+              <a:rPr lang="en-US" altLang="zh-CN" sz="900">
                 <a:solidFill>
                   <a:srgbClr val="000000"/>
                 </a:solidFill>
@@ -3666,7 +3710,7 @@
               <a:t> coalescing Operator</a:t>
             </a:r>
             <a:r>
-              <a:rPr lang="zh-CN" altLang="en-US" sz="900" dirty="0">
+              <a:rPr lang="zh-CN" altLang="en-US" sz="900">
                 <a:solidFill>
                   <a:srgbClr val="000000"/>
                 </a:solidFill>
@@ -3684,7 +3728,7 @@
               </a:lnSpc>
             </a:pPr>
             <a:r>
-              <a:rPr lang="en-US" altLang="zh-CN" sz="900" dirty="0">
+              <a:rPr lang="en-US" altLang="zh-CN" sz="900">
                 <a:solidFill>
                   <a:srgbClr val="000000"/>
                 </a:solidFill>
@@ -3702,7 +3746,7 @@
               </a:lnSpc>
             </a:pPr>
             <a:r>
-              <a:rPr lang="en-US" altLang="zh-CN" sz="900" dirty="0" err="1">
+              <a:rPr lang="en-US" altLang="zh-CN" sz="900" err="1">
                 <a:solidFill>
                   <a:srgbClr val="000000"/>
                 </a:solidFill>
@@ -3712,7 +3756,7 @@
               </a:rPr>
               <a:t>globalThis</a:t>
             </a:r>
-            <a:endParaRPr lang="en-US" altLang="zh-CN" sz="900" dirty="0">
+            <a:endParaRPr lang="en-US" altLang="zh-CN" sz="900">
               <a:solidFill>
                 <a:srgbClr val="000000"/>
               </a:solidFill>
@@ -3728,7 +3772,7 @@
               </a:lnSpc>
             </a:pPr>
             <a:r>
-              <a:rPr lang="en-US" altLang="zh-CN" sz="900" dirty="0" err="1">
+              <a:rPr lang="en-US" altLang="zh-CN" sz="900" err="1">
                 <a:solidFill>
                   <a:srgbClr val="000000"/>
                 </a:solidFill>
@@ -3739,7 +3783,7 @@
               <a:t>BigInt</a:t>
             </a:r>
             <a:r>
-              <a:rPr lang="zh-CN" altLang="en-US" sz="900" dirty="0">
+              <a:rPr lang="zh-CN" altLang="en-US" sz="900">
                 <a:solidFill>
                   <a:srgbClr val="000000"/>
                 </a:solidFill>
@@ -3749,7 +3793,7 @@
               </a:rPr>
               <a:t>对象</a:t>
             </a:r>
-            <a:endParaRPr lang="en-US" altLang="zh-CN" sz="900" dirty="0">
+            <a:endParaRPr lang="en-US" altLang="zh-CN" sz="900">
               <a:solidFill>
                 <a:srgbClr val="000000"/>
               </a:solidFill>
@@ -3765,7 +3809,7 @@
               </a:lnSpc>
             </a:pPr>
             <a:r>
-              <a:rPr lang="en-US" altLang="zh-CN" sz="900" dirty="0" err="1">
+              <a:rPr lang="en-US" altLang="zh-CN" sz="900" err="1">
                 <a:solidFill>
                   <a:srgbClr val="000000"/>
                 </a:solidFill>
@@ -3775,7 +3819,7 @@
               </a:rPr>
               <a:t>String.prototype.matchAll</a:t>
             </a:r>
-            <a:endParaRPr lang="en-US" altLang="zh-CN" sz="900" dirty="0">
+            <a:endParaRPr lang="en-US" altLang="zh-CN" sz="900">
               <a:solidFill>
                 <a:srgbClr val="000000"/>
               </a:solidFill>
